--- a/Final dissertation/_IMAGES/PPT2SVG/PPT2SVG.pptx
+++ b/Final dissertation/_IMAGES/PPT2SVG/PPT2SVG.pptx
@@ -108,13 +108,17 @@
   <p:extLst>
     <p:ext uri="{521415D9-36F7-43E2-AB2F-B90AF26B5E84}">
       <p14:sectionLst xmlns:p14="http://schemas.microsoft.com/office/powerpoint/2010/main">
-        <p14:section name="tracking_digram" id="{1DEDF661-914E-48E3-9A8D-8BB85409C3A9}">
+        <p14:section name="tracking_diagram" id="{1DEDF661-914E-48E3-9A8D-8BB85409C3A9}">
           <p14:sldIdLst>
             <p14:sldId id="256"/>
+          </p14:sldIdLst>
+        </p14:section>
+        <p14:section name="correlator" id="{0836700A-C48D-4FB8-8B22-4DC8078990AA}">
+          <p14:sldIdLst>
             <p14:sldId id="257"/>
           </p14:sldIdLst>
         </p14:section>
-        <p14:section name="Untitled Section" id="{0836700A-C48D-4FB8-8B22-4DC8078990AA}">
+        <p14:section name="Untitled Section" id="{6E6AE61A-F45D-4AA3-96B4-8C88B1254349}">
           <p14:sldIdLst/>
         </p14:section>
       </p14:sectionLst>
@@ -130,6 +134,7 @@
 <p1510:revInfo xmlns:a="http://schemas.openxmlformats.org/drawingml/2006/main" xmlns:r="http://schemas.openxmlformats.org/officeDocument/2006/relationships" xmlns:p1510="http://schemas.microsoft.com/office/powerpoint/2015/10/main">
   <p1510:revLst>
     <p1510:client id="{12CE6EA4-E54B-4863-A9F1-2BD1C64C7B54}" v="4" dt="2023-08-08T19:09:24.141"/>
+    <p1510:client id="{1A970390-34B1-4875-A282-541D41E777C2}" v="1" dt="2023-08-09T14:19:09.622"/>
     <p1510:client id="{454D0FB5-7D94-46ED-A2B4-4CA6DD84145B}" v="19" dt="2023-08-08T19:51:19.439"/>
   </p1510:revLst>
 </p1510:revInfo>
@@ -137,6 +142,261 @@
 
 <file path=ppt/changesInfos/changesInfo1.xml><?xml version="1.0" encoding="utf-8"?>
 <pc:chgInfo xmlns:a="http://schemas.openxmlformats.org/drawingml/2006/main" xmlns:r="http://schemas.openxmlformats.org/officeDocument/2006/relationships" xmlns:ac="http://schemas.microsoft.com/office/drawing/2013/main/command" xmlns:pc="http://schemas.microsoft.com/office/powerpoint/2013/main/command">
+  <pc:docChgLst>
+    <pc:chgData name="Yaowen Hu" userId="81e4f212d1a9d49e" providerId="LiveId" clId="{1A970390-34B1-4875-A282-541D41E777C2}"/>
+    <pc:docChg chg="modSld sldOrd addSection modSection">
+      <pc:chgData name="Yaowen Hu" userId="81e4f212d1a9d49e" providerId="LiveId" clId="{1A970390-34B1-4875-A282-541D41E777C2}" dt="2023-08-09T15:49:23.607" v="21" actId="17846"/>
+      <pc:docMkLst>
+        <pc:docMk/>
+      </pc:docMkLst>
+      <pc:sldChg chg="modSp mod">
+        <pc:chgData name="Yaowen Hu" userId="81e4f212d1a9d49e" providerId="LiveId" clId="{1A970390-34B1-4875-A282-541D41E777C2}" dt="2023-08-09T14:19:57.362" v="16" actId="20577"/>
+        <pc:sldMkLst>
+          <pc:docMk/>
+          <pc:sldMk cId="960251637" sldId="256"/>
+        </pc:sldMkLst>
+        <pc:spChg chg="mod">
+          <ac:chgData name="Yaowen Hu" userId="81e4f212d1a9d49e" providerId="LiveId" clId="{1A970390-34B1-4875-A282-541D41E777C2}" dt="2023-08-09T14:19:09.622" v="1" actId="255"/>
+          <ac:spMkLst>
+            <pc:docMk/>
+            <pc:sldMk cId="960251637" sldId="256"/>
+            <ac:spMk id="13" creationId="{4D2AE786-1ACC-9B3D-DF81-C5677F8E8C76}"/>
+          </ac:spMkLst>
+        </pc:spChg>
+        <pc:spChg chg="mod">
+          <ac:chgData name="Yaowen Hu" userId="81e4f212d1a9d49e" providerId="LiveId" clId="{1A970390-34B1-4875-A282-541D41E777C2}" dt="2023-08-09T14:19:09.622" v="1" actId="255"/>
+          <ac:spMkLst>
+            <pc:docMk/>
+            <pc:sldMk cId="960251637" sldId="256"/>
+            <ac:spMk id="14" creationId="{6D0E0F8E-E003-9FC3-4E6B-40AB09E4E595}"/>
+          </ac:spMkLst>
+        </pc:spChg>
+        <pc:spChg chg="mod">
+          <ac:chgData name="Yaowen Hu" userId="81e4f212d1a9d49e" providerId="LiveId" clId="{1A970390-34B1-4875-A282-541D41E777C2}" dt="2023-08-09T14:19:09.622" v="1" actId="255"/>
+          <ac:spMkLst>
+            <pc:docMk/>
+            <pc:sldMk cId="960251637" sldId="256"/>
+            <ac:spMk id="32" creationId="{AFBF63FA-947F-3A1E-5A5B-3B22B2A61624}"/>
+          </ac:spMkLst>
+        </pc:spChg>
+        <pc:spChg chg="mod">
+          <ac:chgData name="Yaowen Hu" userId="81e4f212d1a9d49e" providerId="LiveId" clId="{1A970390-34B1-4875-A282-541D41E777C2}" dt="2023-08-09T14:19:09.622" v="1" actId="255"/>
+          <ac:spMkLst>
+            <pc:docMk/>
+            <pc:sldMk cId="960251637" sldId="256"/>
+            <ac:spMk id="40" creationId="{BEF213E3-1F8A-73F3-54E0-14D103E4EADA}"/>
+          </ac:spMkLst>
+        </pc:spChg>
+        <pc:spChg chg="mod">
+          <ac:chgData name="Yaowen Hu" userId="81e4f212d1a9d49e" providerId="LiveId" clId="{1A970390-34B1-4875-A282-541D41E777C2}" dt="2023-08-09T14:19:29.930" v="6" actId="14100"/>
+          <ac:spMkLst>
+            <pc:docMk/>
+            <pc:sldMk cId="960251637" sldId="256"/>
+            <ac:spMk id="67" creationId="{8144056D-77D1-C824-BDC6-B53CBCE9F55D}"/>
+          </ac:spMkLst>
+        </pc:spChg>
+        <pc:spChg chg="mod">
+          <ac:chgData name="Yaowen Hu" userId="81e4f212d1a9d49e" providerId="LiveId" clId="{1A970390-34B1-4875-A282-541D41E777C2}" dt="2023-08-09T14:19:37.810" v="8" actId="14100"/>
+          <ac:spMkLst>
+            <pc:docMk/>
+            <pc:sldMk cId="960251637" sldId="256"/>
+            <ac:spMk id="68" creationId="{BF2B1655-41D0-033F-7DD7-96AF8C90B8AA}"/>
+          </ac:spMkLst>
+        </pc:spChg>
+        <pc:spChg chg="mod">
+          <ac:chgData name="Yaowen Hu" userId="81e4f212d1a9d49e" providerId="LiveId" clId="{1A970390-34B1-4875-A282-541D41E777C2}" dt="2023-08-09T14:19:09.622" v="1" actId="255"/>
+          <ac:spMkLst>
+            <pc:docMk/>
+            <pc:sldMk cId="960251637" sldId="256"/>
+            <ac:spMk id="99" creationId="{FA27E179-7B96-8975-F456-0847ECC62FC6}"/>
+          </ac:spMkLst>
+        </pc:spChg>
+        <pc:spChg chg="mod">
+          <ac:chgData name="Yaowen Hu" userId="81e4f212d1a9d49e" providerId="LiveId" clId="{1A970390-34B1-4875-A282-541D41E777C2}" dt="2023-08-09T14:19:57.362" v="16" actId="20577"/>
+          <ac:spMkLst>
+            <pc:docMk/>
+            <pc:sldMk cId="960251637" sldId="256"/>
+            <ac:spMk id="100" creationId="{C7747305-960D-93D5-B476-A232B82C9806}"/>
+          </ac:spMkLst>
+        </pc:spChg>
+        <pc:grpChg chg="mod">
+          <ac:chgData name="Yaowen Hu" userId="81e4f212d1a9d49e" providerId="LiveId" clId="{1A970390-34B1-4875-A282-541D41E777C2}" dt="2023-08-09T14:19:09.622" v="1" actId="255"/>
+          <ac:grpSpMkLst>
+            <pc:docMk/>
+            <pc:sldMk cId="960251637" sldId="256"/>
+            <ac:grpSpMk id="31" creationId="{585B045F-5163-E18B-83A3-DD65800588F6}"/>
+          </ac:grpSpMkLst>
+        </pc:grpChg>
+        <pc:grpChg chg="mod">
+          <ac:chgData name="Yaowen Hu" userId="81e4f212d1a9d49e" providerId="LiveId" clId="{1A970390-34B1-4875-A282-541D41E777C2}" dt="2023-08-09T14:19:09.622" v="1" actId="255"/>
+          <ac:grpSpMkLst>
+            <pc:docMk/>
+            <pc:sldMk cId="960251637" sldId="256"/>
+            <ac:grpSpMk id="39" creationId="{65688989-4CF1-3ECF-B353-3BFF031BF71A}"/>
+          </ac:grpSpMkLst>
+        </pc:grpChg>
+        <pc:grpChg chg="mod">
+          <ac:chgData name="Yaowen Hu" userId="81e4f212d1a9d49e" providerId="LiveId" clId="{1A970390-34B1-4875-A282-541D41E777C2}" dt="2023-08-09T14:19:09.622" v="1" actId="255"/>
+          <ac:grpSpMkLst>
+            <pc:docMk/>
+            <pc:sldMk cId="960251637" sldId="256"/>
+            <ac:grpSpMk id="66" creationId="{D6F97A60-E4D8-B20F-00D7-A2942DEC158A}"/>
+          </ac:grpSpMkLst>
+        </pc:grpChg>
+        <pc:grpChg chg="mod">
+          <ac:chgData name="Yaowen Hu" userId="81e4f212d1a9d49e" providerId="LiveId" clId="{1A970390-34B1-4875-A282-541D41E777C2}" dt="2023-08-09T14:19:09.622" v="1" actId="255"/>
+          <ac:grpSpMkLst>
+            <pc:docMk/>
+            <pc:sldMk cId="960251637" sldId="256"/>
+            <ac:grpSpMk id="73" creationId="{6C8D8C38-14D7-528A-9869-D0A4E01593BF}"/>
+          </ac:grpSpMkLst>
+        </pc:grpChg>
+        <pc:cxnChg chg="mod">
+          <ac:chgData name="Yaowen Hu" userId="81e4f212d1a9d49e" providerId="LiveId" clId="{1A970390-34B1-4875-A282-541D41E777C2}" dt="2023-08-09T14:19:09.622" v="1" actId="255"/>
+          <ac:cxnSpMkLst>
+            <pc:docMk/>
+            <pc:sldMk cId="960251637" sldId="256"/>
+            <ac:cxnSpMk id="2" creationId="{8BC20927-DC9E-18E0-F026-377941340B22}"/>
+          </ac:cxnSpMkLst>
+        </pc:cxnChg>
+        <pc:cxnChg chg="mod">
+          <ac:chgData name="Yaowen Hu" userId="81e4f212d1a9d49e" providerId="LiveId" clId="{1A970390-34B1-4875-A282-541D41E777C2}" dt="2023-08-09T14:19:09.622" v="1" actId="255"/>
+          <ac:cxnSpMkLst>
+            <pc:docMk/>
+            <pc:sldMk cId="960251637" sldId="256"/>
+            <ac:cxnSpMk id="4" creationId="{14E8761F-DCAD-FC0B-F871-7F3DA69989B9}"/>
+          </ac:cxnSpMkLst>
+        </pc:cxnChg>
+        <pc:cxnChg chg="mod">
+          <ac:chgData name="Yaowen Hu" userId="81e4f212d1a9d49e" providerId="LiveId" clId="{1A970390-34B1-4875-A282-541D41E777C2}" dt="2023-08-09T14:19:09.622" v="1" actId="255"/>
+          <ac:cxnSpMkLst>
+            <pc:docMk/>
+            <pc:sldMk cId="960251637" sldId="256"/>
+            <ac:cxnSpMk id="8" creationId="{AD60CEDF-C4B0-096F-2F37-F565CFABB5DB}"/>
+          </ac:cxnSpMkLst>
+        </pc:cxnChg>
+        <pc:cxnChg chg="mod">
+          <ac:chgData name="Yaowen Hu" userId="81e4f212d1a9d49e" providerId="LiveId" clId="{1A970390-34B1-4875-A282-541D41E777C2}" dt="2023-08-09T14:19:09.622" v="1" actId="255"/>
+          <ac:cxnSpMkLst>
+            <pc:docMk/>
+            <pc:sldMk cId="960251637" sldId="256"/>
+            <ac:cxnSpMk id="9" creationId="{5582EE2B-E1AE-1D53-BD88-631ED54858D2}"/>
+          </ac:cxnSpMkLst>
+        </pc:cxnChg>
+        <pc:cxnChg chg="mod">
+          <ac:chgData name="Yaowen Hu" userId="81e4f212d1a9d49e" providerId="LiveId" clId="{1A970390-34B1-4875-A282-541D41E777C2}" dt="2023-08-09T14:19:09.622" v="1" actId="255"/>
+          <ac:cxnSpMkLst>
+            <pc:docMk/>
+            <pc:sldMk cId="960251637" sldId="256"/>
+            <ac:cxnSpMk id="17" creationId="{7B96DE2E-59A7-0604-E8F6-06EDB361BA1D}"/>
+          </ac:cxnSpMkLst>
+        </pc:cxnChg>
+        <pc:cxnChg chg="mod">
+          <ac:chgData name="Yaowen Hu" userId="81e4f212d1a9d49e" providerId="LiveId" clId="{1A970390-34B1-4875-A282-541D41E777C2}" dt="2023-08-09T14:19:09.622" v="1" actId="255"/>
+          <ac:cxnSpMkLst>
+            <pc:docMk/>
+            <pc:sldMk cId="960251637" sldId="256"/>
+            <ac:cxnSpMk id="23" creationId="{7C22BF8C-8DB0-2FA6-1648-227CF58E15BF}"/>
+          </ac:cxnSpMkLst>
+        </pc:cxnChg>
+        <pc:cxnChg chg="mod">
+          <ac:chgData name="Yaowen Hu" userId="81e4f212d1a9d49e" providerId="LiveId" clId="{1A970390-34B1-4875-A282-541D41E777C2}" dt="2023-08-09T14:19:09.622" v="1" actId="255"/>
+          <ac:cxnSpMkLst>
+            <pc:docMk/>
+            <pc:sldMk cId="960251637" sldId="256"/>
+            <ac:cxnSpMk id="29" creationId="{17F27EF2-B8FC-CD0D-B66B-4AED9047AAEF}"/>
+          </ac:cxnSpMkLst>
+        </pc:cxnChg>
+        <pc:cxnChg chg="mod">
+          <ac:chgData name="Yaowen Hu" userId="81e4f212d1a9d49e" providerId="LiveId" clId="{1A970390-34B1-4875-A282-541D41E777C2}" dt="2023-08-09T14:19:09.622" v="1" actId="255"/>
+          <ac:cxnSpMkLst>
+            <pc:docMk/>
+            <pc:sldMk cId="960251637" sldId="256"/>
+            <ac:cxnSpMk id="33" creationId="{A08D71D9-C55F-44B1-B3D2-040FFFC27066}"/>
+          </ac:cxnSpMkLst>
+        </pc:cxnChg>
+        <pc:cxnChg chg="mod">
+          <ac:chgData name="Yaowen Hu" userId="81e4f212d1a9d49e" providerId="LiveId" clId="{1A970390-34B1-4875-A282-541D41E777C2}" dt="2023-08-09T14:19:09.622" v="1" actId="255"/>
+          <ac:cxnSpMkLst>
+            <pc:docMk/>
+            <pc:sldMk cId="960251637" sldId="256"/>
+            <ac:cxnSpMk id="34" creationId="{1FC1B476-2938-EECE-8109-C1E30831CECF}"/>
+          </ac:cxnSpMkLst>
+        </pc:cxnChg>
+        <pc:cxnChg chg="mod">
+          <ac:chgData name="Yaowen Hu" userId="81e4f212d1a9d49e" providerId="LiveId" clId="{1A970390-34B1-4875-A282-541D41E777C2}" dt="2023-08-09T14:19:09.622" v="1" actId="255"/>
+          <ac:cxnSpMkLst>
+            <pc:docMk/>
+            <pc:sldMk cId="960251637" sldId="256"/>
+            <ac:cxnSpMk id="35" creationId="{8BE630A1-064F-48F3-F17C-B1FA17DDB056}"/>
+          </ac:cxnSpMkLst>
+        </pc:cxnChg>
+        <pc:cxnChg chg="mod">
+          <ac:chgData name="Yaowen Hu" userId="81e4f212d1a9d49e" providerId="LiveId" clId="{1A970390-34B1-4875-A282-541D41E777C2}" dt="2023-08-09T14:19:09.622" v="1" actId="255"/>
+          <ac:cxnSpMkLst>
+            <pc:docMk/>
+            <pc:sldMk cId="960251637" sldId="256"/>
+            <ac:cxnSpMk id="41" creationId="{B98B57E6-E769-1FE5-D394-D92985EDE9EC}"/>
+          </ac:cxnSpMkLst>
+        </pc:cxnChg>
+        <pc:cxnChg chg="mod">
+          <ac:chgData name="Yaowen Hu" userId="81e4f212d1a9d49e" providerId="LiveId" clId="{1A970390-34B1-4875-A282-541D41E777C2}" dt="2023-08-09T14:19:09.622" v="1" actId="255"/>
+          <ac:cxnSpMkLst>
+            <pc:docMk/>
+            <pc:sldMk cId="960251637" sldId="256"/>
+            <ac:cxnSpMk id="42" creationId="{549D804B-D79C-8714-B70D-E9C642F1684D}"/>
+          </ac:cxnSpMkLst>
+        </pc:cxnChg>
+        <pc:cxnChg chg="mod">
+          <ac:chgData name="Yaowen Hu" userId="81e4f212d1a9d49e" providerId="LiveId" clId="{1A970390-34B1-4875-A282-541D41E777C2}" dt="2023-08-09T14:19:09.622" v="1" actId="255"/>
+          <ac:cxnSpMkLst>
+            <pc:docMk/>
+            <pc:sldMk cId="960251637" sldId="256"/>
+            <ac:cxnSpMk id="59" creationId="{1F157323-92E2-47CE-EC73-F4B7FC31113B}"/>
+          </ac:cxnSpMkLst>
+        </pc:cxnChg>
+        <pc:cxnChg chg="mod">
+          <ac:chgData name="Yaowen Hu" userId="81e4f212d1a9d49e" providerId="LiveId" clId="{1A970390-34B1-4875-A282-541D41E777C2}" dt="2023-08-09T14:19:09.622" v="1" actId="255"/>
+          <ac:cxnSpMkLst>
+            <pc:docMk/>
+            <pc:sldMk cId="960251637" sldId="256"/>
+            <ac:cxnSpMk id="61" creationId="{E59DFC02-A431-731B-B448-9894BECCC230}"/>
+          </ac:cxnSpMkLst>
+        </pc:cxnChg>
+        <pc:cxnChg chg="mod">
+          <ac:chgData name="Yaowen Hu" userId="81e4f212d1a9d49e" providerId="LiveId" clId="{1A970390-34B1-4875-A282-541D41E777C2}" dt="2023-08-09T14:19:09.622" v="1" actId="255"/>
+          <ac:cxnSpMkLst>
+            <pc:docMk/>
+            <pc:sldMk cId="960251637" sldId="256"/>
+            <ac:cxnSpMk id="62" creationId="{3AFFB6C1-6FD9-A943-F7F1-8D3E6DB1F132}"/>
+          </ac:cxnSpMkLst>
+        </pc:cxnChg>
+        <pc:cxnChg chg="mod">
+          <ac:chgData name="Yaowen Hu" userId="81e4f212d1a9d49e" providerId="LiveId" clId="{1A970390-34B1-4875-A282-541D41E777C2}" dt="2023-08-09T14:19:09.622" v="1" actId="255"/>
+          <ac:cxnSpMkLst>
+            <pc:docMk/>
+            <pc:sldMk cId="960251637" sldId="256"/>
+            <ac:cxnSpMk id="65" creationId="{A0B6403B-F5C1-507F-CE58-1DE61BFA654F}"/>
+          </ac:cxnSpMkLst>
+        </pc:cxnChg>
+        <pc:cxnChg chg="mod">
+          <ac:chgData name="Yaowen Hu" userId="81e4f212d1a9d49e" providerId="LiveId" clId="{1A970390-34B1-4875-A282-541D41E777C2}" dt="2023-08-09T14:19:39.434" v="9" actId="1076"/>
+          <ac:cxnSpMkLst>
+            <pc:docMk/>
+            <pc:sldMk cId="960251637" sldId="256"/>
+            <ac:cxnSpMk id="72" creationId="{0F3EEB63-1F38-17D5-C413-3DD6010AC93B}"/>
+          </ac:cxnSpMkLst>
+        </pc:cxnChg>
+      </pc:sldChg>
+      <pc:sldChg chg="ord">
+        <pc:chgData name="Yaowen Hu" userId="81e4f212d1a9d49e" providerId="LiveId" clId="{1A970390-34B1-4875-A282-541D41E777C2}" dt="2023-08-09T14:20:34.395" v="18" actId="20578"/>
+        <pc:sldMkLst>
+          <pc:docMk/>
+          <pc:sldMk cId="1889862027" sldId="257"/>
+        </pc:sldMkLst>
+      </pc:sldChg>
+    </pc:docChg>
+  </pc:docChgLst>
   <pc:docChgLst>
     <pc:chgData name="Yaowen Hu" userId="81e4f212d1a9d49e" providerId="LiveId" clId="{454D0FB5-7D94-46ED-A2B4-4CA6DD84145B}"/>
     <pc:docChg chg="undo custSel addSld modSld sldOrd addSection delSection modSection">
@@ -2080,7 +2340,7 @@
           <a:p>
             <a:fld id="{A4A74AF1-5DB1-4F99-A03B-731742987867}" type="datetimeFigureOut">
               <a:rPr lang="en-GB" smtClean="0"/>
-              <a:t>08/08/2023</a:t>
+              <a:t>09/08/2023</a:t>
             </a:fld>
             <a:endParaRPr lang="en-GB"/>
           </a:p>
@@ -2280,7 +2540,7 @@
           <a:p>
             <a:fld id="{A4A74AF1-5DB1-4F99-A03B-731742987867}" type="datetimeFigureOut">
               <a:rPr lang="en-GB" smtClean="0"/>
-              <a:t>08/08/2023</a:t>
+              <a:t>09/08/2023</a:t>
             </a:fld>
             <a:endParaRPr lang="en-GB"/>
           </a:p>
@@ -2490,7 +2750,7 @@
           <a:p>
             <a:fld id="{A4A74AF1-5DB1-4F99-A03B-731742987867}" type="datetimeFigureOut">
               <a:rPr lang="en-GB" smtClean="0"/>
-              <a:t>08/08/2023</a:t>
+              <a:t>09/08/2023</a:t>
             </a:fld>
             <a:endParaRPr lang="en-GB"/>
           </a:p>
@@ -2690,7 +2950,7 @@
           <a:p>
             <a:fld id="{A4A74AF1-5DB1-4F99-A03B-731742987867}" type="datetimeFigureOut">
               <a:rPr lang="en-GB" smtClean="0"/>
-              <a:t>08/08/2023</a:t>
+              <a:t>09/08/2023</a:t>
             </a:fld>
             <a:endParaRPr lang="en-GB"/>
           </a:p>
@@ -2966,7 +3226,7 @@
           <a:p>
             <a:fld id="{A4A74AF1-5DB1-4F99-A03B-731742987867}" type="datetimeFigureOut">
               <a:rPr lang="en-GB" smtClean="0"/>
-              <a:t>08/08/2023</a:t>
+              <a:t>09/08/2023</a:t>
             </a:fld>
             <a:endParaRPr lang="en-GB"/>
           </a:p>
@@ -3234,7 +3494,7 @@
           <a:p>
             <a:fld id="{A4A74AF1-5DB1-4F99-A03B-731742987867}" type="datetimeFigureOut">
               <a:rPr lang="en-GB" smtClean="0"/>
-              <a:t>08/08/2023</a:t>
+              <a:t>09/08/2023</a:t>
             </a:fld>
             <a:endParaRPr lang="en-GB"/>
           </a:p>
@@ -3649,7 +3909,7 @@
           <a:p>
             <a:fld id="{A4A74AF1-5DB1-4F99-A03B-731742987867}" type="datetimeFigureOut">
               <a:rPr lang="en-GB" smtClean="0"/>
-              <a:t>08/08/2023</a:t>
+              <a:t>09/08/2023</a:t>
             </a:fld>
             <a:endParaRPr lang="en-GB"/>
           </a:p>
@@ -3791,7 +4051,7 @@
           <a:p>
             <a:fld id="{A4A74AF1-5DB1-4F99-A03B-731742987867}" type="datetimeFigureOut">
               <a:rPr lang="en-GB" smtClean="0"/>
-              <a:t>08/08/2023</a:t>
+              <a:t>09/08/2023</a:t>
             </a:fld>
             <a:endParaRPr lang="en-GB"/>
           </a:p>
@@ -3904,7 +4164,7 @@
           <a:p>
             <a:fld id="{A4A74AF1-5DB1-4F99-A03B-731742987867}" type="datetimeFigureOut">
               <a:rPr lang="en-GB" smtClean="0"/>
-              <a:t>08/08/2023</a:t>
+              <a:t>09/08/2023</a:t>
             </a:fld>
             <a:endParaRPr lang="en-GB"/>
           </a:p>
@@ -4217,7 +4477,7 @@
           <a:p>
             <a:fld id="{A4A74AF1-5DB1-4F99-A03B-731742987867}" type="datetimeFigureOut">
               <a:rPr lang="en-GB" smtClean="0"/>
-              <a:t>08/08/2023</a:t>
+              <a:t>09/08/2023</a:t>
             </a:fld>
             <a:endParaRPr lang="en-GB"/>
           </a:p>
@@ -4506,7 +4766,7 @@
           <a:p>
             <a:fld id="{A4A74AF1-5DB1-4F99-A03B-731742987867}" type="datetimeFigureOut">
               <a:rPr lang="en-GB" smtClean="0"/>
-              <a:t>08/08/2023</a:t>
+              <a:t>09/08/2023</a:t>
             </a:fld>
             <a:endParaRPr lang="en-GB"/>
           </a:p>
@@ -4749,7 +5009,7 @@
           <a:p>
             <a:fld id="{A4A74AF1-5DB1-4F99-A03B-731742987867}" type="datetimeFigureOut">
               <a:rPr lang="en-GB" smtClean="0"/>
-              <a:t>08/08/2023</a:t>
+              <a:t>09/08/2023</a:t>
             </a:fld>
             <a:endParaRPr lang="en-GB"/>
           </a:p>
@@ -5181,9 +5441,9 @@
         <p:grpSpPr>
           <a:xfrm>
             <a:off x="744409" y="980531"/>
-            <a:ext cx="10033266" cy="5642403"/>
+            <a:ext cx="10227261" cy="5642403"/>
             <a:chOff x="744409" y="980531"/>
-            <a:chExt cx="10033266" cy="5642403"/>
+            <a:chExt cx="10227261" cy="5642403"/>
           </a:xfrm>
         </p:grpSpPr>
         <p:grpSp>
@@ -5515,6 +5775,17 @@
               <a:noAutofit/>
             </a:bodyPr>
             <a:lstStyle/>
+            <a:p>
+              <a:pPr algn="ctr"/>
+              <a:r>
+                <a:rPr lang="en-US" altLang="zh-CN" sz="2400" dirty="0">
+                  <a:latin typeface="Cambria Math" panose="02040503050406030204" pitchFamily="18" charset="0"/>
+                  <a:ea typeface="Cambria Math" panose="02040503050406030204" pitchFamily="18" charset="0"/>
+                  <a:cs typeface="Arial" panose="020B0604020202020204" pitchFamily="34" charset="0"/>
+                </a:rPr>
+                <a:t>Signal</a:t>
+              </a:r>
+            </a:p>
             <a:p>
               <a:pPr algn="ctr"/>
               <a:r>
@@ -6239,10 +6510,10 @@
           </p:nvGrpSpPr>
           <p:grpSpPr>
             <a:xfrm>
-              <a:off x="8414011" y="4258060"/>
-              <a:ext cx="1289797" cy="698501"/>
-              <a:chOff x="4190143" y="2236033"/>
-              <a:chExt cx="2205776" cy="1275906"/>
+              <a:off x="8414011" y="4045264"/>
+              <a:ext cx="1483792" cy="1079672"/>
+              <a:chOff x="4190143" y="1847332"/>
+              <a:chExt cx="2537541" cy="1972167"/>
             </a:xfrm>
           </p:grpSpPr>
           <mc:AlternateContent xmlns:mc="http://schemas.openxmlformats.org/markup-compatibility/2006" xmlns:a14="http://schemas.microsoft.com/office/drawing/2010/main">
@@ -6261,8 +6532,8 @@
                 </p:nvSpPr>
                 <p:spPr>
                   <a:xfrm>
-                    <a:off x="4485096" y="2404304"/>
-                    <a:ext cx="1092540" cy="998718"/>
+                    <a:off x="4408477" y="2065006"/>
+                    <a:ext cx="2302447" cy="1587733"/>
                   </a:xfrm>
                   <a:prstGeom prst="rect">
                     <a:avLst/>
@@ -6284,14 +6555,14 @@
                           <m:f>
                             <m:fPr>
                               <m:ctrlPr>
-                                <a:rPr lang="en-GB" sz="1400" i="1" smtClean="0">
+                                <a:rPr lang="en-GB" sz="2400" i="1" smtClean="0">
                                   <a:latin typeface="Cambria Math" panose="02040503050406030204" pitchFamily="18" charset="0"/>
                                 </a:rPr>
                               </m:ctrlPr>
                             </m:fPr>
                             <m:num>
                               <m:r>
-                                <a:rPr lang="en-GB" sz="1400" b="0" i="1" smtClean="0">
+                                <a:rPr lang="en-GB" sz="2400" b="0" i="1" smtClean="0">
                                   <a:latin typeface="Cambria Math" panose="02040503050406030204" pitchFamily="18" charset="0"/>
                                 </a:rPr>
                                 <m:t>1</m:t>
@@ -6299,7 +6570,7 @@
                             </m:num>
                             <m:den>
                               <m:r>
-                                <a:rPr lang="en-GB" sz="1400" b="0" i="1" smtClean="0">
+                                <a:rPr lang="en-GB" sz="2400" b="0" i="1" smtClean="0">
                                   <a:latin typeface="Cambria Math" panose="02040503050406030204" pitchFamily="18" charset="0"/>
                                 </a:rPr>
                                 <m:t>𝑇</m:t>
@@ -6311,7 +6582,7 @@
                               <m:subHide m:val="on"/>
                               <m:supHide m:val="on"/>
                               <m:ctrlPr>
-                                <a:rPr lang="en-GB" sz="1400" i="1" smtClean="0">
+                                <a:rPr lang="en-GB" sz="2400" i="1" smtClean="0">
                                   <a:latin typeface="Cambria Math" panose="02040503050406030204" pitchFamily="18" charset="0"/>
                                 </a:rPr>
                               </m:ctrlPr>
@@ -6322,14 +6593,14 @@
                               <m:d>
                                 <m:dPr>
                                   <m:ctrlPr>
-                                    <a:rPr lang="en-GB" sz="1400" i="1" smtClean="0">
+                                    <a:rPr lang="en-GB" sz="2400" i="1" smtClean="0">
                                       <a:latin typeface="Cambria Math" panose="02040503050406030204" pitchFamily="18" charset="0"/>
                                     </a:rPr>
                                   </m:ctrlPr>
                                 </m:dPr>
                                 <m:e>
                                   <m:r>
-                                    <a:rPr lang="en-GB" sz="1400" i="1" smtClean="0">
+                                    <a:rPr lang="en-GB" sz="2400" i="1" smtClean="0">
                                       <a:latin typeface="Cambria Math" panose="02040503050406030204" pitchFamily="18" charset="0"/>
                                       <a:ea typeface="Cambria Math" panose="02040503050406030204" pitchFamily="18" charset="0"/>
                                     </a:rPr>
@@ -6340,7 +6611,7 @@
                             </m:e>
                           </m:nary>
                           <m:r>
-                            <a:rPr lang="en-GB" sz="1400" b="0" i="1" smtClean="0">
+                            <a:rPr lang="en-GB" sz="2400" b="0" i="1" smtClean="0">
                               <a:latin typeface="Cambria Math" panose="02040503050406030204" pitchFamily="18" charset="0"/>
                             </a:rPr>
                             <m:t>𝑑𝑡</m:t>
@@ -6348,7 +6619,7 @@
                         </m:oMath>
                       </m:oMathPara>
                     </a14:m>
-                    <a:endParaRPr lang="en-GB" sz="1400" dirty="0"/>
+                    <a:endParaRPr lang="en-GB" sz="2400" dirty="0"/>
                   </a:p>
                 </p:txBody>
               </p:sp>
@@ -6356,10 +6627,10 @@
             <mc:Fallback xmlns="">
               <p:sp>
                 <p:nvSpPr>
-                  <p:cNvPr id="113" name="Rectangle 112">
+                  <p:cNvPr id="67" name="Rectangle 66">
                     <a:extLst>
                       <a:ext uri="{FF2B5EF4-FFF2-40B4-BE49-F238E27FC236}">
-                        <a16:creationId xmlns:a16="http://schemas.microsoft.com/office/drawing/2014/main" id="{D29AD378-341D-4BB1-9448-B61BDEC78EBB}"/>
+                        <a16:creationId xmlns:a16="http://schemas.microsoft.com/office/drawing/2014/main" id="{8144056D-77D1-C824-BDC6-B53CBCE9F55D}"/>
                       </a:ext>
                     </a:extLst>
                   </p:cNvPr>
@@ -6370,16 +6641,16 @@
                 </p:nvSpPr>
                 <p:spPr>
                   <a:xfrm>
-                    <a:off x="4485096" y="2404304"/>
-                    <a:ext cx="1092540" cy="998718"/>
+                    <a:off x="4408477" y="2065006"/>
+                    <a:ext cx="2302447" cy="1587733"/>
                   </a:xfrm>
                   <a:prstGeom prst="rect">
                     <a:avLst/>
                   </a:prstGeom>
                   <a:blipFill>
-                    <a:blip r:embed="rId10"/>
+                    <a:blip r:embed="rId2"/>
                     <a:stretch>
-                      <a:fillRect l="-82692" t="-156667" r="-126923" b="-226667"/>
+                      <a:fillRect/>
                     </a:stretch>
                   </a:blipFill>
                 </p:spPr>
@@ -6412,8 +6683,8 @@
             </p:nvSpPr>
             <p:spPr>
               <a:xfrm>
-                <a:off x="4190143" y="2236033"/>
-                <a:ext cx="2205776" cy="1275906"/>
+                <a:off x="4190143" y="1847332"/>
+                <a:ext cx="2537541" cy="1972167"/>
               </a:xfrm>
               <a:prstGeom prst="rect">
                 <a:avLst/>
@@ -6469,7 +6740,7 @@
           </p:nvCxnSpPr>
           <p:spPr>
             <a:xfrm>
-              <a:off x="9703808" y="4574394"/>
+              <a:off x="9897803" y="4574271"/>
               <a:ext cx="1073867" cy="0"/>
             </a:xfrm>
             <a:prstGeom prst="straightConnector1">

--- a/Final dissertation/_IMAGES/PPT2SVG/PPT2SVG.pptx
+++ b/Final dissertation/_IMAGES/PPT2SVG/PPT2SVG.pptx
@@ -5,8 +5,10 @@
     <p:sldMasterId id="2147483648" r:id="rId1"/>
   </p:sldMasterIdLst>
   <p:sldIdLst>
-    <p:sldId id="256" r:id="rId2"/>
-    <p:sldId id="257" r:id="rId3"/>
+    <p:sldId id="259" r:id="rId2"/>
+    <p:sldId id="256" r:id="rId3"/>
+    <p:sldId id="258" r:id="rId4"/>
+    <p:sldId id="257" r:id="rId5"/>
   </p:sldIdLst>
   <p:sldSz cx="12192000" cy="6858000"/>
   <p:notesSz cx="6858000" cy="9144000"/>
@@ -108,9 +110,19 @@
   <p:extLst>
     <p:ext uri="{521415D9-36F7-43E2-AB2F-B90AF26B5E84}">
       <p14:sectionLst xmlns:p14="http://schemas.microsoft.com/office/powerpoint/2010/main">
+        <p14:section name="utils" id="{4777462E-3795-4BD9-B9AA-6B5F2FB44EE0}">
+          <p14:sldIdLst>
+            <p14:sldId id="259"/>
+          </p14:sldIdLst>
+        </p14:section>
         <p14:section name="tracking_diagram" id="{1DEDF661-914E-48E3-9A8D-8BB85409C3A9}">
           <p14:sldIdLst>
             <p14:sldId id="256"/>
+          </p14:sldIdLst>
+        </p14:section>
+        <p14:section name="NCO" id="{6E6AE61A-F45D-4AA3-96B4-8C88B1254349}">
+          <p14:sldIdLst>
+            <p14:sldId id="258"/>
           </p14:sldIdLst>
         </p14:section>
         <p14:section name="correlator" id="{0836700A-C48D-4FB8-8B22-4DC8078990AA}">
@@ -118,13 +130,21 @@
             <p14:sldId id="257"/>
           </p14:sldIdLst>
         </p14:section>
-        <p14:section name="Untitled Section" id="{6E6AE61A-F45D-4AA3-96B4-8C88B1254349}">
-          <p14:sldIdLst/>
-        </p14:section>
       </p14:sectionLst>
     </p:ext>
     <p:ext uri="{EFAFB233-063F-42B5-8137-9DF3F51BA10A}">
-      <p15:sldGuideLst xmlns:p15="http://schemas.microsoft.com/office/powerpoint/2012/main"/>
+      <p15:sldGuideLst xmlns:p15="http://schemas.microsoft.com/office/powerpoint/2012/main">
+        <p15:guide id="1" orient="horz" pos="2137" userDrawn="1">
+          <p15:clr>
+            <a:srgbClr val="A4A3A4"/>
+          </p15:clr>
+        </p15:guide>
+        <p15:guide id="2" pos="3840" userDrawn="1">
+          <p15:clr>
+            <a:srgbClr val="A4A3A4"/>
+          </p15:clr>
+        </p15:guide>
+      </p15:sldGuideLst>
     </p:ext>
   </p:extLst>
 </p:presentation>
@@ -133,9 +153,7 @@
 <file path=ppt/revisionInfo.xml><?xml version="1.0" encoding="utf-8"?>
 <p1510:revInfo xmlns:a="http://schemas.openxmlformats.org/drawingml/2006/main" xmlns:r="http://schemas.openxmlformats.org/officeDocument/2006/relationships" xmlns:p1510="http://schemas.microsoft.com/office/powerpoint/2015/10/main">
   <p1510:revLst>
-    <p1510:client id="{12CE6EA4-E54B-4863-A9F1-2BD1C64C7B54}" v="4" dt="2023-08-08T19:09:24.141"/>
-    <p1510:client id="{1A970390-34B1-4875-A282-541D41E777C2}" v="1" dt="2023-08-09T14:19:09.622"/>
-    <p1510:client id="{454D0FB5-7D94-46ED-A2B4-4CA6DD84145B}" v="19" dt="2023-08-08T19:51:19.439"/>
+    <p1510:client id="{2CEC85DA-B4A1-4ECF-B94D-8A59FD57B818}" v="48" dt="2023-08-14T16:42:01.070"/>
   </p1510:revLst>
 </p1510:revInfo>
 </file>
@@ -2183,6 +2201,1459 @@
             <pc:docMk/>
             <pc:sldMk cId="960251637" sldId="256"/>
             <ac:cxnSpMk id="97" creationId="{2C170D40-4B29-73A2-C6F1-82242B8021A9}"/>
+          </ac:cxnSpMkLst>
+        </pc:cxnChg>
+      </pc:sldChg>
+    </pc:docChg>
+  </pc:docChgLst>
+  <pc:docChgLst>
+    <pc:chgData name="Yaowen Hu" userId="81e4f212d1a9d49e" providerId="LiveId" clId="{2CEC85DA-B4A1-4ECF-B94D-8A59FD57B818}"/>
+    <pc:docChg chg="undo redo custSel addSld modSld sldOrd addSection modSection">
+      <pc:chgData name="Yaowen Hu" userId="81e4f212d1a9d49e" providerId="LiveId" clId="{2CEC85DA-B4A1-4ECF-B94D-8A59FD57B818}" dt="2023-08-14T16:42:01.070" v="780" actId="164"/>
+      <pc:docMkLst>
+        <pc:docMk/>
+      </pc:docMkLst>
+      <pc:sldChg chg="addSp delSp modSp mod">
+        <pc:chgData name="Yaowen Hu" userId="81e4f212d1a9d49e" providerId="LiveId" clId="{2CEC85DA-B4A1-4ECF-B94D-8A59FD57B818}" dt="2023-08-14T15:44:12.609" v="112" actId="2711"/>
+        <pc:sldMkLst>
+          <pc:docMk/>
+          <pc:sldMk cId="960251637" sldId="256"/>
+        </pc:sldMkLst>
+        <pc:spChg chg="add del">
+          <ac:chgData name="Yaowen Hu" userId="81e4f212d1a9d49e" providerId="LiveId" clId="{2CEC85DA-B4A1-4ECF-B94D-8A59FD57B818}" dt="2023-08-14T15:36:10.671" v="13" actId="11529"/>
+          <ac:spMkLst>
+            <pc:docMk/>
+            <pc:sldMk cId="960251637" sldId="256"/>
+            <ac:spMk id="3" creationId="{D6B1ACB3-762F-3D04-CE89-FA94E67EFC77}"/>
+          </ac:spMkLst>
+        </pc:spChg>
+        <pc:spChg chg="mod topLvl">
+          <ac:chgData name="Yaowen Hu" userId="81e4f212d1a9d49e" providerId="LiveId" clId="{2CEC85DA-B4A1-4ECF-B94D-8A59FD57B818}" dt="2023-08-14T15:39:44.935" v="78" actId="164"/>
+          <ac:spMkLst>
+            <pc:docMk/>
+            <pc:sldMk cId="960251637" sldId="256"/>
+            <ac:spMk id="13" creationId="{4D2AE786-1ACC-9B3D-DF81-C5677F8E8C76}"/>
+          </ac:spMkLst>
+        </pc:spChg>
+        <pc:spChg chg="mod topLvl">
+          <ac:chgData name="Yaowen Hu" userId="81e4f212d1a9d49e" providerId="LiveId" clId="{2CEC85DA-B4A1-4ECF-B94D-8A59FD57B818}" dt="2023-08-14T15:39:44.935" v="78" actId="164"/>
+          <ac:spMkLst>
+            <pc:docMk/>
+            <pc:sldMk cId="960251637" sldId="256"/>
+            <ac:spMk id="14" creationId="{6D0E0F8E-E003-9FC3-4E6B-40AB09E4E595}"/>
+          </ac:spMkLst>
+        </pc:spChg>
+        <pc:spChg chg="mod">
+          <ac:chgData name="Yaowen Hu" userId="81e4f212d1a9d49e" providerId="LiveId" clId="{2CEC85DA-B4A1-4ECF-B94D-8A59FD57B818}" dt="2023-08-14T15:36:50.005" v="16" actId="165"/>
+          <ac:spMkLst>
+            <pc:docMk/>
+            <pc:sldMk cId="960251637" sldId="256"/>
+            <ac:spMk id="32" creationId="{AFBF63FA-947F-3A1E-5A5B-3B22B2A61624}"/>
+          </ac:spMkLst>
+        </pc:spChg>
+        <pc:spChg chg="mod">
+          <ac:chgData name="Yaowen Hu" userId="81e4f212d1a9d49e" providerId="LiveId" clId="{2CEC85DA-B4A1-4ECF-B94D-8A59FD57B818}" dt="2023-08-14T15:36:50.005" v="16" actId="165"/>
+          <ac:spMkLst>
+            <pc:docMk/>
+            <pc:sldMk cId="960251637" sldId="256"/>
+            <ac:spMk id="40" creationId="{BEF213E3-1F8A-73F3-54E0-14D103E4EADA}"/>
+          </ac:spMkLst>
+        </pc:spChg>
+        <pc:spChg chg="mod">
+          <ac:chgData name="Yaowen Hu" userId="81e4f212d1a9d49e" providerId="LiveId" clId="{2CEC85DA-B4A1-4ECF-B94D-8A59FD57B818}" dt="2023-08-14T15:37:20.531" v="34" actId="1038"/>
+          <ac:spMkLst>
+            <pc:docMk/>
+            <pc:sldMk cId="960251637" sldId="256"/>
+            <ac:spMk id="67" creationId="{8144056D-77D1-C824-BDC6-B53CBCE9F55D}"/>
+          </ac:spMkLst>
+        </pc:spChg>
+        <pc:spChg chg="mod">
+          <ac:chgData name="Yaowen Hu" userId="81e4f212d1a9d49e" providerId="LiveId" clId="{2CEC85DA-B4A1-4ECF-B94D-8A59FD57B818}" dt="2023-08-14T15:37:10.633" v="18" actId="11530"/>
+          <ac:spMkLst>
+            <pc:docMk/>
+            <pc:sldMk cId="960251637" sldId="256"/>
+            <ac:spMk id="68" creationId="{BF2B1655-41D0-033F-7DD7-96AF8C90B8AA}"/>
+          </ac:spMkLst>
+        </pc:spChg>
+        <pc:spChg chg="mod topLvl">
+          <ac:chgData name="Yaowen Hu" userId="81e4f212d1a9d49e" providerId="LiveId" clId="{2CEC85DA-B4A1-4ECF-B94D-8A59FD57B818}" dt="2023-08-14T15:39:44.935" v="78" actId="164"/>
+          <ac:spMkLst>
+            <pc:docMk/>
+            <pc:sldMk cId="960251637" sldId="256"/>
+            <ac:spMk id="99" creationId="{FA27E179-7B96-8975-F456-0847ECC62FC6}"/>
+          </ac:spMkLst>
+        </pc:spChg>
+        <pc:spChg chg="mod topLvl">
+          <ac:chgData name="Yaowen Hu" userId="81e4f212d1a9d49e" providerId="LiveId" clId="{2CEC85DA-B4A1-4ECF-B94D-8A59FD57B818}" dt="2023-08-14T15:44:12.609" v="112" actId="2711"/>
+          <ac:spMkLst>
+            <pc:docMk/>
+            <pc:sldMk cId="960251637" sldId="256"/>
+            <ac:spMk id="100" creationId="{C7747305-960D-93D5-B476-A232B82C9806}"/>
+          </ac:spMkLst>
+        </pc:spChg>
+        <pc:grpChg chg="add mod">
+          <ac:chgData name="Yaowen Hu" userId="81e4f212d1a9d49e" providerId="LiveId" clId="{2CEC85DA-B4A1-4ECF-B94D-8A59FD57B818}" dt="2023-08-14T15:39:44.935" v="78" actId="164"/>
+          <ac:grpSpMkLst>
+            <pc:docMk/>
+            <pc:sldMk cId="960251637" sldId="256"/>
+            <ac:grpSpMk id="5" creationId="{11405C63-7811-F59C-C241-35BA5809B10E}"/>
+          </ac:grpSpMkLst>
+        </pc:grpChg>
+        <pc:grpChg chg="mod topLvl">
+          <ac:chgData name="Yaowen Hu" userId="81e4f212d1a9d49e" providerId="LiveId" clId="{2CEC85DA-B4A1-4ECF-B94D-8A59FD57B818}" dt="2023-08-14T15:39:44.935" v="78" actId="164"/>
+          <ac:grpSpMkLst>
+            <pc:docMk/>
+            <pc:sldMk cId="960251637" sldId="256"/>
+            <ac:grpSpMk id="31" creationId="{585B045F-5163-E18B-83A3-DD65800588F6}"/>
+          </ac:grpSpMkLst>
+        </pc:grpChg>
+        <pc:grpChg chg="mod topLvl">
+          <ac:chgData name="Yaowen Hu" userId="81e4f212d1a9d49e" providerId="LiveId" clId="{2CEC85DA-B4A1-4ECF-B94D-8A59FD57B818}" dt="2023-08-14T15:39:44.935" v="78" actId="164"/>
+          <ac:grpSpMkLst>
+            <pc:docMk/>
+            <pc:sldMk cId="960251637" sldId="256"/>
+            <ac:grpSpMk id="39" creationId="{65688989-4CF1-3ECF-B353-3BFF031BF71A}"/>
+          </ac:grpSpMkLst>
+        </pc:grpChg>
+        <pc:grpChg chg="mod topLvl">
+          <ac:chgData name="Yaowen Hu" userId="81e4f212d1a9d49e" providerId="LiveId" clId="{2CEC85DA-B4A1-4ECF-B94D-8A59FD57B818}" dt="2023-08-14T15:39:44.935" v="78" actId="164"/>
+          <ac:grpSpMkLst>
+            <pc:docMk/>
+            <pc:sldMk cId="960251637" sldId="256"/>
+            <ac:grpSpMk id="66" creationId="{D6F97A60-E4D8-B20F-00D7-A2942DEC158A}"/>
+          </ac:grpSpMkLst>
+        </pc:grpChg>
+        <pc:grpChg chg="del">
+          <ac:chgData name="Yaowen Hu" userId="81e4f212d1a9d49e" providerId="LiveId" clId="{2CEC85DA-B4A1-4ECF-B94D-8A59FD57B818}" dt="2023-08-14T15:36:50.005" v="16" actId="165"/>
+          <ac:grpSpMkLst>
+            <pc:docMk/>
+            <pc:sldMk cId="960251637" sldId="256"/>
+            <ac:grpSpMk id="73" creationId="{6C8D8C38-14D7-528A-9869-D0A4E01593BF}"/>
+          </ac:grpSpMkLst>
+        </pc:grpChg>
+        <pc:cxnChg chg="mod topLvl">
+          <ac:chgData name="Yaowen Hu" userId="81e4f212d1a9d49e" providerId="LiveId" clId="{2CEC85DA-B4A1-4ECF-B94D-8A59FD57B818}" dt="2023-08-14T15:39:44.935" v="78" actId="164"/>
+          <ac:cxnSpMkLst>
+            <pc:docMk/>
+            <pc:sldMk cId="960251637" sldId="256"/>
+            <ac:cxnSpMk id="2" creationId="{8BC20927-DC9E-18E0-F026-377941340B22}"/>
+          </ac:cxnSpMkLst>
+        </pc:cxnChg>
+        <pc:cxnChg chg="mod topLvl">
+          <ac:chgData name="Yaowen Hu" userId="81e4f212d1a9d49e" providerId="LiveId" clId="{2CEC85DA-B4A1-4ECF-B94D-8A59FD57B818}" dt="2023-08-14T15:39:44.935" v="78" actId="164"/>
+          <ac:cxnSpMkLst>
+            <pc:docMk/>
+            <pc:sldMk cId="960251637" sldId="256"/>
+            <ac:cxnSpMk id="4" creationId="{14E8761F-DCAD-FC0B-F871-7F3DA69989B9}"/>
+          </ac:cxnSpMkLst>
+        </pc:cxnChg>
+        <pc:cxnChg chg="mod topLvl">
+          <ac:chgData name="Yaowen Hu" userId="81e4f212d1a9d49e" providerId="LiveId" clId="{2CEC85DA-B4A1-4ECF-B94D-8A59FD57B818}" dt="2023-08-14T15:39:44.935" v="78" actId="164"/>
+          <ac:cxnSpMkLst>
+            <pc:docMk/>
+            <pc:sldMk cId="960251637" sldId="256"/>
+            <ac:cxnSpMk id="8" creationId="{AD60CEDF-C4B0-096F-2F37-F565CFABB5DB}"/>
+          </ac:cxnSpMkLst>
+        </pc:cxnChg>
+        <pc:cxnChg chg="mod topLvl">
+          <ac:chgData name="Yaowen Hu" userId="81e4f212d1a9d49e" providerId="LiveId" clId="{2CEC85DA-B4A1-4ECF-B94D-8A59FD57B818}" dt="2023-08-14T15:39:44.935" v="78" actId="164"/>
+          <ac:cxnSpMkLst>
+            <pc:docMk/>
+            <pc:sldMk cId="960251637" sldId="256"/>
+            <ac:cxnSpMk id="9" creationId="{5582EE2B-E1AE-1D53-BD88-631ED54858D2}"/>
+          </ac:cxnSpMkLst>
+        </pc:cxnChg>
+        <pc:cxnChg chg="mod topLvl">
+          <ac:chgData name="Yaowen Hu" userId="81e4f212d1a9d49e" providerId="LiveId" clId="{2CEC85DA-B4A1-4ECF-B94D-8A59FD57B818}" dt="2023-08-14T15:39:44.935" v="78" actId="164"/>
+          <ac:cxnSpMkLst>
+            <pc:docMk/>
+            <pc:sldMk cId="960251637" sldId="256"/>
+            <ac:cxnSpMk id="17" creationId="{7B96DE2E-59A7-0604-E8F6-06EDB361BA1D}"/>
+          </ac:cxnSpMkLst>
+        </pc:cxnChg>
+        <pc:cxnChg chg="mod topLvl">
+          <ac:chgData name="Yaowen Hu" userId="81e4f212d1a9d49e" providerId="LiveId" clId="{2CEC85DA-B4A1-4ECF-B94D-8A59FD57B818}" dt="2023-08-14T15:39:44.935" v="78" actId="164"/>
+          <ac:cxnSpMkLst>
+            <pc:docMk/>
+            <pc:sldMk cId="960251637" sldId="256"/>
+            <ac:cxnSpMk id="23" creationId="{7C22BF8C-8DB0-2FA6-1648-227CF58E15BF}"/>
+          </ac:cxnSpMkLst>
+        </pc:cxnChg>
+        <pc:cxnChg chg="mod topLvl">
+          <ac:chgData name="Yaowen Hu" userId="81e4f212d1a9d49e" providerId="LiveId" clId="{2CEC85DA-B4A1-4ECF-B94D-8A59FD57B818}" dt="2023-08-14T15:39:44.935" v="78" actId="164"/>
+          <ac:cxnSpMkLst>
+            <pc:docMk/>
+            <pc:sldMk cId="960251637" sldId="256"/>
+            <ac:cxnSpMk id="29" creationId="{17F27EF2-B8FC-CD0D-B66B-4AED9047AAEF}"/>
+          </ac:cxnSpMkLst>
+        </pc:cxnChg>
+        <pc:cxnChg chg="mod">
+          <ac:chgData name="Yaowen Hu" userId="81e4f212d1a9d49e" providerId="LiveId" clId="{2CEC85DA-B4A1-4ECF-B94D-8A59FD57B818}" dt="2023-08-14T15:36:50.005" v="16" actId="165"/>
+          <ac:cxnSpMkLst>
+            <pc:docMk/>
+            <pc:sldMk cId="960251637" sldId="256"/>
+            <ac:cxnSpMk id="33" creationId="{A08D71D9-C55F-44B1-B3D2-040FFFC27066}"/>
+          </ac:cxnSpMkLst>
+        </pc:cxnChg>
+        <pc:cxnChg chg="mod">
+          <ac:chgData name="Yaowen Hu" userId="81e4f212d1a9d49e" providerId="LiveId" clId="{2CEC85DA-B4A1-4ECF-B94D-8A59FD57B818}" dt="2023-08-14T15:36:50.005" v="16" actId="165"/>
+          <ac:cxnSpMkLst>
+            <pc:docMk/>
+            <pc:sldMk cId="960251637" sldId="256"/>
+            <ac:cxnSpMk id="34" creationId="{1FC1B476-2938-EECE-8109-C1E30831CECF}"/>
+          </ac:cxnSpMkLst>
+        </pc:cxnChg>
+        <pc:cxnChg chg="mod topLvl">
+          <ac:chgData name="Yaowen Hu" userId="81e4f212d1a9d49e" providerId="LiveId" clId="{2CEC85DA-B4A1-4ECF-B94D-8A59FD57B818}" dt="2023-08-14T15:39:44.935" v="78" actId="164"/>
+          <ac:cxnSpMkLst>
+            <pc:docMk/>
+            <pc:sldMk cId="960251637" sldId="256"/>
+            <ac:cxnSpMk id="35" creationId="{8BE630A1-064F-48F3-F17C-B1FA17DDB056}"/>
+          </ac:cxnSpMkLst>
+        </pc:cxnChg>
+        <pc:cxnChg chg="mod">
+          <ac:chgData name="Yaowen Hu" userId="81e4f212d1a9d49e" providerId="LiveId" clId="{2CEC85DA-B4A1-4ECF-B94D-8A59FD57B818}" dt="2023-08-14T15:36:50.005" v="16" actId="165"/>
+          <ac:cxnSpMkLst>
+            <pc:docMk/>
+            <pc:sldMk cId="960251637" sldId="256"/>
+            <ac:cxnSpMk id="41" creationId="{B98B57E6-E769-1FE5-D394-D92985EDE9EC}"/>
+          </ac:cxnSpMkLst>
+        </pc:cxnChg>
+        <pc:cxnChg chg="mod">
+          <ac:chgData name="Yaowen Hu" userId="81e4f212d1a9d49e" providerId="LiveId" clId="{2CEC85DA-B4A1-4ECF-B94D-8A59FD57B818}" dt="2023-08-14T15:36:50.005" v="16" actId="165"/>
+          <ac:cxnSpMkLst>
+            <pc:docMk/>
+            <pc:sldMk cId="960251637" sldId="256"/>
+            <ac:cxnSpMk id="42" creationId="{549D804B-D79C-8714-B70D-E9C642F1684D}"/>
+          </ac:cxnSpMkLst>
+        </pc:cxnChg>
+        <pc:cxnChg chg="mod topLvl">
+          <ac:chgData name="Yaowen Hu" userId="81e4f212d1a9d49e" providerId="LiveId" clId="{2CEC85DA-B4A1-4ECF-B94D-8A59FD57B818}" dt="2023-08-14T15:39:44.935" v="78" actId="164"/>
+          <ac:cxnSpMkLst>
+            <pc:docMk/>
+            <pc:sldMk cId="960251637" sldId="256"/>
+            <ac:cxnSpMk id="59" creationId="{1F157323-92E2-47CE-EC73-F4B7FC31113B}"/>
+          </ac:cxnSpMkLst>
+        </pc:cxnChg>
+        <pc:cxnChg chg="mod topLvl">
+          <ac:chgData name="Yaowen Hu" userId="81e4f212d1a9d49e" providerId="LiveId" clId="{2CEC85DA-B4A1-4ECF-B94D-8A59FD57B818}" dt="2023-08-14T15:39:44.935" v="78" actId="164"/>
+          <ac:cxnSpMkLst>
+            <pc:docMk/>
+            <pc:sldMk cId="960251637" sldId="256"/>
+            <ac:cxnSpMk id="61" creationId="{E59DFC02-A431-731B-B448-9894BECCC230}"/>
+          </ac:cxnSpMkLst>
+        </pc:cxnChg>
+        <pc:cxnChg chg="mod topLvl">
+          <ac:chgData name="Yaowen Hu" userId="81e4f212d1a9d49e" providerId="LiveId" clId="{2CEC85DA-B4A1-4ECF-B94D-8A59FD57B818}" dt="2023-08-14T15:39:44.935" v="78" actId="164"/>
+          <ac:cxnSpMkLst>
+            <pc:docMk/>
+            <pc:sldMk cId="960251637" sldId="256"/>
+            <ac:cxnSpMk id="62" creationId="{3AFFB6C1-6FD9-A943-F7F1-8D3E6DB1F132}"/>
+          </ac:cxnSpMkLst>
+        </pc:cxnChg>
+        <pc:cxnChg chg="mod topLvl">
+          <ac:chgData name="Yaowen Hu" userId="81e4f212d1a9d49e" providerId="LiveId" clId="{2CEC85DA-B4A1-4ECF-B94D-8A59FD57B818}" dt="2023-08-14T15:39:44.935" v="78" actId="164"/>
+          <ac:cxnSpMkLst>
+            <pc:docMk/>
+            <pc:sldMk cId="960251637" sldId="256"/>
+            <ac:cxnSpMk id="65" creationId="{A0B6403B-F5C1-507F-CE58-1DE61BFA654F}"/>
+          </ac:cxnSpMkLst>
+        </pc:cxnChg>
+        <pc:cxnChg chg="mod topLvl">
+          <ac:chgData name="Yaowen Hu" userId="81e4f212d1a9d49e" providerId="LiveId" clId="{2CEC85DA-B4A1-4ECF-B94D-8A59FD57B818}" dt="2023-08-14T15:39:44.935" v="78" actId="164"/>
+          <ac:cxnSpMkLst>
+            <pc:docMk/>
+            <pc:sldMk cId="960251637" sldId="256"/>
+            <ac:cxnSpMk id="72" creationId="{0F3EEB63-1F38-17D5-C413-3DD6010AC93B}"/>
+          </ac:cxnSpMkLst>
+        </pc:cxnChg>
+      </pc:sldChg>
+      <pc:sldChg chg="addSp delSp modSp mod ord">
+        <pc:chgData name="Yaowen Hu" userId="81e4f212d1a9d49e" providerId="LiveId" clId="{2CEC85DA-B4A1-4ECF-B94D-8A59FD57B818}" dt="2023-08-14T15:39:38.586" v="77" actId="164"/>
+        <pc:sldMkLst>
+          <pc:docMk/>
+          <pc:sldMk cId="1889862027" sldId="257"/>
+        </pc:sldMkLst>
+        <pc:spChg chg="mod">
+          <ac:chgData name="Yaowen Hu" userId="81e4f212d1a9d49e" providerId="LiveId" clId="{2CEC85DA-B4A1-4ECF-B94D-8A59FD57B818}" dt="2023-08-14T15:37:59.703" v="36" actId="165"/>
+          <ac:spMkLst>
+            <pc:docMk/>
+            <pc:sldMk cId="1889862027" sldId="257"/>
+            <ac:spMk id="6" creationId="{E30594B3-955A-208E-DEC7-22E4561326F7}"/>
+          </ac:spMkLst>
+        </pc:spChg>
+        <pc:spChg chg="mod topLvl">
+          <ac:chgData name="Yaowen Hu" userId="81e4f212d1a9d49e" providerId="LiveId" clId="{2CEC85DA-B4A1-4ECF-B94D-8A59FD57B818}" dt="2023-08-14T15:39:38.586" v="77" actId="164"/>
+          <ac:spMkLst>
+            <pc:docMk/>
+            <pc:sldMk cId="1889862027" sldId="257"/>
+            <ac:spMk id="10" creationId="{E70359C6-F408-18D6-DEEE-CC69E8D75387}"/>
+          </ac:spMkLst>
+        </pc:spChg>
+        <pc:spChg chg="mod">
+          <ac:chgData name="Yaowen Hu" userId="81e4f212d1a9d49e" providerId="LiveId" clId="{2CEC85DA-B4A1-4ECF-B94D-8A59FD57B818}" dt="2023-08-14T15:37:59.703" v="36" actId="165"/>
+          <ac:spMkLst>
+            <pc:docMk/>
+            <pc:sldMk cId="1889862027" sldId="257"/>
+            <ac:spMk id="13" creationId="{A8FDED49-F882-BD1C-E7FD-B086EEAAF308}"/>
+          </ac:spMkLst>
+        </pc:spChg>
+        <pc:spChg chg="mod topLvl">
+          <ac:chgData name="Yaowen Hu" userId="81e4f212d1a9d49e" providerId="LiveId" clId="{2CEC85DA-B4A1-4ECF-B94D-8A59FD57B818}" dt="2023-08-14T15:39:38.586" v="77" actId="164"/>
+          <ac:spMkLst>
+            <pc:docMk/>
+            <pc:sldMk cId="1889862027" sldId="257"/>
+            <ac:spMk id="19" creationId="{394E3EDF-1053-6AF7-0B22-205A4FDD1316}"/>
+          </ac:spMkLst>
+        </pc:spChg>
+        <pc:spChg chg="mod topLvl">
+          <ac:chgData name="Yaowen Hu" userId="81e4f212d1a9d49e" providerId="LiveId" clId="{2CEC85DA-B4A1-4ECF-B94D-8A59FD57B818}" dt="2023-08-14T15:39:38.586" v="77" actId="164"/>
+          <ac:spMkLst>
+            <pc:docMk/>
+            <pc:sldMk cId="1889862027" sldId="257"/>
+            <ac:spMk id="20" creationId="{6849B762-1375-8D8D-9F4D-1BF6009CDAC6}"/>
+          </ac:spMkLst>
+        </pc:spChg>
+        <pc:spChg chg="mod">
+          <ac:chgData name="Yaowen Hu" userId="81e4f212d1a9d49e" providerId="LiveId" clId="{2CEC85DA-B4A1-4ECF-B94D-8A59FD57B818}" dt="2023-08-14T15:37:59.703" v="36" actId="165"/>
+          <ac:spMkLst>
+            <pc:docMk/>
+            <pc:sldMk cId="1889862027" sldId="257"/>
+            <ac:spMk id="22" creationId="{D5EA10D1-55DB-F6FA-D06F-AB723352C8D7}"/>
+          </ac:spMkLst>
+        </pc:spChg>
+        <pc:spChg chg="mod">
+          <ac:chgData name="Yaowen Hu" userId="81e4f212d1a9d49e" providerId="LiveId" clId="{2CEC85DA-B4A1-4ECF-B94D-8A59FD57B818}" dt="2023-08-14T15:37:59.703" v="36" actId="165"/>
+          <ac:spMkLst>
+            <pc:docMk/>
+            <pc:sldMk cId="1889862027" sldId="257"/>
+            <ac:spMk id="28" creationId="{C73D0654-DCB6-CB6F-EE23-4FC5370A8F2F}"/>
+          </ac:spMkLst>
+        </pc:spChg>
+        <pc:spChg chg="mod topLvl">
+          <ac:chgData name="Yaowen Hu" userId="81e4f212d1a9d49e" providerId="LiveId" clId="{2CEC85DA-B4A1-4ECF-B94D-8A59FD57B818}" dt="2023-08-14T15:39:38.586" v="77" actId="164"/>
+          <ac:spMkLst>
+            <pc:docMk/>
+            <pc:sldMk cId="1889862027" sldId="257"/>
+            <ac:spMk id="34" creationId="{84733D59-F465-85D1-7EB4-E854940EE7AC}"/>
+          </ac:spMkLst>
+        </pc:spChg>
+        <pc:spChg chg="mod">
+          <ac:chgData name="Yaowen Hu" userId="81e4f212d1a9d49e" providerId="LiveId" clId="{2CEC85DA-B4A1-4ECF-B94D-8A59FD57B818}" dt="2023-08-14T15:37:59.703" v="36" actId="165"/>
+          <ac:spMkLst>
+            <pc:docMk/>
+            <pc:sldMk cId="1889862027" sldId="257"/>
+            <ac:spMk id="36" creationId="{F2F82BE2-717F-CF52-6B42-58DA03D62395}"/>
+          </ac:spMkLst>
+        </pc:spChg>
+        <pc:spChg chg="mod">
+          <ac:chgData name="Yaowen Hu" userId="81e4f212d1a9d49e" providerId="LiveId" clId="{2CEC85DA-B4A1-4ECF-B94D-8A59FD57B818}" dt="2023-08-14T15:37:59.703" v="36" actId="165"/>
+          <ac:spMkLst>
+            <pc:docMk/>
+            <pc:sldMk cId="1889862027" sldId="257"/>
+            <ac:spMk id="37" creationId="{3FFDF269-83C8-BDAF-0292-4C9417658D84}"/>
+          </ac:spMkLst>
+        </pc:spChg>
+        <pc:spChg chg="mod">
+          <ac:chgData name="Yaowen Hu" userId="81e4f212d1a9d49e" providerId="LiveId" clId="{2CEC85DA-B4A1-4ECF-B94D-8A59FD57B818}" dt="2023-08-14T15:37:59.703" v="36" actId="165"/>
+          <ac:spMkLst>
+            <pc:docMk/>
+            <pc:sldMk cId="1889862027" sldId="257"/>
+            <ac:spMk id="40" creationId="{BEF213E3-1F8A-73F3-54E0-14D103E4EADA}"/>
+          </ac:spMkLst>
+        </pc:spChg>
+        <pc:spChg chg="mod">
+          <ac:chgData name="Yaowen Hu" userId="81e4f212d1a9d49e" providerId="LiveId" clId="{2CEC85DA-B4A1-4ECF-B94D-8A59FD57B818}" dt="2023-08-14T15:37:59.703" v="36" actId="165"/>
+          <ac:spMkLst>
+            <pc:docMk/>
+            <pc:sldMk cId="1889862027" sldId="257"/>
+            <ac:spMk id="45" creationId="{B2F61692-F749-AAFB-1809-A44FDA16818B}"/>
+          </ac:spMkLst>
+        </pc:spChg>
+        <pc:spChg chg="mod">
+          <ac:chgData name="Yaowen Hu" userId="81e4f212d1a9d49e" providerId="LiveId" clId="{2CEC85DA-B4A1-4ECF-B94D-8A59FD57B818}" dt="2023-08-14T15:37:59.703" v="36" actId="165"/>
+          <ac:spMkLst>
+            <pc:docMk/>
+            <pc:sldMk cId="1889862027" sldId="257"/>
+            <ac:spMk id="46" creationId="{05541802-DAFE-74BF-C160-FF1AAC3B92F0}"/>
+          </ac:spMkLst>
+        </pc:spChg>
+        <pc:spChg chg="mod">
+          <ac:chgData name="Yaowen Hu" userId="81e4f212d1a9d49e" providerId="LiveId" clId="{2CEC85DA-B4A1-4ECF-B94D-8A59FD57B818}" dt="2023-08-14T15:37:59.703" v="36" actId="165"/>
+          <ac:spMkLst>
+            <pc:docMk/>
+            <pc:sldMk cId="1889862027" sldId="257"/>
+            <ac:spMk id="49" creationId="{D5BB1CEE-E624-DE05-AE10-64136073281D}"/>
+          </ac:spMkLst>
+        </pc:spChg>
+        <pc:spChg chg="mod">
+          <ac:chgData name="Yaowen Hu" userId="81e4f212d1a9d49e" providerId="LiveId" clId="{2CEC85DA-B4A1-4ECF-B94D-8A59FD57B818}" dt="2023-08-14T15:37:59.703" v="36" actId="165"/>
+          <ac:spMkLst>
+            <pc:docMk/>
+            <pc:sldMk cId="1889862027" sldId="257"/>
+            <ac:spMk id="54" creationId="{A10D0130-A87E-A545-0031-AC933D8E1C56}"/>
+          </ac:spMkLst>
+        </pc:spChg>
+        <pc:spChg chg="mod">
+          <ac:chgData name="Yaowen Hu" userId="81e4f212d1a9d49e" providerId="LiveId" clId="{2CEC85DA-B4A1-4ECF-B94D-8A59FD57B818}" dt="2023-08-14T15:37:59.703" v="36" actId="165"/>
+          <ac:spMkLst>
+            <pc:docMk/>
+            <pc:sldMk cId="1889862027" sldId="257"/>
+            <ac:spMk id="55" creationId="{635C61B7-4A32-2BF1-AE67-4AC98572DC31}"/>
+          </ac:spMkLst>
+        </pc:spChg>
+        <pc:spChg chg="mod topLvl">
+          <ac:chgData name="Yaowen Hu" userId="81e4f212d1a9d49e" providerId="LiveId" clId="{2CEC85DA-B4A1-4ECF-B94D-8A59FD57B818}" dt="2023-08-14T15:39:38.586" v="77" actId="164"/>
+          <ac:spMkLst>
+            <pc:docMk/>
+            <pc:sldMk cId="1889862027" sldId="257"/>
+            <ac:spMk id="57" creationId="{26C57FAB-638B-9024-EDE6-11B0657940C3}"/>
+          </ac:spMkLst>
+        </pc:spChg>
+        <pc:spChg chg="mod topLvl">
+          <ac:chgData name="Yaowen Hu" userId="81e4f212d1a9d49e" providerId="LiveId" clId="{2CEC85DA-B4A1-4ECF-B94D-8A59FD57B818}" dt="2023-08-14T15:39:38.586" v="77" actId="164"/>
+          <ac:spMkLst>
+            <pc:docMk/>
+            <pc:sldMk cId="1889862027" sldId="257"/>
+            <ac:spMk id="58" creationId="{916AAAEC-E6A8-CC18-7AE0-9AD98300C3FC}"/>
+          </ac:spMkLst>
+        </pc:spChg>
+        <pc:spChg chg="mod">
+          <ac:chgData name="Yaowen Hu" userId="81e4f212d1a9d49e" providerId="LiveId" clId="{2CEC85DA-B4A1-4ECF-B94D-8A59FD57B818}" dt="2023-08-14T15:37:59.703" v="36" actId="165"/>
+          <ac:spMkLst>
+            <pc:docMk/>
+            <pc:sldMk cId="1889862027" sldId="257"/>
+            <ac:spMk id="65" creationId="{F513F675-4113-5DA9-0B11-75C9E23381EA}"/>
+          </ac:spMkLst>
+        </pc:spChg>
+        <pc:spChg chg="mod">
+          <ac:chgData name="Yaowen Hu" userId="81e4f212d1a9d49e" providerId="LiveId" clId="{2CEC85DA-B4A1-4ECF-B94D-8A59FD57B818}" dt="2023-08-14T15:37:59.703" v="36" actId="165"/>
+          <ac:spMkLst>
+            <pc:docMk/>
+            <pc:sldMk cId="1889862027" sldId="257"/>
+            <ac:spMk id="70" creationId="{D8769F65-9119-1233-5B71-4A27CDCE41D6}"/>
+          </ac:spMkLst>
+        </pc:spChg>
+        <pc:spChg chg="mod">
+          <ac:chgData name="Yaowen Hu" userId="81e4f212d1a9d49e" providerId="LiveId" clId="{2CEC85DA-B4A1-4ECF-B94D-8A59FD57B818}" dt="2023-08-14T15:37:59.703" v="36" actId="165"/>
+          <ac:spMkLst>
+            <pc:docMk/>
+            <pc:sldMk cId="1889862027" sldId="257"/>
+            <ac:spMk id="71" creationId="{FF5BE1A8-A4F0-368D-F7F4-46E66BD6C95B}"/>
+          </ac:spMkLst>
+        </pc:spChg>
+        <pc:spChg chg="mod">
+          <ac:chgData name="Yaowen Hu" userId="81e4f212d1a9d49e" providerId="LiveId" clId="{2CEC85DA-B4A1-4ECF-B94D-8A59FD57B818}" dt="2023-08-14T15:37:59.703" v="36" actId="165"/>
+          <ac:spMkLst>
+            <pc:docMk/>
+            <pc:sldMk cId="1889862027" sldId="257"/>
+            <ac:spMk id="74" creationId="{2963009C-FBCB-280B-A826-A1E2BDE3C0CF}"/>
+          </ac:spMkLst>
+        </pc:spChg>
+        <pc:spChg chg="mod">
+          <ac:chgData name="Yaowen Hu" userId="81e4f212d1a9d49e" providerId="LiveId" clId="{2CEC85DA-B4A1-4ECF-B94D-8A59FD57B818}" dt="2023-08-14T15:37:59.703" v="36" actId="165"/>
+          <ac:spMkLst>
+            <pc:docMk/>
+            <pc:sldMk cId="1889862027" sldId="257"/>
+            <ac:spMk id="79" creationId="{0903020D-9EB0-496B-29F4-6030B5EB6E50}"/>
+          </ac:spMkLst>
+        </pc:spChg>
+        <pc:spChg chg="mod">
+          <ac:chgData name="Yaowen Hu" userId="81e4f212d1a9d49e" providerId="LiveId" clId="{2CEC85DA-B4A1-4ECF-B94D-8A59FD57B818}" dt="2023-08-14T15:37:59.703" v="36" actId="165"/>
+          <ac:spMkLst>
+            <pc:docMk/>
+            <pc:sldMk cId="1889862027" sldId="257"/>
+            <ac:spMk id="80" creationId="{F7F15DCE-F73D-DDE0-0336-FABA16B2CB50}"/>
+          </ac:spMkLst>
+        </pc:spChg>
+        <pc:spChg chg="mod">
+          <ac:chgData name="Yaowen Hu" userId="81e4f212d1a9d49e" providerId="LiveId" clId="{2CEC85DA-B4A1-4ECF-B94D-8A59FD57B818}" dt="2023-08-14T15:37:59.703" v="36" actId="165"/>
+          <ac:spMkLst>
+            <pc:docMk/>
+            <pc:sldMk cId="1889862027" sldId="257"/>
+            <ac:spMk id="83" creationId="{54FD23DA-565F-2AF7-B514-DEE5B1578EE7}"/>
+          </ac:spMkLst>
+        </pc:spChg>
+        <pc:spChg chg="mod">
+          <ac:chgData name="Yaowen Hu" userId="81e4f212d1a9d49e" providerId="LiveId" clId="{2CEC85DA-B4A1-4ECF-B94D-8A59FD57B818}" dt="2023-08-14T15:37:59.703" v="36" actId="165"/>
+          <ac:spMkLst>
+            <pc:docMk/>
+            <pc:sldMk cId="1889862027" sldId="257"/>
+            <ac:spMk id="84" creationId="{335075A2-B3D2-A089-4043-AECCC8523538}"/>
+          </ac:spMkLst>
+        </pc:spChg>
+        <pc:spChg chg="mod topLvl">
+          <ac:chgData name="Yaowen Hu" userId="81e4f212d1a9d49e" providerId="LiveId" clId="{2CEC85DA-B4A1-4ECF-B94D-8A59FD57B818}" dt="2023-08-14T15:39:38.586" v="77" actId="164"/>
+          <ac:spMkLst>
+            <pc:docMk/>
+            <pc:sldMk cId="1889862027" sldId="257"/>
+            <ac:spMk id="90" creationId="{7F9A42DF-30EF-A78C-8CDD-3408B88A0AB2}"/>
+          </ac:spMkLst>
+        </pc:spChg>
+        <pc:spChg chg="mod topLvl">
+          <ac:chgData name="Yaowen Hu" userId="81e4f212d1a9d49e" providerId="LiveId" clId="{2CEC85DA-B4A1-4ECF-B94D-8A59FD57B818}" dt="2023-08-14T15:39:38.586" v="77" actId="164"/>
+          <ac:spMkLst>
+            <pc:docMk/>
+            <pc:sldMk cId="1889862027" sldId="257"/>
+            <ac:spMk id="91" creationId="{D0F7DFDC-ECBB-D8EB-05E3-7B9EB4E4728A}"/>
+          </ac:spMkLst>
+        </pc:spChg>
+        <pc:spChg chg="mod topLvl">
+          <ac:chgData name="Yaowen Hu" userId="81e4f212d1a9d49e" providerId="LiveId" clId="{2CEC85DA-B4A1-4ECF-B94D-8A59FD57B818}" dt="2023-08-14T15:39:38.586" v="77" actId="164"/>
+          <ac:spMkLst>
+            <pc:docMk/>
+            <pc:sldMk cId="1889862027" sldId="257"/>
+            <ac:spMk id="92" creationId="{D3055E7A-3DC3-AC83-818F-E833948BE313}"/>
+          </ac:spMkLst>
+        </pc:spChg>
+        <pc:spChg chg="mod topLvl">
+          <ac:chgData name="Yaowen Hu" userId="81e4f212d1a9d49e" providerId="LiveId" clId="{2CEC85DA-B4A1-4ECF-B94D-8A59FD57B818}" dt="2023-08-14T15:39:38.586" v="77" actId="164"/>
+          <ac:spMkLst>
+            <pc:docMk/>
+            <pc:sldMk cId="1889862027" sldId="257"/>
+            <ac:spMk id="93" creationId="{5DC8DE47-DAA6-F311-DBC0-0A3D2DD5F506}"/>
+          </ac:spMkLst>
+        </pc:spChg>
+        <pc:spChg chg="mod topLvl">
+          <ac:chgData name="Yaowen Hu" userId="81e4f212d1a9d49e" providerId="LiveId" clId="{2CEC85DA-B4A1-4ECF-B94D-8A59FD57B818}" dt="2023-08-14T15:39:38.586" v="77" actId="164"/>
+          <ac:spMkLst>
+            <pc:docMk/>
+            <pc:sldMk cId="1889862027" sldId="257"/>
+            <ac:spMk id="94" creationId="{21DB9712-4B7A-7C00-EA0B-A6CBB4295B28}"/>
+          </ac:spMkLst>
+        </pc:spChg>
+        <pc:spChg chg="mod topLvl">
+          <ac:chgData name="Yaowen Hu" userId="81e4f212d1a9d49e" providerId="LiveId" clId="{2CEC85DA-B4A1-4ECF-B94D-8A59FD57B818}" dt="2023-08-14T15:39:38.586" v="77" actId="164"/>
+          <ac:spMkLst>
+            <pc:docMk/>
+            <pc:sldMk cId="1889862027" sldId="257"/>
+            <ac:spMk id="95" creationId="{2B089ED1-239B-10DB-4E00-FFFAD9C3B955}"/>
+          </ac:spMkLst>
+        </pc:spChg>
+        <pc:grpChg chg="del">
+          <ac:chgData name="Yaowen Hu" userId="81e4f212d1a9d49e" providerId="LiveId" clId="{2CEC85DA-B4A1-4ECF-B94D-8A59FD57B818}" dt="2023-08-14T15:37:59.703" v="36" actId="165"/>
+          <ac:grpSpMkLst>
+            <pc:docMk/>
+            <pc:sldMk cId="1889862027" sldId="257"/>
+            <ac:grpSpMk id="2" creationId="{93599824-E266-F033-479F-370E137311F4}"/>
+          </ac:grpSpMkLst>
+        </pc:grpChg>
+        <pc:grpChg chg="mod topLvl">
+          <ac:chgData name="Yaowen Hu" userId="81e4f212d1a9d49e" providerId="LiveId" clId="{2CEC85DA-B4A1-4ECF-B94D-8A59FD57B818}" dt="2023-08-14T15:39:38.586" v="77" actId="164"/>
+          <ac:grpSpMkLst>
+            <pc:docMk/>
+            <pc:sldMk cId="1889862027" sldId="257"/>
+            <ac:grpSpMk id="5" creationId="{FDFFA4D2-5F90-53C6-2C9E-BBE064B851F6}"/>
+          </ac:grpSpMkLst>
+        </pc:grpChg>
+        <pc:grpChg chg="mod topLvl">
+          <ac:chgData name="Yaowen Hu" userId="81e4f212d1a9d49e" providerId="LiveId" clId="{2CEC85DA-B4A1-4ECF-B94D-8A59FD57B818}" dt="2023-08-14T15:39:38.586" v="77" actId="164"/>
+          <ac:grpSpMkLst>
+            <pc:docMk/>
+            <pc:sldMk cId="1889862027" sldId="257"/>
+            <ac:grpSpMk id="12" creationId="{4F6ADB29-828C-2B38-8718-C0587DD2717E}"/>
+          </ac:grpSpMkLst>
+        </pc:grpChg>
+        <pc:grpChg chg="mod topLvl">
+          <ac:chgData name="Yaowen Hu" userId="81e4f212d1a9d49e" providerId="LiveId" clId="{2CEC85DA-B4A1-4ECF-B94D-8A59FD57B818}" dt="2023-08-14T15:39:38.586" v="77" actId="164"/>
+          <ac:grpSpMkLst>
+            <pc:docMk/>
+            <pc:sldMk cId="1889862027" sldId="257"/>
+            <ac:grpSpMk id="21" creationId="{D3E65CDE-7822-7E22-46AE-9CD7AC760529}"/>
+          </ac:grpSpMkLst>
+        </pc:grpChg>
+        <pc:grpChg chg="mod topLvl">
+          <ac:chgData name="Yaowen Hu" userId="81e4f212d1a9d49e" providerId="LiveId" clId="{2CEC85DA-B4A1-4ECF-B94D-8A59FD57B818}" dt="2023-08-14T15:39:38.586" v="77" actId="164"/>
+          <ac:grpSpMkLst>
+            <pc:docMk/>
+            <pc:sldMk cId="1889862027" sldId="257"/>
+            <ac:grpSpMk id="27" creationId="{360C8F9C-7542-09F5-8CC3-74DA28DF7C47}"/>
+          </ac:grpSpMkLst>
+        </pc:grpChg>
+        <pc:grpChg chg="mod topLvl">
+          <ac:chgData name="Yaowen Hu" userId="81e4f212d1a9d49e" providerId="LiveId" clId="{2CEC85DA-B4A1-4ECF-B94D-8A59FD57B818}" dt="2023-08-14T15:39:38.586" v="77" actId="164"/>
+          <ac:grpSpMkLst>
+            <pc:docMk/>
+            <pc:sldMk cId="1889862027" sldId="257"/>
+            <ac:grpSpMk id="35" creationId="{384FC4B3-D2A8-B3D8-FC69-4DF92EED23F4}"/>
+          </ac:grpSpMkLst>
+        </pc:grpChg>
+        <pc:grpChg chg="mod topLvl">
+          <ac:chgData name="Yaowen Hu" userId="81e4f212d1a9d49e" providerId="LiveId" clId="{2CEC85DA-B4A1-4ECF-B94D-8A59FD57B818}" dt="2023-08-14T15:39:38.586" v="77" actId="164"/>
+          <ac:grpSpMkLst>
+            <pc:docMk/>
+            <pc:sldMk cId="1889862027" sldId="257"/>
+            <ac:grpSpMk id="39" creationId="{65688989-4CF1-3ECF-B353-3BFF031BF71A}"/>
+          </ac:grpSpMkLst>
+        </pc:grpChg>
+        <pc:grpChg chg="mod topLvl">
+          <ac:chgData name="Yaowen Hu" userId="81e4f212d1a9d49e" providerId="LiveId" clId="{2CEC85DA-B4A1-4ECF-B94D-8A59FD57B818}" dt="2023-08-14T15:39:38.586" v="77" actId="164"/>
+          <ac:grpSpMkLst>
+            <pc:docMk/>
+            <pc:sldMk cId="1889862027" sldId="257"/>
+            <ac:grpSpMk id="44" creationId="{A462E811-1B51-F052-DE32-CA9A62122A19}"/>
+          </ac:grpSpMkLst>
+        </pc:grpChg>
+        <pc:grpChg chg="mod topLvl">
+          <ac:chgData name="Yaowen Hu" userId="81e4f212d1a9d49e" providerId="LiveId" clId="{2CEC85DA-B4A1-4ECF-B94D-8A59FD57B818}" dt="2023-08-14T15:39:38.586" v="77" actId="164"/>
+          <ac:grpSpMkLst>
+            <pc:docMk/>
+            <pc:sldMk cId="1889862027" sldId="257"/>
+            <ac:grpSpMk id="48" creationId="{19D42ACA-75EE-AEBC-D2D8-B733B83A410C}"/>
+          </ac:grpSpMkLst>
+        </pc:grpChg>
+        <pc:grpChg chg="mod topLvl">
+          <ac:chgData name="Yaowen Hu" userId="81e4f212d1a9d49e" providerId="LiveId" clId="{2CEC85DA-B4A1-4ECF-B94D-8A59FD57B818}" dt="2023-08-14T15:39:38.586" v="77" actId="164"/>
+          <ac:grpSpMkLst>
+            <pc:docMk/>
+            <pc:sldMk cId="1889862027" sldId="257"/>
+            <ac:grpSpMk id="53" creationId="{96C57046-E6D4-741E-E046-BBC38D41A938}"/>
+          </ac:grpSpMkLst>
+        </pc:grpChg>
+        <pc:grpChg chg="mod topLvl">
+          <ac:chgData name="Yaowen Hu" userId="81e4f212d1a9d49e" providerId="LiveId" clId="{2CEC85DA-B4A1-4ECF-B94D-8A59FD57B818}" dt="2023-08-14T15:39:38.586" v="77" actId="164"/>
+          <ac:grpSpMkLst>
+            <pc:docMk/>
+            <pc:sldMk cId="1889862027" sldId="257"/>
+            <ac:grpSpMk id="64" creationId="{E61B37AB-98BA-AAAD-2928-3A7EDD00AD42}"/>
+          </ac:grpSpMkLst>
+        </pc:grpChg>
+        <pc:grpChg chg="mod topLvl">
+          <ac:chgData name="Yaowen Hu" userId="81e4f212d1a9d49e" providerId="LiveId" clId="{2CEC85DA-B4A1-4ECF-B94D-8A59FD57B818}" dt="2023-08-14T15:39:38.586" v="77" actId="164"/>
+          <ac:grpSpMkLst>
+            <pc:docMk/>
+            <pc:sldMk cId="1889862027" sldId="257"/>
+            <ac:grpSpMk id="69" creationId="{9D32B4FB-009C-1547-6446-DB819E5198B9}"/>
+          </ac:grpSpMkLst>
+        </pc:grpChg>
+        <pc:grpChg chg="mod topLvl">
+          <ac:chgData name="Yaowen Hu" userId="81e4f212d1a9d49e" providerId="LiveId" clId="{2CEC85DA-B4A1-4ECF-B94D-8A59FD57B818}" dt="2023-08-14T15:39:38.586" v="77" actId="164"/>
+          <ac:grpSpMkLst>
+            <pc:docMk/>
+            <pc:sldMk cId="1889862027" sldId="257"/>
+            <ac:grpSpMk id="73" creationId="{1127F3A0-720A-57B6-DDEA-EF2CC7E5458D}"/>
+          </ac:grpSpMkLst>
+        </pc:grpChg>
+        <pc:grpChg chg="mod topLvl">
+          <ac:chgData name="Yaowen Hu" userId="81e4f212d1a9d49e" providerId="LiveId" clId="{2CEC85DA-B4A1-4ECF-B94D-8A59FD57B818}" dt="2023-08-14T15:39:38.586" v="77" actId="164"/>
+          <ac:grpSpMkLst>
+            <pc:docMk/>
+            <pc:sldMk cId="1889862027" sldId="257"/>
+            <ac:grpSpMk id="78" creationId="{F2EB71E0-3C41-C05A-7C2D-426F79BBB727}"/>
+          </ac:grpSpMkLst>
+        </pc:grpChg>
+        <pc:grpChg chg="mod topLvl">
+          <ac:chgData name="Yaowen Hu" userId="81e4f212d1a9d49e" providerId="LiveId" clId="{2CEC85DA-B4A1-4ECF-B94D-8A59FD57B818}" dt="2023-08-14T15:39:38.586" v="77" actId="164"/>
+          <ac:grpSpMkLst>
+            <pc:docMk/>
+            <pc:sldMk cId="1889862027" sldId="257"/>
+            <ac:grpSpMk id="82" creationId="{F7E654FF-DF7F-DF40-9DDF-C3728BB2C62B}"/>
+          </ac:grpSpMkLst>
+        </pc:grpChg>
+        <pc:grpChg chg="add mod">
+          <ac:chgData name="Yaowen Hu" userId="81e4f212d1a9d49e" providerId="LiveId" clId="{2CEC85DA-B4A1-4ECF-B94D-8A59FD57B818}" dt="2023-08-14T15:39:38.586" v="77" actId="164"/>
+          <ac:grpSpMkLst>
+            <pc:docMk/>
+            <pc:sldMk cId="1889862027" sldId="257"/>
+            <ac:grpSpMk id="99" creationId="{C91C201F-6A74-F585-2725-F493EA207B36}"/>
+          </ac:grpSpMkLst>
+        </pc:grpChg>
+        <pc:cxnChg chg="mod">
+          <ac:chgData name="Yaowen Hu" userId="81e4f212d1a9d49e" providerId="LiveId" clId="{2CEC85DA-B4A1-4ECF-B94D-8A59FD57B818}" dt="2023-08-14T15:37:59.703" v="36" actId="165"/>
+          <ac:cxnSpMkLst>
+            <pc:docMk/>
+            <pc:sldMk cId="1889862027" sldId="257"/>
+            <ac:cxnSpMk id="7" creationId="{80C1D65E-A124-4680-54E7-76259E4C97F9}"/>
+          </ac:cxnSpMkLst>
+        </pc:cxnChg>
+        <pc:cxnChg chg="mod">
+          <ac:chgData name="Yaowen Hu" userId="81e4f212d1a9d49e" providerId="LiveId" clId="{2CEC85DA-B4A1-4ECF-B94D-8A59FD57B818}" dt="2023-08-14T15:37:59.703" v="36" actId="165"/>
+          <ac:cxnSpMkLst>
+            <pc:docMk/>
+            <pc:sldMk cId="1889862027" sldId="257"/>
+            <ac:cxnSpMk id="8" creationId="{E8B83DB5-7FD8-FCB2-9C13-5C61EC6CE51F}"/>
+          </ac:cxnSpMkLst>
+        </pc:cxnChg>
+        <pc:cxnChg chg="mod topLvl">
+          <ac:chgData name="Yaowen Hu" userId="81e4f212d1a9d49e" providerId="LiveId" clId="{2CEC85DA-B4A1-4ECF-B94D-8A59FD57B818}" dt="2023-08-14T15:39:38.586" v="77" actId="164"/>
+          <ac:cxnSpMkLst>
+            <pc:docMk/>
+            <pc:sldMk cId="1889862027" sldId="257"/>
+            <ac:cxnSpMk id="9" creationId="{AD192310-6822-CC6A-23B5-1902AE46E91C}"/>
+          </ac:cxnSpMkLst>
+        </pc:cxnChg>
+        <pc:cxnChg chg="mod topLvl">
+          <ac:chgData name="Yaowen Hu" userId="81e4f212d1a9d49e" providerId="LiveId" clId="{2CEC85DA-B4A1-4ECF-B94D-8A59FD57B818}" dt="2023-08-14T15:39:38.586" v="77" actId="164"/>
+          <ac:cxnSpMkLst>
+            <pc:docMk/>
+            <pc:sldMk cId="1889862027" sldId="257"/>
+            <ac:cxnSpMk id="11" creationId="{91A7DCEA-F797-8333-7281-83A048EC914C}"/>
+          </ac:cxnSpMkLst>
+        </pc:cxnChg>
+        <pc:cxnChg chg="mod">
+          <ac:chgData name="Yaowen Hu" userId="81e4f212d1a9d49e" providerId="LiveId" clId="{2CEC85DA-B4A1-4ECF-B94D-8A59FD57B818}" dt="2023-08-14T15:37:59.703" v="36" actId="165"/>
+          <ac:cxnSpMkLst>
+            <pc:docMk/>
+            <pc:sldMk cId="1889862027" sldId="257"/>
+            <ac:cxnSpMk id="14" creationId="{8A3D6508-3243-0FBB-AD93-A27BBFD45DED}"/>
+          </ac:cxnSpMkLst>
+        </pc:cxnChg>
+        <pc:cxnChg chg="mod">
+          <ac:chgData name="Yaowen Hu" userId="81e4f212d1a9d49e" providerId="LiveId" clId="{2CEC85DA-B4A1-4ECF-B94D-8A59FD57B818}" dt="2023-08-14T15:37:59.703" v="36" actId="165"/>
+          <ac:cxnSpMkLst>
+            <pc:docMk/>
+            <pc:sldMk cId="1889862027" sldId="257"/>
+            <ac:cxnSpMk id="15" creationId="{C4E6E589-B241-3019-FA4F-B79BE7648611}"/>
+          </ac:cxnSpMkLst>
+        </pc:cxnChg>
+        <pc:cxnChg chg="mod topLvl">
+          <ac:chgData name="Yaowen Hu" userId="81e4f212d1a9d49e" providerId="LiveId" clId="{2CEC85DA-B4A1-4ECF-B94D-8A59FD57B818}" dt="2023-08-14T15:39:38.586" v="77" actId="164"/>
+          <ac:cxnSpMkLst>
+            <pc:docMk/>
+            <pc:sldMk cId="1889862027" sldId="257"/>
+            <ac:cxnSpMk id="16" creationId="{0EB6C2C6-870E-D4BC-38B2-37560E91B21B}"/>
+          </ac:cxnSpMkLst>
+        </pc:cxnChg>
+        <pc:cxnChg chg="mod topLvl">
+          <ac:chgData name="Yaowen Hu" userId="81e4f212d1a9d49e" providerId="LiveId" clId="{2CEC85DA-B4A1-4ECF-B94D-8A59FD57B818}" dt="2023-08-14T15:39:38.586" v="77" actId="164"/>
+          <ac:cxnSpMkLst>
+            <pc:docMk/>
+            <pc:sldMk cId="1889862027" sldId="257"/>
+            <ac:cxnSpMk id="17" creationId="{E173A4BE-627A-A12B-E79C-738D8C7A11C2}"/>
+          </ac:cxnSpMkLst>
+        </pc:cxnChg>
+        <pc:cxnChg chg="mod topLvl">
+          <ac:chgData name="Yaowen Hu" userId="81e4f212d1a9d49e" providerId="LiveId" clId="{2CEC85DA-B4A1-4ECF-B94D-8A59FD57B818}" dt="2023-08-14T15:39:38.586" v="77" actId="164"/>
+          <ac:cxnSpMkLst>
+            <pc:docMk/>
+            <pc:sldMk cId="1889862027" sldId="257"/>
+            <ac:cxnSpMk id="18" creationId="{E19E2997-EF90-E8E6-F9E1-F67848F43A62}"/>
+          </ac:cxnSpMkLst>
+        </pc:cxnChg>
+        <pc:cxnChg chg="mod">
+          <ac:chgData name="Yaowen Hu" userId="81e4f212d1a9d49e" providerId="LiveId" clId="{2CEC85DA-B4A1-4ECF-B94D-8A59FD57B818}" dt="2023-08-14T15:37:59.703" v="36" actId="165"/>
+          <ac:cxnSpMkLst>
+            <pc:docMk/>
+            <pc:sldMk cId="1889862027" sldId="257"/>
+            <ac:cxnSpMk id="23" creationId="{259165A7-E7A7-16D7-7867-98AF85EC222A}"/>
+          </ac:cxnSpMkLst>
+        </pc:cxnChg>
+        <pc:cxnChg chg="mod">
+          <ac:chgData name="Yaowen Hu" userId="81e4f212d1a9d49e" providerId="LiveId" clId="{2CEC85DA-B4A1-4ECF-B94D-8A59FD57B818}" dt="2023-08-14T15:37:59.703" v="36" actId="165"/>
+          <ac:cxnSpMkLst>
+            <pc:docMk/>
+            <pc:sldMk cId="1889862027" sldId="257"/>
+            <ac:cxnSpMk id="24" creationId="{73CE4DB6-2F5F-8563-0E74-97379C057AB3}"/>
+          </ac:cxnSpMkLst>
+        </pc:cxnChg>
+        <pc:cxnChg chg="mod topLvl">
+          <ac:chgData name="Yaowen Hu" userId="81e4f212d1a9d49e" providerId="LiveId" clId="{2CEC85DA-B4A1-4ECF-B94D-8A59FD57B818}" dt="2023-08-14T15:39:38.586" v="77" actId="164"/>
+          <ac:cxnSpMkLst>
+            <pc:docMk/>
+            <pc:sldMk cId="1889862027" sldId="257"/>
+            <ac:cxnSpMk id="25" creationId="{FC0DD894-B74E-04C2-F734-653BA387206D}"/>
+          </ac:cxnSpMkLst>
+        </pc:cxnChg>
+        <pc:cxnChg chg="mod topLvl">
+          <ac:chgData name="Yaowen Hu" userId="81e4f212d1a9d49e" providerId="LiveId" clId="{2CEC85DA-B4A1-4ECF-B94D-8A59FD57B818}" dt="2023-08-14T15:39:38.586" v="77" actId="164"/>
+          <ac:cxnSpMkLst>
+            <pc:docMk/>
+            <pc:sldMk cId="1889862027" sldId="257"/>
+            <ac:cxnSpMk id="26" creationId="{25762499-973C-E20C-76CD-4DCF8F56045D}"/>
+          </ac:cxnSpMkLst>
+        </pc:cxnChg>
+        <pc:cxnChg chg="mod">
+          <ac:chgData name="Yaowen Hu" userId="81e4f212d1a9d49e" providerId="LiveId" clId="{2CEC85DA-B4A1-4ECF-B94D-8A59FD57B818}" dt="2023-08-14T15:37:59.703" v="36" actId="165"/>
+          <ac:cxnSpMkLst>
+            <pc:docMk/>
+            <pc:sldMk cId="1889862027" sldId="257"/>
+            <ac:cxnSpMk id="29" creationId="{A941CB17-7E63-A409-350C-2D5CBEF7050D}"/>
+          </ac:cxnSpMkLst>
+        </pc:cxnChg>
+        <pc:cxnChg chg="mod">
+          <ac:chgData name="Yaowen Hu" userId="81e4f212d1a9d49e" providerId="LiveId" clId="{2CEC85DA-B4A1-4ECF-B94D-8A59FD57B818}" dt="2023-08-14T15:37:59.703" v="36" actId="165"/>
+          <ac:cxnSpMkLst>
+            <pc:docMk/>
+            <pc:sldMk cId="1889862027" sldId="257"/>
+            <ac:cxnSpMk id="30" creationId="{CA24C50B-26BF-834B-43BD-BA3199529108}"/>
+          </ac:cxnSpMkLst>
+        </pc:cxnChg>
+        <pc:cxnChg chg="mod topLvl">
+          <ac:chgData name="Yaowen Hu" userId="81e4f212d1a9d49e" providerId="LiveId" clId="{2CEC85DA-B4A1-4ECF-B94D-8A59FD57B818}" dt="2023-08-14T15:39:38.586" v="77" actId="164"/>
+          <ac:cxnSpMkLst>
+            <pc:docMk/>
+            <pc:sldMk cId="1889862027" sldId="257"/>
+            <ac:cxnSpMk id="31" creationId="{F8637F57-D56F-92B4-D9DC-5EE791B9A250}"/>
+          </ac:cxnSpMkLst>
+        </pc:cxnChg>
+        <pc:cxnChg chg="mod topLvl">
+          <ac:chgData name="Yaowen Hu" userId="81e4f212d1a9d49e" providerId="LiveId" clId="{2CEC85DA-B4A1-4ECF-B94D-8A59FD57B818}" dt="2023-08-14T15:39:38.586" v="77" actId="164"/>
+          <ac:cxnSpMkLst>
+            <pc:docMk/>
+            <pc:sldMk cId="1889862027" sldId="257"/>
+            <ac:cxnSpMk id="32" creationId="{B6F15AD6-93A1-DE31-4129-C0E522D9B161}"/>
+          </ac:cxnSpMkLst>
+        </pc:cxnChg>
+        <pc:cxnChg chg="mod topLvl">
+          <ac:chgData name="Yaowen Hu" userId="81e4f212d1a9d49e" providerId="LiveId" clId="{2CEC85DA-B4A1-4ECF-B94D-8A59FD57B818}" dt="2023-08-14T15:39:38.586" v="77" actId="164"/>
+          <ac:cxnSpMkLst>
+            <pc:docMk/>
+            <pc:sldMk cId="1889862027" sldId="257"/>
+            <ac:cxnSpMk id="33" creationId="{8486234B-BAD4-CC39-96A2-44EB8B256CD9}"/>
+          </ac:cxnSpMkLst>
+        </pc:cxnChg>
+        <pc:cxnChg chg="mod topLvl">
+          <ac:chgData name="Yaowen Hu" userId="81e4f212d1a9d49e" providerId="LiveId" clId="{2CEC85DA-B4A1-4ECF-B94D-8A59FD57B818}" dt="2023-08-14T15:39:38.586" v="77" actId="164"/>
+          <ac:cxnSpMkLst>
+            <pc:docMk/>
+            <pc:sldMk cId="1889862027" sldId="257"/>
+            <ac:cxnSpMk id="38" creationId="{5F36C31C-A751-DC3A-9E71-3C7143239D3D}"/>
+          </ac:cxnSpMkLst>
+        </pc:cxnChg>
+        <pc:cxnChg chg="mod">
+          <ac:chgData name="Yaowen Hu" userId="81e4f212d1a9d49e" providerId="LiveId" clId="{2CEC85DA-B4A1-4ECF-B94D-8A59FD57B818}" dt="2023-08-14T15:37:59.703" v="36" actId="165"/>
+          <ac:cxnSpMkLst>
+            <pc:docMk/>
+            <pc:sldMk cId="1889862027" sldId="257"/>
+            <ac:cxnSpMk id="41" creationId="{B98B57E6-E769-1FE5-D394-D92985EDE9EC}"/>
+          </ac:cxnSpMkLst>
+        </pc:cxnChg>
+        <pc:cxnChg chg="mod">
+          <ac:chgData name="Yaowen Hu" userId="81e4f212d1a9d49e" providerId="LiveId" clId="{2CEC85DA-B4A1-4ECF-B94D-8A59FD57B818}" dt="2023-08-14T15:37:59.703" v="36" actId="165"/>
+          <ac:cxnSpMkLst>
+            <pc:docMk/>
+            <pc:sldMk cId="1889862027" sldId="257"/>
+            <ac:cxnSpMk id="42" creationId="{549D804B-D79C-8714-B70D-E9C642F1684D}"/>
+          </ac:cxnSpMkLst>
+        </pc:cxnChg>
+        <pc:cxnChg chg="mod topLvl">
+          <ac:chgData name="Yaowen Hu" userId="81e4f212d1a9d49e" providerId="LiveId" clId="{2CEC85DA-B4A1-4ECF-B94D-8A59FD57B818}" dt="2023-08-14T15:39:38.586" v="77" actId="164"/>
+          <ac:cxnSpMkLst>
+            <pc:docMk/>
+            <pc:sldMk cId="1889862027" sldId="257"/>
+            <ac:cxnSpMk id="43" creationId="{9073018A-BA54-5B48-7765-66C26BD55289}"/>
+          </ac:cxnSpMkLst>
+        </pc:cxnChg>
+        <pc:cxnChg chg="mod topLvl">
+          <ac:chgData name="Yaowen Hu" userId="81e4f212d1a9d49e" providerId="LiveId" clId="{2CEC85DA-B4A1-4ECF-B94D-8A59FD57B818}" dt="2023-08-14T15:39:38.586" v="77" actId="164"/>
+          <ac:cxnSpMkLst>
+            <pc:docMk/>
+            <pc:sldMk cId="1889862027" sldId="257"/>
+            <ac:cxnSpMk id="47" creationId="{602EE8E1-1040-1CC6-024D-3842D5F8822E}"/>
+          </ac:cxnSpMkLst>
+        </pc:cxnChg>
+        <pc:cxnChg chg="mod">
+          <ac:chgData name="Yaowen Hu" userId="81e4f212d1a9d49e" providerId="LiveId" clId="{2CEC85DA-B4A1-4ECF-B94D-8A59FD57B818}" dt="2023-08-14T15:37:59.703" v="36" actId="165"/>
+          <ac:cxnSpMkLst>
+            <pc:docMk/>
+            <pc:sldMk cId="1889862027" sldId="257"/>
+            <ac:cxnSpMk id="50" creationId="{EC579B77-BF1A-1E0F-87A8-625D44A56FBE}"/>
+          </ac:cxnSpMkLst>
+        </pc:cxnChg>
+        <pc:cxnChg chg="mod">
+          <ac:chgData name="Yaowen Hu" userId="81e4f212d1a9d49e" providerId="LiveId" clId="{2CEC85DA-B4A1-4ECF-B94D-8A59FD57B818}" dt="2023-08-14T15:37:59.703" v="36" actId="165"/>
+          <ac:cxnSpMkLst>
+            <pc:docMk/>
+            <pc:sldMk cId="1889862027" sldId="257"/>
+            <ac:cxnSpMk id="51" creationId="{A786A4A5-09C2-D3D3-1086-FDA58AB63CDB}"/>
+          </ac:cxnSpMkLst>
+        </pc:cxnChg>
+        <pc:cxnChg chg="mod topLvl">
+          <ac:chgData name="Yaowen Hu" userId="81e4f212d1a9d49e" providerId="LiveId" clId="{2CEC85DA-B4A1-4ECF-B94D-8A59FD57B818}" dt="2023-08-14T15:39:38.586" v="77" actId="164"/>
+          <ac:cxnSpMkLst>
+            <pc:docMk/>
+            <pc:sldMk cId="1889862027" sldId="257"/>
+            <ac:cxnSpMk id="52" creationId="{89896AAE-CE58-9149-F72E-3099FE4CFBE1}"/>
+          </ac:cxnSpMkLst>
+        </pc:cxnChg>
+        <pc:cxnChg chg="mod topLvl">
+          <ac:chgData name="Yaowen Hu" userId="81e4f212d1a9d49e" providerId="LiveId" clId="{2CEC85DA-B4A1-4ECF-B94D-8A59FD57B818}" dt="2023-08-14T15:39:38.586" v="77" actId="164"/>
+          <ac:cxnSpMkLst>
+            <pc:docMk/>
+            <pc:sldMk cId="1889862027" sldId="257"/>
+            <ac:cxnSpMk id="56" creationId="{01FDC178-D8A2-5557-6064-D77A0225007C}"/>
+          </ac:cxnSpMkLst>
+        </pc:cxnChg>
+        <pc:cxnChg chg="mod topLvl">
+          <ac:chgData name="Yaowen Hu" userId="81e4f212d1a9d49e" providerId="LiveId" clId="{2CEC85DA-B4A1-4ECF-B94D-8A59FD57B818}" dt="2023-08-14T15:39:38.586" v="77" actId="164"/>
+          <ac:cxnSpMkLst>
+            <pc:docMk/>
+            <pc:sldMk cId="1889862027" sldId="257"/>
+            <ac:cxnSpMk id="59" creationId="{3B612D1F-D01B-C943-DDD5-09E1AF3A6933}"/>
+          </ac:cxnSpMkLst>
+        </pc:cxnChg>
+        <pc:cxnChg chg="mod topLvl">
+          <ac:chgData name="Yaowen Hu" userId="81e4f212d1a9d49e" providerId="LiveId" clId="{2CEC85DA-B4A1-4ECF-B94D-8A59FD57B818}" dt="2023-08-14T15:39:38.586" v="77" actId="164"/>
+          <ac:cxnSpMkLst>
+            <pc:docMk/>
+            <pc:sldMk cId="1889862027" sldId="257"/>
+            <ac:cxnSpMk id="60" creationId="{267D2875-C8A1-ABE3-EFE5-697AAFE9FEAD}"/>
+          </ac:cxnSpMkLst>
+        </pc:cxnChg>
+        <pc:cxnChg chg="mod topLvl">
+          <ac:chgData name="Yaowen Hu" userId="81e4f212d1a9d49e" providerId="LiveId" clId="{2CEC85DA-B4A1-4ECF-B94D-8A59FD57B818}" dt="2023-08-14T15:39:38.586" v="77" actId="164"/>
+          <ac:cxnSpMkLst>
+            <pc:docMk/>
+            <pc:sldMk cId="1889862027" sldId="257"/>
+            <ac:cxnSpMk id="61" creationId="{E59DFC02-A431-731B-B448-9894BECCC230}"/>
+          </ac:cxnSpMkLst>
+        </pc:cxnChg>
+        <pc:cxnChg chg="mod topLvl">
+          <ac:chgData name="Yaowen Hu" userId="81e4f212d1a9d49e" providerId="LiveId" clId="{2CEC85DA-B4A1-4ECF-B94D-8A59FD57B818}" dt="2023-08-14T15:39:38.586" v="77" actId="164"/>
+          <ac:cxnSpMkLst>
+            <pc:docMk/>
+            <pc:sldMk cId="1889862027" sldId="257"/>
+            <ac:cxnSpMk id="62" creationId="{3AFFB6C1-6FD9-A943-F7F1-8D3E6DB1F132}"/>
+          </ac:cxnSpMkLst>
+        </pc:cxnChg>
+        <pc:cxnChg chg="mod topLvl">
+          <ac:chgData name="Yaowen Hu" userId="81e4f212d1a9d49e" providerId="LiveId" clId="{2CEC85DA-B4A1-4ECF-B94D-8A59FD57B818}" dt="2023-08-14T15:39:38.586" v="77" actId="164"/>
+          <ac:cxnSpMkLst>
+            <pc:docMk/>
+            <pc:sldMk cId="1889862027" sldId="257"/>
+            <ac:cxnSpMk id="63" creationId="{0340352E-2BEF-F279-6965-454F392C5548}"/>
+          </ac:cxnSpMkLst>
+        </pc:cxnChg>
+        <pc:cxnChg chg="mod">
+          <ac:chgData name="Yaowen Hu" userId="81e4f212d1a9d49e" providerId="LiveId" clId="{2CEC85DA-B4A1-4ECF-B94D-8A59FD57B818}" dt="2023-08-14T15:37:59.703" v="36" actId="165"/>
+          <ac:cxnSpMkLst>
+            <pc:docMk/>
+            <pc:sldMk cId="1889862027" sldId="257"/>
+            <ac:cxnSpMk id="66" creationId="{B9A2C7CB-CC03-3F40-101B-389B70F3ACE2}"/>
+          </ac:cxnSpMkLst>
+        </pc:cxnChg>
+        <pc:cxnChg chg="mod">
+          <ac:chgData name="Yaowen Hu" userId="81e4f212d1a9d49e" providerId="LiveId" clId="{2CEC85DA-B4A1-4ECF-B94D-8A59FD57B818}" dt="2023-08-14T15:37:59.703" v="36" actId="165"/>
+          <ac:cxnSpMkLst>
+            <pc:docMk/>
+            <pc:sldMk cId="1889862027" sldId="257"/>
+            <ac:cxnSpMk id="67" creationId="{428F2CEA-E8F5-DEFA-20A7-32E3E10B751D}"/>
+          </ac:cxnSpMkLst>
+        </pc:cxnChg>
+        <pc:cxnChg chg="mod topLvl">
+          <ac:chgData name="Yaowen Hu" userId="81e4f212d1a9d49e" providerId="LiveId" clId="{2CEC85DA-B4A1-4ECF-B94D-8A59FD57B818}" dt="2023-08-14T15:39:38.586" v="77" actId="164"/>
+          <ac:cxnSpMkLst>
+            <pc:docMk/>
+            <pc:sldMk cId="1889862027" sldId="257"/>
+            <ac:cxnSpMk id="68" creationId="{739449CE-0352-6402-93F3-23E24CEAF82D}"/>
+          </ac:cxnSpMkLst>
+        </pc:cxnChg>
+        <pc:cxnChg chg="mod topLvl">
+          <ac:chgData name="Yaowen Hu" userId="81e4f212d1a9d49e" providerId="LiveId" clId="{2CEC85DA-B4A1-4ECF-B94D-8A59FD57B818}" dt="2023-08-14T15:39:38.586" v="77" actId="164"/>
+          <ac:cxnSpMkLst>
+            <pc:docMk/>
+            <pc:sldMk cId="1889862027" sldId="257"/>
+            <ac:cxnSpMk id="72" creationId="{4E9D1BFE-A411-71B7-3E1C-98B4AA0F0BA8}"/>
+          </ac:cxnSpMkLst>
+        </pc:cxnChg>
+        <pc:cxnChg chg="mod">
+          <ac:chgData name="Yaowen Hu" userId="81e4f212d1a9d49e" providerId="LiveId" clId="{2CEC85DA-B4A1-4ECF-B94D-8A59FD57B818}" dt="2023-08-14T15:37:59.703" v="36" actId="165"/>
+          <ac:cxnSpMkLst>
+            <pc:docMk/>
+            <pc:sldMk cId="1889862027" sldId="257"/>
+            <ac:cxnSpMk id="75" creationId="{9662BD79-F407-46A1-FF4B-17B0AA0EFAB0}"/>
+          </ac:cxnSpMkLst>
+        </pc:cxnChg>
+        <pc:cxnChg chg="mod">
+          <ac:chgData name="Yaowen Hu" userId="81e4f212d1a9d49e" providerId="LiveId" clId="{2CEC85DA-B4A1-4ECF-B94D-8A59FD57B818}" dt="2023-08-14T15:37:59.703" v="36" actId="165"/>
+          <ac:cxnSpMkLst>
+            <pc:docMk/>
+            <pc:sldMk cId="1889862027" sldId="257"/>
+            <ac:cxnSpMk id="76" creationId="{2CCFECD5-606B-31D5-4D2A-1D2CF3788F72}"/>
+          </ac:cxnSpMkLst>
+        </pc:cxnChg>
+        <pc:cxnChg chg="mod topLvl">
+          <ac:chgData name="Yaowen Hu" userId="81e4f212d1a9d49e" providerId="LiveId" clId="{2CEC85DA-B4A1-4ECF-B94D-8A59FD57B818}" dt="2023-08-14T15:39:38.586" v="77" actId="164"/>
+          <ac:cxnSpMkLst>
+            <pc:docMk/>
+            <pc:sldMk cId="1889862027" sldId="257"/>
+            <ac:cxnSpMk id="77" creationId="{5C5B9860-F8C5-BFB1-CDB4-C2404D89CBD0}"/>
+          </ac:cxnSpMkLst>
+        </pc:cxnChg>
+        <pc:cxnChg chg="mod topLvl">
+          <ac:chgData name="Yaowen Hu" userId="81e4f212d1a9d49e" providerId="LiveId" clId="{2CEC85DA-B4A1-4ECF-B94D-8A59FD57B818}" dt="2023-08-14T15:39:38.586" v="77" actId="164"/>
+          <ac:cxnSpMkLst>
+            <pc:docMk/>
+            <pc:sldMk cId="1889862027" sldId="257"/>
+            <ac:cxnSpMk id="81" creationId="{CBB4A814-6FE1-3980-2E76-0D2A6111B7B3}"/>
+          </ac:cxnSpMkLst>
+        </pc:cxnChg>
+        <pc:cxnChg chg="mod topLvl">
+          <ac:chgData name="Yaowen Hu" userId="81e4f212d1a9d49e" providerId="LiveId" clId="{2CEC85DA-B4A1-4ECF-B94D-8A59FD57B818}" dt="2023-08-14T15:39:38.586" v="77" actId="164"/>
+          <ac:cxnSpMkLst>
+            <pc:docMk/>
+            <pc:sldMk cId="1889862027" sldId="257"/>
+            <ac:cxnSpMk id="85" creationId="{836A9748-F005-DE19-5B7A-40C57B04398C}"/>
+          </ac:cxnSpMkLst>
+        </pc:cxnChg>
+        <pc:cxnChg chg="mod topLvl">
+          <ac:chgData name="Yaowen Hu" userId="81e4f212d1a9d49e" providerId="LiveId" clId="{2CEC85DA-B4A1-4ECF-B94D-8A59FD57B818}" dt="2023-08-14T15:39:38.586" v="77" actId="164"/>
+          <ac:cxnSpMkLst>
+            <pc:docMk/>
+            <pc:sldMk cId="1889862027" sldId="257"/>
+            <ac:cxnSpMk id="86" creationId="{0051F173-6D68-64D6-234A-D9C9C71F8352}"/>
+          </ac:cxnSpMkLst>
+        </pc:cxnChg>
+        <pc:cxnChg chg="mod topLvl">
+          <ac:chgData name="Yaowen Hu" userId="81e4f212d1a9d49e" providerId="LiveId" clId="{2CEC85DA-B4A1-4ECF-B94D-8A59FD57B818}" dt="2023-08-14T15:39:38.586" v="77" actId="164"/>
+          <ac:cxnSpMkLst>
+            <pc:docMk/>
+            <pc:sldMk cId="1889862027" sldId="257"/>
+            <ac:cxnSpMk id="87" creationId="{3436A894-1149-12C7-2294-03B76BBBC514}"/>
+          </ac:cxnSpMkLst>
+        </pc:cxnChg>
+        <pc:cxnChg chg="mod topLvl">
+          <ac:chgData name="Yaowen Hu" userId="81e4f212d1a9d49e" providerId="LiveId" clId="{2CEC85DA-B4A1-4ECF-B94D-8A59FD57B818}" dt="2023-08-14T15:39:38.586" v="77" actId="164"/>
+          <ac:cxnSpMkLst>
+            <pc:docMk/>
+            <pc:sldMk cId="1889862027" sldId="257"/>
+            <ac:cxnSpMk id="88" creationId="{098DDC01-28FB-33A3-8188-317D8EA7EE5C}"/>
+          </ac:cxnSpMkLst>
+        </pc:cxnChg>
+        <pc:cxnChg chg="mod topLvl">
+          <ac:chgData name="Yaowen Hu" userId="81e4f212d1a9d49e" providerId="LiveId" clId="{2CEC85DA-B4A1-4ECF-B94D-8A59FD57B818}" dt="2023-08-14T15:39:38.586" v="77" actId="164"/>
+          <ac:cxnSpMkLst>
+            <pc:docMk/>
+            <pc:sldMk cId="1889862027" sldId="257"/>
+            <ac:cxnSpMk id="89" creationId="{FCA3513E-6BAC-89D6-F5D9-E775034FD31F}"/>
+          </ac:cxnSpMkLst>
+        </pc:cxnChg>
+        <pc:cxnChg chg="mod topLvl">
+          <ac:chgData name="Yaowen Hu" userId="81e4f212d1a9d49e" providerId="LiveId" clId="{2CEC85DA-B4A1-4ECF-B94D-8A59FD57B818}" dt="2023-08-14T15:39:38.586" v="77" actId="164"/>
+          <ac:cxnSpMkLst>
+            <pc:docMk/>
+            <pc:sldMk cId="1889862027" sldId="257"/>
+            <ac:cxnSpMk id="96" creationId="{3AFB623E-97AD-76B6-2D1F-48C282BB69B3}"/>
+          </ac:cxnSpMkLst>
+        </pc:cxnChg>
+        <pc:cxnChg chg="mod topLvl">
+          <ac:chgData name="Yaowen Hu" userId="81e4f212d1a9d49e" providerId="LiveId" clId="{2CEC85DA-B4A1-4ECF-B94D-8A59FD57B818}" dt="2023-08-14T15:39:38.586" v="77" actId="164"/>
+          <ac:cxnSpMkLst>
+            <pc:docMk/>
+            <pc:sldMk cId="1889862027" sldId="257"/>
+            <ac:cxnSpMk id="97" creationId="{2C170D40-4B29-73A2-C6F1-82242B8021A9}"/>
+          </ac:cxnSpMkLst>
+        </pc:cxnChg>
+      </pc:sldChg>
+      <pc:sldChg chg="addSp delSp modSp new mod">
+        <pc:chgData name="Yaowen Hu" userId="81e4f212d1a9d49e" providerId="LiveId" clId="{2CEC85DA-B4A1-4ECF-B94D-8A59FD57B818}" dt="2023-08-14T16:42:01.070" v="780" actId="164"/>
+        <pc:sldMkLst>
+          <pc:docMk/>
+          <pc:sldMk cId="1618399317" sldId="258"/>
+        </pc:sldMkLst>
+        <pc:spChg chg="del">
+          <ac:chgData name="Yaowen Hu" userId="81e4f212d1a9d49e" providerId="LiveId" clId="{2CEC85DA-B4A1-4ECF-B94D-8A59FD57B818}" dt="2023-08-14T15:35:21.005" v="2" actId="478"/>
+          <ac:spMkLst>
+            <pc:docMk/>
+            <pc:sldMk cId="1618399317" sldId="258"/>
+            <ac:spMk id="2" creationId="{BF30CC69-E67C-8023-2E37-B1B97E3A7EE3}"/>
+          </ac:spMkLst>
+        </pc:spChg>
+        <pc:spChg chg="del">
+          <ac:chgData name="Yaowen Hu" userId="81e4f212d1a9d49e" providerId="LiveId" clId="{2CEC85DA-B4A1-4ECF-B94D-8A59FD57B818}" dt="2023-08-14T15:35:22.400" v="3" actId="478"/>
+          <ac:spMkLst>
+            <pc:docMk/>
+            <pc:sldMk cId="1618399317" sldId="258"/>
+            <ac:spMk id="3" creationId="{8FF87508-269C-670F-1EED-C48E8EED5190}"/>
+          </ac:spMkLst>
+        </pc:spChg>
+        <pc:spChg chg="add del mod">
+          <ac:chgData name="Yaowen Hu" userId="81e4f212d1a9d49e" providerId="LiveId" clId="{2CEC85DA-B4A1-4ECF-B94D-8A59FD57B818}" dt="2023-08-14T15:41:31.552" v="84" actId="478"/>
+          <ac:spMkLst>
+            <pc:docMk/>
+            <pc:sldMk cId="1618399317" sldId="258"/>
+            <ac:spMk id="4" creationId="{CF3837A2-11F7-DDA8-2C8D-B9AC81E8D767}"/>
+          </ac:spMkLst>
+        </pc:spChg>
+        <pc:spChg chg="add mod">
+          <ac:chgData name="Yaowen Hu" userId="81e4f212d1a9d49e" providerId="LiveId" clId="{2CEC85DA-B4A1-4ECF-B94D-8A59FD57B818}" dt="2023-08-14T16:42:01.070" v="780" actId="164"/>
+          <ac:spMkLst>
+            <pc:docMk/>
+            <pc:sldMk cId="1618399317" sldId="258"/>
+            <ac:spMk id="4" creationId="{DA1A8C21-B571-2E02-C4EA-5725E83CA028}"/>
+          </ac:spMkLst>
+        </pc:spChg>
+        <pc:spChg chg="add del mod">
+          <ac:chgData name="Yaowen Hu" userId="81e4f212d1a9d49e" providerId="LiveId" clId="{2CEC85DA-B4A1-4ECF-B94D-8A59FD57B818}" dt="2023-08-14T15:41:26.142" v="83"/>
+          <ac:spMkLst>
+            <pc:docMk/>
+            <pc:sldMk cId="1618399317" sldId="258"/>
+            <ac:spMk id="5" creationId="{68E88DD1-A153-DE2F-75BA-161EE68F15E5}"/>
+          </ac:spMkLst>
+        </pc:spChg>
+        <pc:spChg chg="add del mod">
+          <ac:chgData name="Yaowen Hu" userId="81e4f212d1a9d49e" providerId="LiveId" clId="{2CEC85DA-B4A1-4ECF-B94D-8A59FD57B818}" dt="2023-08-14T15:43:53.866" v="111" actId="478"/>
+          <ac:spMkLst>
+            <pc:docMk/>
+            <pc:sldMk cId="1618399317" sldId="258"/>
+            <ac:spMk id="6" creationId="{F27642F4-3B10-7F0F-5F5A-7ED92C183451}"/>
+          </ac:spMkLst>
+        </pc:spChg>
+        <pc:spChg chg="add mod topLvl">
+          <ac:chgData name="Yaowen Hu" userId="81e4f212d1a9d49e" providerId="LiveId" clId="{2CEC85DA-B4A1-4ECF-B94D-8A59FD57B818}" dt="2023-08-14T16:42:01.070" v="780" actId="164"/>
+          <ac:spMkLst>
+            <pc:docMk/>
+            <pc:sldMk cId="1618399317" sldId="258"/>
+            <ac:spMk id="7" creationId="{E76C0540-6453-BBC3-90EC-56C8587AAC54}"/>
+          </ac:spMkLst>
+        </pc:spChg>
+        <pc:spChg chg="add del mod">
+          <ac:chgData name="Yaowen Hu" userId="81e4f212d1a9d49e" providerId="LiveId" clId="{2CEC85DA-B4A1-4ECF-B94D-8A59FD57B818}" dt="2023-08-14T15:44:54.593" v="117" actId="478"/>
+          <ac:spMkLst>
+            <pc:docMk/>
+            <pc:sldMk cId="1618399317" sldId="258"/>
+            <ac:spMk id="8" creationId="{65694D3E-44F4-ADF0-13B1-43A58C1B5A48}"/>
+          </ac:spMkLst>
+        </pc:spChg>
+        <pc:spChg chg="add mod">
+          <ac:chgData name="Yaowen Hu" userId="81e4f212d1a9d49e" providerId="LiveId" clId="{2CEC85DA-B4A1-4ECF-B94D-8A59FD57B818}" dt="2023-08-14T16:30:54.881" v="500" actId="165"/>
+          <ac:spMkLst>
+            <pc:docMk/>
+            <pc:sldMk cId="1618399317" sldId="258"/>
+            <ac:spMk id="9" creationId="{BFAFA907-8895-7D6D-CD07-0B43C86B4C2F}"/>
+          </ac:spMkLst>
+        </pc:spChg>
+        <pc:spChg chg="add mod topLvl">
+          <ac:chgData name="Yaowen Hu" userId="81e4f212d1a9d49e" providerId="LiveId" clId="{2CEC85DA-B4A1-4ECF-B94D-8A59FD57B818}" dt="2023-08-14T16:42:01.070" v="780" actId="164"/>
+          <ac:spMkLst>
+            <pc:docMk/>
+            <pc:sldMk cId="1618399317" sldId="258"/>
+            <ac:spMk id="20" creationId="{1A021F97-5C00-C3D3-D38F-B07A6435D960}"/>
+          </ac:spMkLst>
+        </pc:spChg>
+        <pc:spChg chg="add mod topLvl">
+          <ac:chgData name="Yaowen Hu" userId="81e4f212d1a9d49e" providerId="LiveId" clId="{2CEC85DA-B4A1-4ECF-B94D-8A59FD57B818}" dt="2023-08-14T16:42:01.070" v="780" actId="164"/>
+          <ac:spMkLst>
+            <pc:docMk/>
+            <pc:sldMk cId="1618399317" sldId="258"/>
+            <ac:spMk id="31" creationId="{AB7108D2-6D52-87C1-A6A6-78404B48B974}"/>
+          </ac:spMkLst>
+        </pc:spChg>
+        <pc:spChg chg="add mod ord topLvl">
+          <ac:chgData name="Yaowen Hu" userId="81e4f212d1a9d49e" providerId="LiveId" clId="{2CEC85DA-B4A1-4ECF-B94D-8A59FD57B818}" dt="2023-08-14T16:42:01.070" v="780" actId="164"/>
+          <ac:spMkLst>
+            <pc:docMk/>
+            <pc:sldMk cId="1618399317" sldId="258"/>
+            <ac:spMk id="32" creationId="{8B95B1EC-340F-AEF1-BE4F-470A9CAE71BB}"/>
+          </ac:spMkLst>
+        </pc:spChg>
+        <pc:spChg chg="add mod topLvl">
+          <ac:chgData name="Yaowen Hu" userId="81e4f212d1a9d49e" providerId="LiveId" clId="{2CEC85DA-B4A1-4ECF-B94D-8A59FD57B818}" dt="2023-08-14T16:42:01.070" v="780" actId="164"/>
+          <ac:spMkLst>
+            <pc:docMk/>
+            <pc:sldMk cId="1618399317" sldId="258"/>
+            <ac:spMk id="35" creationId="{9924849D-C3F1-8D8A-EDC4-3339259E1543}"/>
+          </ac:spMkLst>
+        </pc:spChg>
+        <pc:spChg chg="add mod ord topLvl">
+          <ac:chgData name="Yaowen Hu" userId="81e4f212d1a9d49e" providerId="LiveId" clId="{2CEC85DA-B4A1-4ECF-B94D-8A59FD57B818}" dt="2023-08-14T16:42:01.070" v="780" actId="164"/>
+          <ac:spMkLst>
+            <pc:docMk/>
+            <pc:sldMk cId="1618399317" sldId="258"/>
+            <ac:spMk id="36" creationId="{DE9B4D1D-36E9-C97A-24BA-EF102030B951}"/>
+          </ac:spMkLst>
+        </pc:spChg>
+        <pc:spChg chg="add mod topLvl">
+          <ac:chgData name="Yaowen Hu" userId="81e4f212d1a9d49e" providerId="LiveId" clId="{2CEC85DA-B4A1-4ECF-B94D-8A59FD57B818}" dt="2023-08-14T16:42:01.070" v="780" actId="164"/>
+          <ac:spMkLst>
+            <pc:docMk/>
+            <pc:sldMk cId="1618399317" sldId="258"/>
+            <ac:spMk id="40" creationId="{C03F29F2-6EA3-6D1F-AB27-CB438E7FEBD9}"/>
+          </ac:spMkLst>
+        </pc:spChg>
+        <pc:spChg chg="add mod">
+          <ac:chgData name="Yaowen Hu" userId="81e4f212d1a9d49e" providerId="LiveId" clId="{2CEC85DA-B4A1-4ECF-B94D-8A59FD57B818}" dt="2023-08-14T16:42:01.070" v="780" actId="164"/>
+          <ac:spMkLst>
+            <pc:docMk/>
+            <pc:sldMk cId="1618399317" sldId="258"/>
+            <ac:spMk id="43" creationId="{0AD9A67B-E148-D84C-98F1-0E907E1C1C0C}"/>
+          </ac:spMkLst>
+        </pc:spChg>
+        <pc:grpChg chg="add mod topLvl">
+          <ac:chgData name="Yaowen Hu" userId="81e4f212d1a9d49e" providerId="LiveId" clId="{2CEC85DA-B4A1-4ECF-B94D-8A59FD57B818}" dt="2023-08-14T16:42:01.070" v="780" actId="164"/>
+          <ac:grpSpMkLst>
+            <pc:docMk/>
+            <pc:sldMk cId="1618399317" sldId="258"/>
+            <ac:grpSpMk id="14" creationId="{F9A8DD6B-FDFC-15E3-2420-78C2338DD1B0}"/>
+          </ac:grpSpMkLst>
+        </pc:grpChg>
+        <pc:grpChg chg="add del mod">
+          <ac:chgData name="Yaowen Hu" userId="81e4f212d1a9d49e" providerId="LiveId" clId="{2CEC85DA-B4A1-4ECF-B94D-8A59FD57B818}" dt="2023-08-14T16:30:54.881" v="500" actId="165"/>
+          <ac:grpSpMkLst>
+            <pc:docMk/>
+            <pc:sldMk cId="1618399317" sldId="258"/>
+            <ac:grpSpMk id="42" creationId="{D587F4BE-A3C2-CBD1-8EB4-F2655591EE6B}"/>
+          </ac:grpSpMkLst>
+        </pc:grpChg>
+        <pc:grpChg chg="add mod">
+          <ac:chgData name="Yaowen Hu" userId="81e4f212d1a9d49e" providerId="LiveId" clId="{2CEC85DA-B4A1-4ECF-B94D-8A59FD57B818}" dt="2023-08-14T16:42:01.070" v="780" actId="164"/>
+          <ac:grpSpMkLst>
+            <pc:docMk/>
+            <pc:sldMk cId="1618399317" sldId="258"/>
+            <ac:grpSpMk id="49" creationId="{411D1E64-3684-8C6C-01FB-24FF2EA89077}"/>
+          </ac:grpSpMkLst>
+        </pc:grpChg>
+        <pc:cxnChg chg="add mod">
+          <ac:chgData name="Yaowen Hu" userId="81e4f212d1a9d49e" providerId="LiveId" clId="{2CEC85DA-B4A1-4ECF-B94D-8A59FD57B818}" dt="2023-08-14T16:42:01.070" v="780" actId="164"/>
+          <ac:cxnSpMkLst>
+            <pc:docMk/>
+            <pc:sldMk cId="1618399317" sldId="258"/>
+            <ac:cxnSpMk id="2" creationId="{23F59241-4C19-C8A8-BC27-775930AF7DA8}"/>
+          </ac:cxnSpMkLst>
+        </pc:cxnChg>
+        <pc:cxnChg chg="add mod">
+          <ac:chgData name="Yaowen Hu" userId="81e4f212d1a9d49e" providerId="LiveId" clId="{2CEC85DA-B4A1-4ECF-B94D-8A59FD57B818}" dt="2023-08-14T16:42:01.070" v="780" actId="164"/>
+          <ac:cxnSpMkLst>
+            <pc:docMk/>
+            <pc:sldMk cId="1618399317" sldId="258"/>
+            <ac:cxnSpMk id="10" creationId="{2D79EC68-4294-481D-C142-D4570656FCBA}"/>
+          </ac:cxnSpMkLst>
+        </pc:cxnChg>
+        <pc:cxnChg chg="add mod">
+          <ac:chgData name="Yaowen Hu" userId="81e4f212d1a9d49e" providerId="LiveId" clId="{2CEC85DA-B4A1-4ECF-B94D-8A59FD57B818}" dt="2023-08-14T16:30:54.881" v="500" actId="165"/>
+          <ac:cxnSpMkLst>
+            <pc:docMk/>
+            <pc:sldMk cId="1618399317" sldId="258"/>
+            <ac:cxnSpMk id="11" creationId="{877B933A-6F6E-E0D2-FB04-A2BED7E54E55}"/>
+          </ac:cxnSpMkLst>
+        </pc:cxnChg>
+        <pc:cxnChg chg="add mod">
+          <ac:chgData name="Yaowen Hu" userId="81e4f212d1a9d49e" providerId="LiveId" clId="{2CEC85DA-B4A1-4ECF-B94D-8A59FD57B818}" dt="2023-08-14T16:30:54.881" v="500" actId="165"/>
+          <ac:cxnSpMkLst>
+            <pc:docMk/>
+            <pc:sldMk cId="1618399317" sldId="258"/>
+            <ac:cxnSpMk id="13" creationId="{7B774E09-2888-228A-A81E-8382538D14D1}"/>
+          </ac:cxnSpMkLst>
+        </pc:cxnChg>
+        <pc:cxnChg chg="add mod">
+          <ac:chgData name="Yaowen Hu" userId="81e4f212d1a9d49e" providerId="LiveId" clId="{2CEC85DA-B4A1-4ECF-B94D-8A59FD57B818}" dt="2023-08-14T16:42:01.070" v="780" actId="164"/>
+          <ac:cxnSpMkLst>
+            <pc:docMk/>
+            <pc:sldMk cId="1618399317" sldId="258"/>
+            <ac:cxnSpMk id="15" creationId="{E914D319-2027-3780-B327-ED49DE0C092B}"/>
+          </ac:cxnSpMkLst>
+        </pc:cxnChg>
+        <pc:cxnChg chg="add del mod topLvl">
+          <ac:chgData name="Yaowen Hu" userId="81e4f212d1a9d49e" providerId="LiveId" clId="{2CEC85DA-B4A1-4ECF-B94D-8A59FD57B818}" dt="2023-08-14T16:35:24.865" v="603" actId="478"/>
+          <ac:cxnSpMkLst>
+            <pc:docMk/>
+            <pc:sldMk cId="1618399317" sldId="258"/>
+            <ac:cxnSpMk id="16" creationId="{942CCA93-E501-21DD-1117-36791D3EFEEA}"/>
+          </ac:cxnSpMkLst>
+        </pc:cxnChg>
+        <pc:cxnChg chg="add mod topLvl">
+          <ac:chgData name="Yaowen Hu" userId="81e4f212d1a9d49e" providerId="LiveId" clId="{2CEC85DA-B4A1-4ECF-B94D-8A59FD57B818}" dt="2023-08-14T16:42:01.070" v="780" actId="164"/>
+          <ac:cxnSpMkLst>
+            <pc:docMk/>
+            <pc:sldMk cId="1618399317" sldId="258"/>
+            <ac:cxnSpMk id="17" creationId="{2E352140-6131-482D-2EF0-93FC1ED5C844}"/>
+          </ac:cxnSpMkLst>
+        </pc:cxnChg>
+        <pc:cxnChg chg="add del mod">
+          <ac:chgData name="Yaowen Hu" userId="81e4f212d1a9d49e" providerId="LiveId" clId="{2CEC85DA-B4A1-4ECF-B94D-8A59FD57B818}" dt="2023-08-14T15:50:54.254" v="226" actId="21"/>
+          <ac:cxnSpMkLst>
+            <pc:docMk/>
+            <pc:sldMk cId="1618399317" sldId="258"/>
+            <ac:cxnSpMk id="22" creationId="{4CE676CD-5123-A6FA-88DD-4A0E0FD9314C}"/>
+          </ac:cxnSpMkLst>
+        </pc:cxnChg>
+        <pc:cxnChg chg="add mod topLvl">
+          <ac:chgData name="Yaowen Hu" userId="81e4f212d1a9d49e" providerId="LiveId" clId="{2CEC85DA-B4A1-4ECF-B94D-8A59FD57B818}" dt="2023-08-14T16:42:01.070" v="780" actId="164"/>
+          <ac:cxnSpMkLst>
+            <pc:docMk/>
+            <pc:sldMk cId="1618399317" sldId="258"/>
+            <ac:cxnSpMk id="23" creationId="{F1587F81-33C6-6236-2BEB-7A733404007D}"/>
+          </ac:cxnSpMkLst>
+        </pc:cxnChg>
+        <pc:cxnChg chg="add mod topLvl">
+          <ac:chgData name="Yaowen Hu" userId="81e4f212d1a9d49e" providerId="LiveId" clId="{2CEC85DA-B4A1-4ECF-B94D-8A59FD57B818}" dt="2023-08-14T16:42:01.070" v="780" actId="164"/>
+          <ac:cxnSpMkLst>
+            <pc:docMk/>
+            <pc:sldMk cId="1618399317" sldId="258"/>
+            <ac:cxnSpMk id="26" creationId="{627618DF-BB58-B357-5EF0-1A8442BD483B}"/>
+          </ac:cxnSpMkLst>
+        </pc:cxnChg>
+        <pc:cxnChg chg="add mod topLvl">
+          <ac:chgData name="Yaowen Hu" userId="81e4f212d1a9d49e" providerId="LiveId" clId="{2CEC85DA-B4A1-4ECF-B94D-8A59FD57B818}" dt="2023-08-14T16:42:01.070" v="780" actId="164"/>
+          <ac:cxnSpMkLst>
+            <pc:docMk/>
+            <pc:sldMk cId="1618399317" sldId="258"/>
+            <ac:cxnSpMk id="30" creationId="{DAC82090-6D0D-3F2A-1F29-334948922DB9}"/>
+          </ac:cxnSpMkLst>
+        </pc:cxnChg>
+        <pc:cxnChg chg="add mod topLvl">
+          <ac:chgData name="Yaowen Hu" userId="81e4f212d1a9d49e" providerId="LiveId" clId="{2CEC85DA-B4A1-4ECF-B94D-8A59FD57B818}" dt="2023-08-14T16:42:01.070" v="780" actId="164"/>
+          <ac:cxnSpMkLst>
+            <pc:docMk/>
+            <pc:sldMk cId="1618399317" sldId="258"/>
+            <ac:cxnSpMk id="33" creationId="{3AA7E508-4E97-4DA2-7019-5159EE4DA8E7}"/>
+          </ac:cxnSpMkLst>
+        </pc:cxnChg>
+        <pc:cxnChg chg="add mod">
+          <ac:chgData name="Yaowen Hu" userId="81e4f212d1a9d49e" providerId="LiveId" clId="{2CEC85DA-B4A1-4ECF-B94D-8A59FD57B818}" dt="2023-08-14T16:42:01.070" v="780" actId="164"/>
+          <ac:cxnSpMkLst>
+            <pc:docMk/>
+            <pc:sldMk cId="1618399317" sldId="258"/>
+            <ac:cxnSpMk id="34" creationId="{87B71871-D2EC-166D-0680-D56AA49F09E8}"/>
+          </ac:cxnSpMkLst>
+        </pc:cxnChg>
+        <pc:cxnChg chg="add mod topLvl">
+          <ac:chgData name="Yaowen Hu" userId="81e4f212d1a9d49e" providerId="LiveId" clId="{2CEC85DA-B4A1-4ECF-B94D-8A59FD57B818}" dt="2023-08-14T16:42:01.070" v="780" actId="164"/>
+          <ac:cxnSpMkLst>
+            <pc:docMk/>
+            <pc:sldMk cId="1618399317" sldId="258"/>
+            <ac:cxnSpMk id="38" creationId="{5BE3F574-84A6-C4FC-26E7-4BCAB7409FBB}"/>
+          </ac:cxnSpMkLst>
+        </pc:cxnChg>
+      </pc:sldChg>
+      <pc:sldChg chg="addSp delSp modSp new mod">
+        <pc:chgData name="Yaowen Hu" userId="81e4f212d1a9d49e" providerId="LiveId" clId="{2CEC85DA-B4A1-4ECF-B94D-8A59FD57B818}" dt="2023-08-14T16:37:55.921" v="650"/>
+        <pc:sldMkLst>
+          <pc:docMk/>
+          <pc:sldMk cId="3539774601" sldId="259"/>
+        </pc:sldMkLst>
+        <pc:spChg chg="add mod">
+          <ac:chgData name="Yaowen Hu" userId="81e4f212d1a9d49e" providerId="LiveId" clId="{2CEC85DA-B4A1-4ECF-B94D-8A59FD57B818}" dt="2023-08-14T16:37:54.122" v="648" actId="1076"/>
+          <ac:spMkLst>
+            <pc:docMk/>
+            <pc:sldMk cId="3539774601" sldId="259"/>
+            <ac:spMk id="2" creationId="{8B573F5D-9FDD-973D-A98B-E48E9506E12E}"/>
+          </ac:spMkLst>
+        </pc:spChg>
+        <pc:spChg chg="del">
+          <ac:chgData name="Yaowen Hu" userId="81e4f212d1a9d49e" providerId="LiveId" clId="{2CEC85DA-B4A1-4ECF-B94D-8A59FD57B818}" dt="2023-08-14T15:47:17.635" v="160" actId="478"/>
+          <ac:spMkLst>
+            <pc:docMk/>
+            <pc:sldMk cId="3539774601" sldId="259"/>
+            <ac:spMk id="2" creationId="{9BD81EC8-32DB-A243-1F39-12ADE156921B}"/>
+          </ac:spMkLst>
+        </pc:spChg>
+        <pc:spChg chg="add del mod">
+          <ac:chgData name="Yaowen Hu" userId="81e4f212d1a9d49e" providerId="LiveId" clId="{2CEC85DA-B4A1-4ECF-B94D-8A59FD57B818}" dt="2023-08-14T16:37:55.921" v="650"/>
+          <ac:spMkLst>
+            <pc:docMk/>
+            <pc:sldMk cId="3539774601" sldId="259"/>
+            <ac:spMk id="3" creationId="{7931B039-905A-62F0-1BED-9B470198EC89}"/>
+          </ac:spMkLst>
+        </pc:spChg>
+        <pc:spChg chg="del">
+          <ac:chgData name="Yaowen Hu" userId="81e4f212d1a9d49e" providerId="LiveId" clId="{2CEC85DA-B4A1-4ECF-B94D-8A59FD57B818}" dt="2023-08-14T15:47:17.635" v="160" actId="478"/>
+          <ac:spMkLst>
+            <pc:docMk/>
+            <pc:sldMk cId="3539774601" sldId="259"/>
+            <ac:spMk id="3" creationId="{D148992D-A8BA-F704-B432-6F2AD2E7943B}"/>
+          </ac:spMkLst>
+        </pc:spChg>
+        <pc:spChg chg="mod">
+          <ac:chgData name="Yaowen Hu" userId="81e4f212d1a9d49e" providerId="LiveId" clId="{2CEC85DA-B4A1-4ECF-B94D-8A59FD57B818}" dt="2023-08-14T15:47:18.267" v="161"/>
+          <ac:spMkLst>
+            <pc:docMk/>
+            <pc:sldMk cId="3539774601" sldId="259"/>
+            <ac:spMk id="5" creationId="{7950A635-F56D-C4EF-5B90-43CA583492DC}"/>
+          </ac:spMkLst>
+        </pc:spChg>
+        <pc:spChg chg="add del mod">
+          <ac:chgData name="Yaowen Hu" userId="81e4f212d1a9d49e" providerId="LiveId" clId="{2CEC85DA-B4A1-4ECF-B94D-8A59FD57B818}" dt="2023-08-14T15:47:25.381" v="163"/>
+          <ac:spMkLst>
+            <pc:docMk/>
+            <pc:sldMk cId="3539774601" sldId="259"/>
+            <ac:spMk id="8" creationId="{86FC0F2A-AC8E-0F53-CB3E-AE7A0D5B5768}"/>
+          </ac:spMkLst>
+        </pc:spChg>
+        <pc:spChg chg="add mod">
+          <ac:chgData name="Yaowen Hu" userId="81e4f212d1a9d49e" providerId="LiveId" clId="{2CEC85DA-B4A1-4ECF-B94D-8A59FD57B818}" dt="2023-08-14T15:47:35.973" v="165" actId="164"/>
+          <ac:spMkLst>
+            <pc:docMk/>
+            <pc:sldMk cId="3539774601" sldId="259"/>
+            <ac:spMk id="9" creationId="{44C9914B-B3B2-5EC2-7B68-F96209FFDC3B}"/>
+          </ac:spMkLst>
+        </pc:spChg>
+        <pc:spChg chg="add mod">
+          <ac:chgData name="Yaowen Hu" userId="81e4f212d1a9d49e" providerId="LiveId" clId="{2CEC85DA-B4A1-4ECF-B94D-8A59FD57B818}" dt="2023-08-14T15:48:04.917" v="177" actId="20577"/>
+          <ac:spMkLst>
+            <pc:docMk/>
+            <pc:sldMk cId="3539774601" sldId="259"/>
+            <ac:spMk id="13" creationId="{D48C58E8-4FC1-9567-8FF5-F8274212A91F}"/>
+          </ac:spMkLst>
+        </pc:spChg>
+        <pc:grpChg chg="add mod">
+          <ac:chgData name="Yaowen Hu" userId="81e4f212d1a9d49e" providerId="LiveId" clId="{2CEC85DA-B4A1-4ECF-B94D-8A59FD57B818}" dt="2023-08-14T15:47:39.970" v="166" actId="1076"/>
+          <ac:grpSpMkLst>
+            <pc:docMk/>
+            <pc:sldMk cId="3539774601" sldId="259"/>
+            <ac:grpSpMk id="4" creationId="{E373060A-B2C8-AAC3-379E-630C26CA44BA}"/>
+          </ac:grpSpMkLst>
+        </pc:grpChg>
+        <pc:grpChg chg="add mod">
+          <ac:chgData name="Yaowen Hu" userId="81e4f212d1a9d49e" providerId="LiveId" clId="{2CEC85DA-B4A1-4ECF-B94D-8A59FD57B818}" dt="2023-08-14T15:47:54.147" v="170" actId="1076"/>
+          <ac:grpSpMkLst>
+            <pc:docMk/>
+            <pc:sldMk cId="3539774601" sldId="259"/>
+            <ac:grpSpMk id="12" creationId="{836DD039-FD94-10C0-B8D8-37D2C1806823}"/>
+          </ac:grpSpMkLst>
+        </pc:grpChg>
+        <pc:cxnChg chg="mod">
+          <ac:chgData name="Yaowen Hu" userId="81e4f212d1a9d49e" providerId="LiveId" clId="{2CEC85DA-B4A1-4ECF-B94D-8A59FD57B818}" dt="2023-08-14T15:47:18.267" v="161"/>
+          <ac:cxnSpMkLst>
+            <pc:docMk/>
+            <pc:sldMk cId="3539774601" sldId="259"/>
+            <ac:cxnSpMk id="6" creationId="{58A538FD-302E-6CF0-93E7-EFFF25A5EF7A}"/>
+          </ac:cxnSpMkLst>
+        </pc:cxnChg>
+        <pc:cxnChg chg="mod">
+          <ac:chgData name="Yaowen Hu" userId="81e4f212d1a9d49e" providerId="LiveId" clId="{2CEC85DA-B4A1-4ECF-B94D-8A59FD57B818}" dt="2023-08-14T15:47:18.267" v="161"/>
+          <ac:cxnSpMkLst>
+            <pc:docMk/>
+            <pc:sldMk cId="3539774601" sldId="259"/>
+            <ac:cxnSpMk id="7" creationId="{0445A5EE-5047-2717-11AF-2FBC6761F1DF}"/>
+          </ac:cxnSpMkLst>
+        </pc:cxnChg>
+        <pc:cxnChg chg="add mod">
+          <ac:chgData name="Yaowen Hu" userId="81e4f212d1a9d49e" providerId="LiveId" clId="{2CEC85DA-B4A1-4ECF-B94D-8A59FD57B818}" dt="2023-08-14T15:47:35.973" v="165" actId="164"/>
+          <ac:cxnSpMkLst>
+            <pc:docMk/>
+            <pc:sldMk cId="3539774601" sldId="259"/>
+            <ac:cxnSpMk id="10" creationId="{799E4220-F8BE-2454-2172-F9AFD5DF311D}"/>
+          </ac:cxnSpMkLst>
+        </pc:cxnChg>
+        <pc:cxnChg chg="add mod">
+          <ac:chgData name="Yaowen Hu" userId="81e4f212d1a9d49e" providerId="LiveId" clId="{2CEC85DA-B4A1-4ECF-B94D-8A59FD57B818}" dt="2023-08-14T15:47:35.973" v="165" actId="164"/>
+          <ac:cxnSpMkLst>
+            <pc:docMk/>
+            <pc:sldMk cId="3539774601" sldId="259"/>
+            <ac:cxnSpMk id="11" creationId="{48EB8002-10EC-3081-15ED-2FC0DED0C33C}"/>
+          </ac:cxnSpMkLst>
+        </pc:cxnChg>
+        <pc:cxnChg chg="add del mod">
+          <ac:chgData name="Yaowen Hu" userId="81e4f212d1a9d49e" providerId="LiveId" clId="{2CEC85DA-B4A1-4ECF-B94D-8A59FD57B818}" dt="2023-08-14T15:48:58.948" v="186" actId="478"/>
+          <ac:cxnSpMkLst>
+            <pc:docMk/>
+            <pc:sldMk cId="3539774601" sldId="259"/>
+            <ac:cxnSpMk id="14" creationId="{A8F72ADB-C4E2-2E71-ACAD-B8BC0C145583}"/>
+          </ac:cxnSpMkLst>
+        </pc:cxnChg>
+        <pc:cxnChg chg="add mod">
+          <ac:chgData name="Yaowen Hu" userId="81e4f212d1a9d49e" providerId="LiveId" clId="{2CEC85DA-B4A1-4ECF-B94D-8A59FD57B818}" dt="2023-08-14T15:48:57.099" v="185" actId="1076"/>
+          <ac:cxnSpMkLst>
+            <pc:docMk/>
+            <pc:sldMk cId="3539774601" sldId="259"/>
+            <ac:cxnSpMk id="15" creationId="{52146617-4449-F345-7981-BA474A5291CD}"/>
+          </ac:cxnSpMkLst>
+        </pc:cxnChg>
+        <pc:cxnChg chg="add mod">
+          <ac:chgData name="Yaowen Hu" userId="81e4f212d1a9d49e" providerId="LiveId" clId="{2CEC85DA-B4A1-4ECF-B94D-8A59FD57B818}" dt="2023-08-14T15:49:58.939" v="196" actId="1076"/>
+          <ac:cxnSpMkLst>
+            <pc:docMk/>
+            <pc:sldMk cId="3539774601" sldId="259"/>
+            <ac:cxnSpMk id="16" creationId="{99EDD65A-F4A4-5252-3E66-2FC2C77E8C64}"/>
+          </ac:cxnSpMkLst>
+        </pc:cxnChg>
+        <pc:cxnChg chg="add mod">
+          <ac:chgData name="Yaowen Hu" userId="81e4f212d1a9d49e" providerId="LiveId" clId="{2CEC85DA-B4A1-4ECF-B94D-8A59FD57B818}" dt="2023-08-14T15:51:00.564" v="229" actId="1076"/>
+          <ac:cxnSpMkLst>
+            <pc:docMk/>
+            <pc:sldMk cId="3539774601" sldId="259"/>
+            <ac:cxnSpMk id="17" creationId="{5F62E79F-B315-34F3-C3EE-F150BC897492}"/>
           </ac:cxnSpMkLst>
         </pc:cxnChg>
       </pc:sldChg>
@@ -2340,7 +3811,7 @@
           <a:p>
             <a:fld id="{A4A74AF1-5DB1-4F99-A03B-731742987867}" type="datetimeFigureOut">
               <a:rPr lang="en-GB" smtClean="0"/>
-              <a:t>09/08/2023</a:t>
+              <a:t>14/08/2023</a:t>
             </a:fld>
             <a:endParaRPr lang="en-GB"/>
           </a:p>
@@ -2540,7 +4011,7 @@
           <a:p>
             <a:fld id="{A4A74AF1-5DB1-4F99-A03B-731742987867}" type="datetimeFigureOut">
               <a:rPr lang="en-GB" smtClean="0"/>
-              <a:t>09/08/2023</a:t>
+              <a:t>14/08/2023</a:t>
             </a:fld>
             <a:endParaRPr lang="en-GB"/>
           </a:p>
@@ -2750,7 +4221,7 @@
           <a:p>
             <a:fld id="{A4A74AF1-5DB1-4F99-A03B-731742987867}" type="datetimeFigureOut">
               <a:rPr lang="en-GB" smtClean="0"/>
-              <a:t>09/08/2023</a:t>
+              <a:t>14/08/2023</a:t>
             </a:fld>
             <a:endParaRPr lang="en-GB"/>
           </a:p>
@@ -2950,7 +4421,7 @@
           <a:p>
             <a:fld id="{A4A74AF1-5DB1-4F99-A03B-731742987867}" type="datetimeFigureOut">
               <a:rPr lang="en-GB" smtClean="0"/>
-              <a:t>09/08/2023</a:t>
+              <a:t>14/08/2023</a:t>
             </a:fld>
             <a:endParaRPr lang="en-GB"/>
           </a:p>
@@ -3226,7 +4697,7 @@
           <a:p>
             <a:fld id="{A4A74AF1-5DB1-4F99-A03B-731742987867}" type="datetimeFigureOut">
               <a:rPr lang="en-GB" smtClean="0"/>
-              <a:t>09/08/2023</a:t>
+              <a:t>14/08/2023</a:t>
             </a:fld>
             <a:endParaRPr lang="en-GB"/>
           </a:p>
@@ -3494,7 +4965,7 @@
           <a:p>
             <a:fld id="{A4A74AF1-5DB1-4F99-A03B-731742987867}" type="datetimeFigureOut">
               <a:rPr lang="en-GB" smtClean="0"/>
-              <a:t>09/08/2023</a:t>
+              <a:t>14/08/2023</a:t>
             </a:fld>
             <a:endParaRPr lang="en-GB"/>
           </a:p>
@@ -3909,7 +5380,7 @@
           <a:p>
             <a:fld id="{A4A74AF1-5DB1-4F99-A03B-731742987867}" type="datetimeFigureOut">
               <a:rPr lang="en-GB" smtClean="0"/>
-              <a:t>09/08/2023</a:t>
+              <a:t>14/08/2023</a:t>
             </a:fld>
             <a:endParaRPr lang="en-GB"/>
           </a:p>
@@ -4051,7 +5522,7 @@
           <a:p>
             <a:fld id="{A4A74AF1-5DB1-4F99-A03B-731742987867}" type="datetimeFigureOut">
               <a:rPr lang="en-GB" smtClean="0"/>
-              <a:t>09/08/2023</a:t>
+              <a:t>14/08/2023</a:t>
             </a:fld>
             <a:endParaRPr lang="en-GB"/>
           </a:p>
@@ -4164,7 +5635,7 @@
           <a:p>
             <a:fld id="{A4A74AF1-5DB1-4F99-A03B-731742987867}" type="datetimeFigureOut">
               <a:rPr lang="en-GB" smtClean="0"/>
-              <a:t>09/08/2023</a:t>
+              <a:t>14/08/2023</a:t>
             </a:fld>
             <a:endParaRPr lang="en-GB"/>
           </a:p>
@@ -4477,7 +5948,7 @@
           <a:p>
             <a:fld id="{A4A74AF1-5DB1-4F99-A03B-731742987867}" type="datetimeFigureOut">
               <a:rPr lang="en-GB" smtClean="0"/>
-              <a:t>09/08/2023</a:t>
+              <a:t>14/08/2023</a:t>
             </a:fld>
             <a:endParaRPr lang="en-GB"/>
           </a:p>
@@ -4766,7 +6237,7 @@
           <a:p>
             <a:fld id="{A4A74AF1-5DB1-4F99-A03B-731742987867}" type="datetimeFigureOut">
               <a:rPr lang="en-GB" smtClean="0"/>
-              <a:t>09/08/2023</a:t>
+              <a:t>14/08/2023</a:t>
             </a:fld>
             <a:endParaRPr lang="en-GB"/>
           </a:p>
@@ -5009,7 +6480,7 @@
           <a:p>
             <a:fld id="{A4A74AF1-5DB1-4F99-A03B-731742987867}" type="datetimeFigureOut">
               <a:rPr lang="en-GB" smtClean="0"/>
-              <a:t>09/08/2023</a:t>
+              <a:t>14/08/2023</a:t>
             </a:fld>
             <a:endParaRPr lang="en-GB"/>
           </a:p>
@@ -5428,10 +6899,586 @@
       </p:grpSpPr>
       <p:grpSp>
         <p:nvGrpSpPr>
-          <p:cNvPr id="73" name="Group 72">
+          <p:cNvPr id="4" name="Group 3">
             <a:extLst>
               <a:ext uri="{FF2B5EF4-FFF2-40B4-BE49-F238E27FC236}">
-                <a16:creationId xmlns:a16="http://schemas.microsoft.com/office/drawing/2014/main" id="{6C8D8C38-14D7-528A-9869-D0A4E01593BF}"/>
+                <a16:creationId xmlns:a16="http://schemas.microsoft.com/office/drawing/2014/main" id="{E373060A-B2C8-AAC3-379E-630C26CA44BA}"/>
+              </a:ext>
+            </a:extLst>
+          </p:cNvPr>
+          <p:cNvGrpSpPr/>
+          <p:nvPr/>
+        </p:nvGrpSpPr>
+        <p:grpSpPr>
+          <a:xfrm>
+            <a:off x="3533775" y="2927344"/>
+            <a:ext cx="571500" cy="571500"/>
+            <a:chOff x="2486025" y="1866900"/>
+            <a:chExt cx="685800" cy="685800"/>
+          </a:xfrm>
+        </p:grpSpPr>
+        <p:sp>
+          <p:nvSpPr>
+            <p:cNvPr id="5" name="Oval 4">
+              <a:extLst>
+                <a:ext uri="{FF2B5EF4-FFF2-40B4-BE49-F238E27FC236}">
+                  <a16:creationId xmlns:a16="http://schemas.microsoft.com/office/drawing/2014/main" id="{7950A635-F56D-C4EF-5B90-43CA583492DC}"/>
+                </a:ext>
+              </a:extLst>
+            </p:cNvPr>
+            <p:cNvSpPr/>
+            <p:nvPr/>
+          </p:nvSpPr>
+          <p:spPr>
+            <a:xfrm>
+              <a:off x="2486025" y="1866900"/>
+              <a:ext cx="685800" cy="685800"/>
+            </a:xfrm>
+            <a:prstGeom prst="ellipse">
+              <a:avLst/>
+            </a:prstGeom>
+            <a:noFill/>
+            <a:ln w="28575">
+              <a:solidFill>
+                <a:schemeClr val="tx1"/>
+              </a:solidFill>
+            </a:ln>
+          </p:spPr>
+          <p:style>
+            <a:lnRef idx="2">
+              <a:schemeClr val="accent1">
+                <a:shade val="15000"/>
+              </a:schemeClr>
+            </a:lnRef>
+            <a:fillRef idx="1">
+              <a:schemeClr val="accent1"/>
+            </a:fillRef>
+            <a:effectRef idx="0">
+              <a:schemeClr val="accent1"/>
+            </a:effectRef>
+            <a:fontRef idx="minor">
+              <a:schemeClr val="lt1"/>
+            </a:fontRef>
+          </p:style>
+          <p:txBody>
+            <a:bodyPr rtlCol="0" anchor="ctr"/>
+            <a:lstStyle/>
+            <a:p>
+              <a:pPr algn="ctr"/>
+              <a:endParaRPr lang="en-GB"/>
+            </a:p>
+          </p:txBody>
+        </p:sp>
+        <p:cxnSp>
+          <p:nvCxnSpPr>
+            <p:cNvPr id="6" name="Straight Connector 5">
+              <a:extLst>
+                <a:ext uri="{FF2B5EF4-FFF2-40B4-BE49-F238E27FC236}">
+                  <a16:creationId xmlns:a16="http://schemas.microsoft.com/office/drawing/2014/main" id="{58A538FD-302E-6CF0-93E7-EFFF25A5EF7A}"/>
+                </a:ext>
+              </a:extLst>
+            </p:cNvPr>
+            <p:cNvCxnSpPr>
+              <a:stCxn id="5" idx="0"/>
+              <a:endCxn id="5" idx="4"/>
+            </p:cNvCxnSpPr>
+            <p:nvPr/>
+          </p:nvCxnSpPr>
+          <p:spPr>
+            <a:xfrm>
+              <a:off x="2828925" y="1866900"/>
+              <a:ext cx="0" cy="685800"/>
+            </a:xfrm>
+            <a:prstGeom prst="line">
+              <a:avLst/>
+            </a:prstGeom>
+            <a:ln w="28575">
+              <a:solidFill>
+                <a:schemeClr val="tx1"/>
+              </a:solidFill>
+            </a:ln>
+          </p:spPr>
+          <p:style>
+            <a:lnRef idx="1">
+              <a:schemeClr val="accent1"/>
+            </a:lnRef>
+            <a:fillRef idx="0">
+              <a:schemeClr val="accent1"/>
+            </a:fillRef>
+            <a:effectRef idx="0">
+              <a:schemeClr val="accent1"/>
+            </a:effectRef>
+            <a:fontRef idx="minor">
+              <a:schemeClr val="tx1"/>
+            </a:fontRef>
+          </p:style>
+        </p:cxnSp>
+        <p:cxnSp>
+          <p:nvCxnSpPr>
+            <p:cNvPr id="7" name="Straight Connector 6">
+              <a:extLst>
+                <a:ext uri="{FF2B5EF4-FFF2-40B4-BE49-F238E27FC236}">
+                  <a16:creationId xmlns:a16="http://schemas.microsoft.com/office/drawing/2014/main" id="{0445A5EE-5047-2717-11AF-2FBC6761F1DF}"/>
+                </a:ext>
+              </a:extLst>
+            </p:cNvPr>
+            <p:cNvCxnSpPr>
+              <a:stCxn id="5" idx="2"/>
+              <a:endCxn id="5" idx="6"/>
+            </p:cNvCxnSpPr>
+            <p:nvPr/>
+          </p:nvCxnSpPr>
+          <p:spPr>
+            <a:xfrm>
+              <a:off x="2486025" y="2209800"/>
+              <a:ext cx="685800" cy="0"/>
+            </a:xfrm>
+            <a:prstGeom prst="line">
+              <a:avLst/>
+            </a:prstGeom>
+            <a:ln w="28575">
+              <a:solidFill>
+                <a:schemeClr val="tx1"/>
+              </a:solidFill>
+            </a:ln>
+          </p:spPr>
+          <p:style>
+            <a:lnRef idx="1">
+              <a:schemeClr val="accent1"/>
+            </a:lnRef>
+            <a:fillRef idx="0">
+              <a:schemeClr val="accent1"/>
+            </a:fillRef>
+            <a:effectRef idx="0">
+              <a:schemeClr val="accent1"/>
+            </a:effectRef>
+            <a:fontRef idx="minor">
+              <a:schemeClr val="tx1"/>
+            </a:fontRef>
+          </p:style>
+        </p:cxnSp>
+      </p:grpSp>
+      <p:grpSp>
+        <p:nvGrpSpPr>
+          <p:cNvPr id="12" name="Group 11">
+            <a:extLst>
+              <a:ext uri="{FF2B5EF4-FFF2-40B4-BE49-F238E27FC236}">
+                <a16:creationId xmlns:a16="http://schemas.microsoft.com/office/drawing/2014/main" id="{836DD039-FD94-10C0-B8D8-37D2C1806823}"/>
+              </a:ext>
+            </a:extLst>
+          </p:cNvPr>
+          <p:cNvGrpSpPr/>
+          <p:nvPr/>
+        </p:nvGrpSpPr>
+        <p:grpSpPr>
+          <a:xfrm>
+            <a:off x="4964096" y="2927344"/>
+            <a:ext cx="579454" cy="571500"/>
+            <a:chOff x="4853701" y="2894117"/>
+            <a:chExt cx="691116" cy="637954"/>
+          </a:xfrm>
+        </p:grpSpPr>
+        <p:sp>
+          <p:nvSpPr>
+            <p:cNvPr id="9" name="Oval 8">
+              <a:extLst>
+                <a:ext uri="{FF2B5EF4-FFF2-40B4-BE49-F238E27FC236}">
+                  <a16:creationId xmlns:a16="http://schemas.microsoft.com/office/drawing/2014/main" id="{44C9914B-B3B2-5EC2-7B68-F96209FFDC3B}"/>
+                </a:ext>
+              </a:extLst>
+            </p:cNvPr>
+            <p:cNvSpPr/>
+            <p:nvPr/>
+          </p:nvSpPr>
+          <p:spPr>
+            <a:xfrm>
+              <a:off x="4853701" y="2894117"/>
+              <a:ext cx="691116" cy="637954"/>
+            </a:xfrm>
+            <a:prstGeom prst="ellipse">
+              <a:avLst/>
+            </a:prstGeom>
+            <a:noFill/>
+            <a:ln w="25400">
+              <a:solidFill>
+                <a:schemeClr val="tx1"/>
+              </a:solidFill>
+            </a:ln>
+          </p:spPr>
+          <p:style>
+            <a:lnRef idx="2">
+              <a:schemeClr val="accent1">
+                <a:shade val="50000"/>
+              </a:schemeClr>
+            </a:lnRef>
+            <a:fillRef idx="1">
+              <a:schemeClr val="accent1"/>
+            </a:fillRef>
+            <a:effectRef idx="0">
+              <a:schemeClr val="accent1"/>
+            </a:effectRef>
+            <a:fontRef idx="minor">
+              <a:schemeClr val="lt1"/>
+            </a:fontRef>
+          </p:style>
+          <p:txBody>
+            <a:bodyPr rtlCol="0" anchor="ctr"/>
+            <a:lstStyle/>
+            <a:p>
+              <a:pPr algn="ctr"/>
+              <a:endParaRPr lang="en-GB" sz="2400" b="1" dirty="0">
+                <a:latin typeface="+mj-lt"/>
+              </a:endParaRPr>
+            </a:p>
+          </p:txBody>
+        </p:sp>
+        <p:cxnSp>
+          <p:nvCxnSpPr>
+            <p:cNvPr id="10" name="Straight Connector 9">
+              <a:extLst>
+                <a:ext uri="{FF2B5EF4-FFF2-40B4-BE49-F238E27FC236}">
+                  <a16:creationId xmlns:a16="http://schemas.microsoft.com/office/drawing/2014/main" id="{799E4220-F8BE-2454-2172-F9AFD5DF311D}"/>
+                </a:ext>
+              </a:extLst>
+            </p:cNvPr>
+            <p:cNvCxnSpPr>
+              <a:stCxn id="9" idx="3"/>
+              <a:endCxn id="9" idx="7"/>
+            </p:cNvCxnSpPr>
+            <p:nvPr/>
+          </p:nvCxnSpPr>
+          <p:spPr>
+            <a:xfrm flipV="1">
+              <a:off x="4954913" y="2987543"/>
+              <a:ext cx="488692" cy="451102"/>
+            </a:xfrm>
+            <a:prstGeom prst="line">
+              <a:avLst/>
+            </a:prstGeom>
+            <a:ln w="25400">
+              <a:solidFill>
+                <a:schemeClr val="tx1"/>
+              </a:solidFill>
+            </a:ln>
+          </p:spPr>
+          <p:style>
+            <a:lnRef idx="1">
+              <a:schemeClr val="accent1"/>
+            </a:lnRef>
+            <a:fillRef idx="0">
+              <a:schemeClr val="accent1"/>
+            </a:fillRef>
+            <a:effectRef idx="0">
+              <a:schemeClr val="accent1"/>
+            </a:effectRef>
+            <a:fontRef idx="minor">
+              <a:schemeClr val="tx1"/>
+            </a:fontRef>
+          </p:style>
+        </p:cxnSp>
+        <p:cxnSp>
+          <p:nvCxnSpPr>
+            <p:cNvPr id="11" name="Straight Connector 10">
+              <a:extLst>
+                <a:ext uri="{FF2B5EF4-FFF2-40B4-BE49-F238E27FC236}">
+                  <a16:creationId xmlns:a16="http://schemas.microsoft.com/office/drawing/2014/main" id="{48EB8002-10EC-3081-15ED-2FC0DED0C33C}"/>
+                </a:ext>
+              </a:extLst>
+            </p:cNvPr>
+            <p:cNvCxnSpPr>
+              <a:stCxn id="9" idx="1"/>
+              <a:endCxn id="9" idx="5"/>
+            </p:cNvCxnSpPr>
+            <p:nvPr/>
+          </p:nvCxnSpPr>
+          <p:spPr>
+            <a:xfrm>
+              <a:off x="4954913" y="2987543"/>
+              <a:ext cx="488692" cy="451102"/>
+            </a:xfrm>
+            <a:prstGeom prst="line">
+              <a:avLst/>
+            </a:prstGeom>
+            <a:ln w="25400">
+              <a:solidFill>
+                <a:schemeClr val="tx1"/>
+              </a:solidFill>
+            </a:ln>
+          </p:spPr>
+          <p:style>
+            <a:lnRef idx="1">
+              <a:schemeClr val="accent1"/>
+            </a:lnRef>
+            <a:fillRef idx="0">
+              <a:schemeClr val="accent1"/>
+            </a:fillRef>
+            <a:effectRef idx="0">
+              <a:schemeClr val="accent1"/>
+            </a:effectRef>
+            <a:fontRef idx="minor">
+              <a:schemeClr val="tx1"/>
+            </a:fontRef>
+          </p:style>
+        </p:cxnSp>
+      </p:grpSp>
+      <p:sp>
+        <p:nvSpPr>
+          <p:cNvPr id="13" name="TextBox 12">
+            <a:extLst>
+              <a:ext uri="{FF2B5EF4-FFF2-40B4-BE49-F238E27FC236}">
+                <a16:creationId xmlns:a16="http://schemas.microsoft.com/office/drawing/2014/main" id="{D48C58E8-4FC1-9567-8FF5-F8274212A91F}"/>
+              </a:ext>
+            </a:extLst>
+          </p:cNvPr>
+          <p:cNvSpPr txBox="1"/>
+          <p:nvPr/>
+        </p:nvSpPr>
+        <p:spPr>
+          <a:xfrm>
+            <a:off x="3629025" y="4495800"/>
+            <a:ext cx="2114550" cy="1235326"/>
+          </a:xfrm>
+          <a:prstGeom prst="roundRect">
+            <a:avLst/>
+          </a:prstGeom>
+          <a:noFill/>
+          <a:ln w="28575">
+            <a:solidFill>
+              <a:schemeClr val="tx1"/>
+            </a:solidFill>
+          </a:ln>
+        </p:spPr>
+        <p:txBody>
+          <a:bodyPr wrap="square" rtlCol="0" anchor="ctr" anchorCtr="1">
+            <a:normAutofit/>
+          </a:bodyPr>
+          <a:lstStyle/>
+          <a:p>
+            <a:pPr algn="ctr"/>
+            <a:r>
+              <a:rPr lang="en-US" altLang="zh-CN" sz="2400" dirty="0">
+                <a:latin typeface="Arial" panose="020B0604020202020204" pitchFamily="34" charset="0"/>
+                <a:cs typeface="Arial" panose="020B0604020202020204" pitchFamily="34" charset="0"/>
+              </a:rPr>
+              <a:t>TEXT</a:t>
+            </a:r>
+            <a:endParaRPr lang="en-GB" sz="2400" dirty="0">
+              <a:latin typeface="Arial" panose="020B0604020202020204" pitchFamily="34" charset="0"/>
+              <a:cs typeface="Arial" panose="020B0604020202020204" pitchFamily="34" charset="0"/>
+            </a:endParaRPr>
+          </a:p>
+        </p:txBody>
+      </p:sp>
+      <p:cxnSp>
+        <p:nvCxnSpPr>
+          <p:cNvPr id="15" name="Straight Arrow Connector 14">
+            <a:extLst>
+              <a:ext uri="{FF2B5EF4-FFF2-40B4-BE49-F238E27FC236}">
+                <a16:creationId xmlns:a16="http://schemas.microsoft.com/office/drawing/2014/main" id="{52146617-4449-F345-7981-BA474A5291CD}"/>
+              </a:ext>
+            </a:extLst>
+          </p:cNvPr>
+          <p:cNvCxnSpPr>
+            <a:cxnSpLocks/>
+          </p:cNvCxnSpPr>
+          <p:nvPr/>
+        </p:nvCxnSpPr>
+        <p:spPr>
+          <a:xfrm>
+            <a:off x="6828034" y="3213094"/>
+            <a:ext cx="0" cy="1351538"/>
+          </a:xfrm>
+          <a:prstGeom prst="straightConnector1">
+            <a:avLst/>
+          </a:prstGeom>
+          <a:ln w="25400">
+            <a:solidFill>
+              <a:schemeClr val="tx1"/>
+            </a:solidFill>
+            <a:tailEnd type="triangle" w="lg" len="lg"/>
+          </a:ln>
+        </p:spPr>
+        <p:style>
+          <a:lnRef idx="1">
+            <a:schemeClr val="accent1"/>
+          </a:lnRef>
+          <a:fillRef idx="0">
+            <a:schemeClr val="accent1"/>
+          </a:fillRef>
+          <a:effectRef idx="0">
+            <a:schemeClr val="accent1"/>
+          </a:effectRef>
+          <a:fontRef idx="minor">
+            <a:schemeClr val="tx1"/>
+          </a:fontRef>
+        </p:style>
+      </p:cxnSp>
+      <p:cxnSp>
+        <p:nvCxnSpPr>
+          <p:cNvPr id="16" name="Straight Arrow Connector 15">
+            <a:extLst>
+              <a:ext uri="{FF2B5EF4-FFF2-40B4-BE49-F238E27FC236}">
+                <a16:creationId xmlns:a16="http://schemas.microsoft.com/office/drawing/2014/main" id="{99EDD65A-F4A4-5252-3E66-2FC2C77E8C64}"/>
+              </a:ext>
+            </a:extLst>
+          </p:cNvPr>
+          <p:cNvCxnSpPr/>
+          <p:nvPr/>
+        </p:nvCxnSpPr>
+        <p:spPr>
+          <a:xfrm flipV="1">
+            <a:off x="6286500" y="3415150"/>
+            <a:ext cx="0" cy="981075"/>
+          </a:xfrm>
+          <a:prstGeom prst="straightConnector1">
+            <a:avLst/>
+          </a:prstGeom>
+          <a:ln w="28575">
+            <a:solidFill>
+              <a:schemeClr val="tx1"/>
+            </a:solidFill>
+            <a:headEnd w="lg" len="lg"/>
+            <a:tailEnd type="triangle" w="lg" len="lg"/>
+          </a:ln>
+        </p:spPr>
+        <p:style>
+          <a:lnRef idx="1">
+            <a:schemeClr val="accent1"/>
+          </a:lnRef>
+          <a:fillRef idx="0">
+            <a:schemeClr val="accent1"/>
+          </a:fillRef>
+          <a:effectRef idx="0">
+            <a:schemeClr val="accent1"/>
+          </a:effectRef>
+          <a:fontRef idx="minor">
+            <a:schemeClr val="tx1"/>
+          </a:fontRef>
+        </p:style>
+      </p:cxnSp>
+      <p:cxnSp>
+        <p:nvCxnSpPr>
+          <p:cNvPr id="17" name="Straight Connector 16">
+            <a:extLst>
+              <a:ext uri="{FF2B5EF4-FFF2-40B4-BE49-F238E27FC236}">
+                <a16:creationId xmlns:a16="http://schemas.microsoft.com/office/drawing/2014/main" id="{5F62E79F-B315-34F3-C3EE-F150BC897492}"/>
+              </a:ext>
+            </a:extLst>
+          </p:cNvPr>
+          <p:cNvCxnSpPr/>
+          <p:nvPr/>
+        </p:nvCxnSpPr>
+        <p:spPr>
+          <a:xfrm>
+            <a:off x="7848600" y="3396100"/>
+            <a:ext cx="2247900" cy="0"/>
+          </a:xfrm>
+          <a:prstGeom prst="line">
+            <a:avLst/>
+          </a:prstGeom>
+          <a:ln w="28575">
+            <a:solidFill>
+              <a:schemeClr val="tx1"/>
+            </a:solidFill>
+          </a:ln>
+        </p:spPr>
+        <p:style>
+          <a:lnRef idx="1">
+            <a:schemeClr val="accent1"/>
+          </a:lnRef>
+          <a:fillRef idx="0">
+            <a:schemeClr val="accent1"/>
+          </a:fillRef>
+          <a:effectRef idx="0">
+            <a:schemeClr val="accent1"/>
+          </a:effectRef>
+          <a:fontRef idx="minor">
+            <a:schemeClr val="tx1"/>
+          </a:fontRef>
+        </p:style>
+      </p:cxnSp>
+      <p:sp>
+        <p:nvSpPr>
+          <p:cNvPr id="2" name="Oval 1">
+            <a:extLst>
+              <a:ext uri="{FF2B5EF4-FFF2-40B4-BE49-F238E27FC236}">
+                <a16:creationId xmlns:a16="http://schemas.microsoft.com/office/drawing/2014/main" id="{8B573F5D-9FDD-973D-A98B-E48E9506E12E}"/>
+              </a:ext>
+            </a:extLst>
+          </p:cNvPr>
+          <p:cNvSpPr/>
+          <p:nvPr/>
+        </p:nvSpPr>
+        <p:spPr>
+          <a:xfrm>
+            <a:off x="7645138" y="3676453"/>
+            <a:ext cx="94268" cy="94268"/>
+          </a:xfrm>
+          <a:prstGeom prst="ellipse">
+            <a:avLst/>
+          </a:prstGeom>
+        </p:spPr>
+        <p:style>
+          <a:lnRef idx="2">
+            <a:schemeClr val="dk1">
+              <a:shade val="15000"/>
+            </a:schemeClr>
+          </a:lnRef>
+          <a:fillRef idx="1">
+            <a:schemeClr val="dk1"/>
+          </a:fillRef>
+          <a:effectRef idx="0">
+            <a:schemeClr val="dk1"/>
+          </a:effectRef>
+          <a:fontRef idx="minor">
+            <a:schemeClr val="lt1"/>
+          </a:fontRef>
+        </p:style>
+        <p:txBody>
+          <a:bodyPr rtlCol="0" anchor="ctr"/>
+          <a:lstStyle/>
+          <a:p>
+            <a:pPr algn="ctr"/>
+            <a:endParaRPr lang="en-GB"/>
+          </a:p>
+        </p:txBody>
+      </p:sp>
+    </p:spTree>
+    <p:extLst>
+      <p:ext uri="{BB962C8B-B14F-4D97-AF65-F5344CB8AC3E}">
+        <p14:creationId xmlns:p14="http://schemas.microsoft.com/office/powerpoint/2010/main" val="3539774601"/>
+      </p:ext>
+    </p:extLst>
+  </p:cSld>
+  <p:clrMapOvr>
+    <a:masterClrMapping/>
+  </p:clrMapOvr>
+</p:sld>
+</file>
+
+<file path=ppt/slides/slide2.xml><?xml version="1.0" encoding="utf-8"?>
+<p:sld xmlns:a="http://schemas.openxmlformats.org/drawingml/2006/main" xmlns:r="http://schemas.openxmlformats.org/officeDocument/2006/relationships" xmlns:p="http://schemas.openxmlformats.org/presentationml/2006/main">
+  <p:cSld>
+    <p:spTree>
+      <p:nvGrpSpPr>
+        <p:cNvPr id="1" name=""/>
+        <p:cNvGrpSpPr/>
+        <p:nvPr/>
+      </p:nvGrpSpPr>
+      <p:grpSpPr>
+        <a:xfrm>
+          <a:off x="0" y="0"/>
+          <a:ext cx="0" cy="0"/>
+          <a:chOff x="0" y="0"/>
+          <a:chExt cx="0" cy="0"/>
+        </a:xfrm>
+      </p:grpSpPr>
+      <p:grpSp>
+        <p:nvGrpSpPr>
+          <p:cNvPr id="5" name="Group 4">
+            <a:extLst>
+              <a:ext uri="{FF2B5EF4-FFF2-40B4-BE49-F238E27FC236}">
+                <a16:creationId xmlns:a16="http://schemas.microsoft.com/office/drawing/2014/main" id="{11405C63-7811-F59C-C241-35BA5809B10E}"/>
               </a:ext>
             </a:extLst>
           </p:cNvPr>
@@ -5716,7 +7763,7 @@
               <a:off x="744409" y="4045263"/>
               <a:ext cx="1548670" cy="1124097"/>
             </a:xfrm>
-            <a:prstGeom prst="rect">
+            <a:prstGeom prst="roundRect">
               <a:avLst/>
             </a:prstGeom>
             <a:noFill/>
@@ -5760,7 +7807,7 @@
               <a:off x="744409" y="980531"/>
               <a:ext cx="1548670" cy="1124097"/>
             </a:xfrm>
-            <a:prstGeom prst="rect">
+            <a:prstGeom prst="roundRect">
               <a:avLst/>
             </a:prstGeom>
             <a:noFill/>
@@ -5779,7 +7826,7 @@
               <a:pPr algn="ctr"/>
               <a:r>
                 <a:rPr lang="en-US" altLang="zh-CN" sz="2400" dirty="0">
-                  <a:latin typeface="Cambria Math" panose="02040503050406030204" pitchFamily="18" charset="0"/>
+                  <a:latin typeface="Arial" panose="020B0604020202020204" pitchFamily="34" charset="0"/>
                   <a:ea typeface="Cambria Math" panose="02040503050406030204" pitchFamily="18" charset="0"/>
                   <a:cs typeface="Arial" panose="020B0604020202020204" pitchFamily="34" charset="0"/>
                 </a:rPr>
@@ -5992,7 +8039,7 @@
               <a:off x="2491622" y="2651046"/>
               <a:ext cx="1548670" cy="1124097"/>
             </a:xfrm>
-            <a:prstGeom prst="rect">
+            <a:prstGeom prst="roundRect">
               <a:avLst/>
             </a:prstGeom>
             <a:noFill/>
@@ -6036,7 +8083,7 @@
               <a:off x="2491622" y="5498837"/>
               <a:ext cx="1548670" cy="1124097"/>
             </a:xfrm>
-            <a:prstGeom prst="rect">
+            <a:prstGeom prst="roundRect">
               <a:avLst/>
             </a:prstGeom>
             <a:noFill/>
@@ -6074,7 +8121,6 @@
             </p:cNvPr>
             <p:cNvCxnSpPr>
               <a:cxnSpLocks/>
-              <a:stCxn id="13" idx="3"/>
               <a:endCxn id="40" idx="2"/>
             </p:cNvCxnSpPr>
             <p:nvPr/>
@@ -6120,7 +8166,6 @@
             </p:cNvPr>
             <p:cNvCxnSpPr>
               <a:cxnSpLocks/>
-              <a:endCxn id="100" idx="3"/>
             </p:cNvCxnSpPr>
             <p:nvPr/>
           </p:nvCxnSpPr>
@@ -6532,10 +8577,10 @@
                 </p:nvSpPr>
                 <p:spPr>
                   <a:xfrm>
-                    <a:off x="4408477" y="2065006"/>
-                    <a:ext cx="2302447" cy="1587733"/>
+                    <a:off x="4284620" y="1965787"/>
+                    <a:ext cx="2302447" cy="1756642"/>
                   </a:xfrm>
-                  <a:prstGeom prst="rect">
+                  <a:prstGeom prst="roundRect">
                     <a:avLst/>
                   </a:prstGeom>
                 </p:spPr>
@@ -6641,10 +8686,10 @@
                 </p:nvSpPr>
                 <p:spPr>
                   <a:xfrm>
-                    <a:off x="4408477" y="2065006"/>
-                    <a:ext cx="2302447" cy="1587733"/>
+                    <a:off x="4284620" y="1965787"/>
+                    <a:ext cx="2302447" cy="1756642"/>
                   </a:xfrm>
-                  <a:prstGeom prst="rect">
+                  <a:prstGeom prst="roundRect">
                     <a:avLst/>
                   </a:prstGeom>
                   <a:blipFill>
@@ -6686,7 +8731,7 @@
                 <a:off x="4190143" y="1847332"/>
                 <a:ext cx="2537541" cy="1972167"/>
               </a:xfrm>
-              <a:prstGeom prst="rect">
+              <a:prstGeom prst="roundRect">
                 <a:avLst/>
               </a:prstGeom>
               <a:noFill/>
@@ -6782,7 +8827,7 @@
 </p:sld>
 </file>
 
-<file path=ppt/slides/slide2.xml><?xml version="1.0" encoding="utf-8"?>
+<file path=ppt/slides/slide3.xml><?xml version="1.0" encoding="utf-8"?>
 <p:sld xmlns:a="http://schemas.openxmlformats.org/drawingml/2006/main" xmlns:r="http://schemas.openxmlformats.org/officeDocument/2006/relationships" xmlns:p="http://schemas.openxmlformats.org/presentationml/2006/main">
   <p:cSld>
     <p:spTree>
@@ -6801,10 +8846,1093 @@
       </p:grpSpPr>
       <p:grpSp>
         <p:nvGrpSpPr>
-          <p:cNvPr id="2" name="Group 1">
+          <p:cNvPr id="49" name="Group 48">
             <a:extLst>
               <a:ext uri="{FF2B5EF4-FFF2-40B4-BE49-F238E27FC236}">
-                <a16:creationId xmlns:a16="http://schemas.microsoft.com/office/drawing/2014/main" id="{93599824-E266-F033-479F-370E137311F4}"/>
+                <a16:creationId xmlns:a16="http://schemas.microsoft.com/office/drawing/2014/main" id="{411D1E64-3684-8C6C-01FB-24FF2EA89077}"/>
+              </a:ext>
+            </a:extLst>
+          </p:cNvPr>
+          <p:cNvGrpSpPr/>
+          <p:nvPr/>
+        </p:nvGrpSpPr>
+        <p:grpSpPr>
+          <a:xfrm>
+            <a:off x="895347" y="1381126"/>
+            <a:ext cx="11178428" cy="3087178"/>
+            <a:chOff x="895347" y="1381126"/>
+            <a:chExt cx="11178428" cy="3087178"/>
+          </a:xfrm>
+        </p:grpSpPr>
+        <p:sp>
+          <p:nvSpPr>
+            <p:cNvPr id="36" name="TextBox 35">
+              <a:extLst>
+                <a:ext uri="{FF2B5EF4-FFF2-40B4-BE49-F238E27FC236}">
+                  <a16:creationId xmlns:a16="http://schemas.microsoft.com/office/drawing/2014/main" id="{DE9B4D1D-36E9-C97A-24BA-EF102030B951}"/>
+                </a:ext>
+              </a:extLst>
+            </p:cNvPr>
+            <p:cNvSpPr txBox="1"/>
+            <p:nvPr/>
+          </p:nvSpPr>
+          <p:spPr>
+            <a:xfrm>
+              <a:off x="7792287" y="1381126"/>
+              <a:ext cx="2281237" cy="3087178"/>
+            </a:xfrm>
+            <a:prstGeom prst="roundRect">
+              <a:avLst>
+                <a:gd name="adj" fmla="val 6858"/>
+              </a:avLst>
+            </a:prstGeom>
+            <a:noFill/>
+            <a:ln w="28575">
+              <a:solidFill>
+                <a:schemeClr val="tx1"/>
+              </a:solidFill>
+              <a:prstDash val="dash"/>
+            </a:ln>
+          </p:spPr>
+          <p:txBody>
+            <a:bodyPr wrap="square" rtlCol="0" anchor="b" anchorCtr="0">
+              <a:normAutofit/>
+            </a:bodyPr>
+            <a:lstStyle/>
+            <a:p>
+              <a:pPr algn="r"/>
+              <a:r>
+                <a:rPr lang="en-US" altLang="zh-CN" sz="2400" dirty="0">
+                  <a:latin typeface="Arial" panose="020B0604020202020204" pitchFamily="34" charset="0"/>
+                  <a:cs typeface="Arial" panose="020B0604020202020204" pitchFamily="34" charset="0"/>
+                </a:rPr>
+                <a:t>PAC</a:t>
+              </a:r>
+              <a:endParaRPr lang="en-GB" sz="2400" dirty="0">
+                <a:latin typeface="Arial" panose="020B0604020202020204" pitchFamily="34" charset="0"/>
+                <a:cs typeface="Arial" panose="020B0604020202020204" pitchFamily="34" charset="0"/>
+              </a:endParaRPr>
+            </a:p>
+          </p:txBody>
+        </p:sp>
+        <p:sp>
+          <p:nvSpPr>
+            <p:cNvPr id="32" name="TextBox 31">
+              <a:extLst>
+                <a:ext uri="{FF2B5EF4-FFF2-40B4-BE49-F238E27FC236}">
+                  <a16:creationId xmlns:a16="http://schemas.microsoft.com/office/drawing/2014/main" id="{8B95B1EC-340F-AEF1-BE4F-470A9CAE71BB}"/>
+                </a:ext>
+              </a:extLst>
+            </p:cNvPr>
+            <p:cNvSpPr txBox="1"/>
+            <p:nvPr/>
+          </p:nvSpPr>
+          <p:spPr>
+            <a:xfrm>
+              <a:off x="1935888" y="1381126"/>
+              <a:ext cx="5650134" cy="3087178"/>
+            </a:xfrm>
+            <a:prstGeom prst="roundRect">
+              <a:avLst>
+                <a:gd name="adj" fmla="val 6858"/>
+              </a:avLst>
+            </a:prstGeom>
+            <a:noFill/>
+            <a:ln w="28575">
+              <a:solidFill>
+                <a:schemeClr val="tx1"/>
+              </a:solidFill>
+              <a:prstDash val="dash"/>
+            </a:ln>
+          </p:spPr>
+          <p:txBody>
+            <a:bodyPr wrap="square" rtlCol="0" anchor="b" anchorCtr="0">
+              <a:normAutofit/>
+            </a:bodyPr>
+            <a:lstStyle/>
+            <a:p>
+              <a:pPr algn="r"/>
+              <a:r>
+                <a:rPr lang="en-US" altLang="zh-CN" sz="2400" dirty="0">
+                  <a:latin typeface="Arial" panose="020B0604020202020204" pitchFamily="34" charset="0"/>
+                  <a:cs typeface="Arial" panose="020B0604020202020204" pitchFamily="34" charset="0"/>
+                </a:rPr>
+                <a:t>PA</a:t>
+              </a:r>
+              <a:endParaRPr lang="en-GB" sz="2400" dirty="0">
+                <a:latin typeface="Arial" panose="020B0604020202020204" pitchFamily="34" charset="0"/>
+                <a:cs typeface="Arial" panose="020B0604020202020204" pitchFamily="34" charset="0"/>
+              </a:endParaRPr>
+            </a:p>
+          </p:txBody>
+        </p:sp>
+        <p:sp>
+          <p:nvSpPr>
+            <p:cNvPr id="7" name="TextBox 6">
+              <a:extLst>
+                <a:ext uri="{FF2B5EF4-FFF2-40B4-BE49-F238E27FC236}">
+                  <a16:creationId xmlns:a16="http://schemas.microsoft.com/office/drawing/2014/main" id="{E76C0540-6453-BBC3-90EC-56C8587AAC54}"/>
+                </a:ext>
+              </a:extLst>
+            </p:cNvPr>
+            <p:cNvSpPr txBox="1"/>
+            <p:nvPr/>
+          </p:nvSpPr>
+          <p:spPr>
+            <a:xfrm>
+              <a:off x="2217260" y="3017957"/>
+              <a:ext cx="2334509" cy="1235326"/>
+            </a:xfrm>
+            <a:prstGeom prst="roundRect">
+              <a:avLst/>
+            </a:prstGeom>
+            <a:noFill/>
+            <a:ln w="28575">
+              <a:solidFill>
+                <a:schemeClr val="tx1"/>
+              </a:solidFill>
+            </a:ln>
+          </p:spPr>
+          <p:txBody>
+            <a:bodyPr wrap="square" rtlCol="0" anchor="ctr" anchorCtr="1">
+              <a:normAutofit/>
+            </a:bodyPr>
+            <a:lstStyle/>
+            <a:p>
+              <a:pPr algn="ctr"/>
+              <a:r>
+                <a:rPr lang="en-GB" sz="2400" dirty="0">
+                  <a:latin typeface="Arial" panose="020B0604020202020204" pitchFamily="34" charset="0"/>
+                  <a:cs typeface="Arial" panose="020B0604020202020204" pitchFamily="34" charset="0"/>
+                </a:rPr>
+                <a:t>INCREMENT VALUE</a:t>
+              </a:r>
+            </a:p>
+          </p:txBody>
+        </p:sp>
+        <p:grpSp>
+          <p:nvGrpSpPr>
+            <p:cNvPr id="14" name="Group 13">
+              <a:extLst>
+                <a:ext uri="{FF2B5EF4-FFF2-40B4-BE49-F238E27FC236}">
+                  <a16:creationId xmlns:a16="http://schemas.microsoft.com/office/drawing/2014/main" id="{F9A8DD6B-FDFC-15E3-2420-78C2338DD1B0}"/>
+                </a:ext>
+              </a:extLst>
+            </p:cNvPr>
+            <p:cNvGrpSpPr/>
+            <p:nvPr/>
+          </p:nvGrpSpPr>
+          <p:grpSpPr>
+            <a:xfrm>
+              <a:off x="4518776" y="2118478"/>
+              <a:ext cx="571500" cy="571500"/>
+              <a:chOff x="2621772" y="2161015"/>
+              <a:chExt cx="685800" cy="685800"/>
+            </a:xfrm>
+          </p:grpSpPr>
+          <p:sp>
+            <p:nvSpPr>
+              <p:cNvPr id="9" name="Oval 8">
+                <a:extLst>
+                  <a:ext uri="{FF2B5EF4-FFF2-40B4-BE49-F238E27FC236}">
+                    <a16:creationId xmlns:a16="http://schemas.microsoft.com/office/drawing/2014/main" id="{BFAFA907-8895-7D6D-CD07-0B43C86B4C2F}"/>
+                  </a:ext>
+                </a:extLst>
+              </p:cNvPr>
+              <p:cNvSpPr/>
+              <p:nvPr/>
+            </p:nvSpPr>
+            <p:spPr>
+              <a:xfrm>
+                <a:off x="2621772" y="2161015"/>
+                <a:ext cx="685800" cy="685800"/>
+              </a:xfrm>
+              <a:prstGeom prst="ellipse">
+                <a:avLst/>
+              </a:prstGeom>
+              <a:noFill/>
+              <a:ln w="28575">
+                <a:solidFill>
+                  <a:schemeClr val="tx1"/>
+                </a:solidFill>
+              </a:ln>
+            </p:spPr>
+            <p:style>
+              <a:lnRef idx="2">
+                <a:schemeClr val="accent1">
+                  <a:shade val="15000"/>
+                </a:schemeClr>
+              </a:lnRef>
+              <a:fillRef idx="1">
+                <a:schemeClr val="accent1"/>
+              </a:fillRef>
+              <a:effectRef idx="0">
+                <a:schemeClr val="accent1"/>
+              </a:effectRef>
+              <a:fontRef idx="minor">
+                <a:schemeClr val="lt1"/>
+              </a:fontRef>
+            </p:style>
+            <p:txBody>
+              <a:bodyPr rtlCol="0" anchor="ctr"/>
+              <a:lstStyle/>
+              <a:p>
+                <a:pPr algn="ctr"/>
+                <a:endParaRPr lang="en-GB" sz="2400"/>
+              </a:p>
+            </p:txBody>
+          </p:sp>
+          <p:cxnSp>
+            <p:nvCxnSpPr>
+              <p:cNvPr id="11" name="Straight Connector 10">
+                <a:extLst>
+                  <a:ext uri="{FF2B5EF4-FFF2-40B4-BE49-F238E27FC236}">
+                    <a16:creationId xmlns:a16="http://schemas.microsoft.com/office/drawing/2014/main" id="{877B933A-6F6E-E0D2-FB04-A2BED7E54E55}"/>
+                  </a:ext>
+                </a:extLst>
+              </p:cNvPr>
+              <p:cNvCxnSpPr>
+                <a:stCxn id="9" idx="0"/>
+                <a:endCxn id="9" idx="4"/>
+              </p:cNvCxnSpPr>
+              <p:nvPr/>
+            </p:nvCxnSpPr>
+            <p:spPr>
+              <a:xfrm>
+                <a:off x="2964672" y="2161015"/>
+                <a:ext cx="0" cy="685800"/>
+              </a:xfrm>
+              <a:prstGeom prst="line">
+                <a:avLst/>
+              </a:prstGeom>
+              <a:ln w="28575">
+                <a:solidFill>
+                  <a:schemeClr val="tx1"/>
+                </a:solidFill>
+              </a:ln>
+            </p:spPr>
+            <p:style>
+              <a:lnRef idx="1">
+                <a:schemeClr val="accent1"/>
+              </a:lnRef>
+              <a:fillRef idx="0">
+                <a:schemeClr val="accent1"/>
+              </a:fillRef>
+              <a:effectRef idx="0">
+                <a:schemeClr val="accent1"/>
+              </a:effectRef>
+              <a:fontRef idx="minor">
+                <a:schemeClr val="tx1"/>
+              </a:fontRef>
+            </p:style>
+          </p:cxnSp>
+          <p:cxnSp>
+            <p:nvCxnSpPr>
+              <p:cNvPr id="13" name="Straight Connector 12">
+                <a:extLst>
+                  <a:ext uri="{FF2B5EF4-FFF2-40B4-BE49-F238E27FC236}">
+                    <a16:creationId xmlns:a16="http://schemas.microsoft.com/office/drawing/2014/main" id="{7B774E09-2888-228A-A81E-8382538D14D1}"/>
+                  </a:ext>
+                </a:extLst>
+              </p:cNvPr>
+              <p:cNvCxnSpPr>
+                <a:stCxn id="9" idx="2"/>
+                <a:endCxn id="9" idx="6"/>
+              </p:cNvCxnSpPr>
+              <p:nvPr/>
+            </p:nvCxnSpPr>
+            <p:spPr>
+              <a:xfrm>
+                <a:off x="2621772" y="2503915"/>
+                <a:ext cx="685800" cy="0"/>
+              </a:xfrm>
+              <a:prstGeom prst="line">
+                <a:avLst/>
+              </a:prstGeom>
+              <a:ln w="28575">
+                <a:solidFill>
+                  <a:schemeClr val="tx1"/>
+                </a:solidFill>
+              </a:ln>
+            </p:spPr>
+            <p:style>
+              <a:lnRef idx="1">
+                <a:schemeClr val="accent1"/>
+              </a:lnRef>
+              <a:fillRef idx="0">
+                <a:schemeClr val="accent1"/>
+              </a:fillRef>
+              <a:effectRef idx="0">
+                <a:schemeClr val="accent1"/>
+              </a:effectRef>
+              <a:fontRef idx="minor">
+                <a:schemeClr val="tx1"/>
+              </a:fontRef>
+            </p:style>
+          </p:cxnSp>
+        </p:grpSp>
+        <p:cxnSp>
+          <p:nvCxnSpPr>
+            <p:cNvPr id="17" name="Straight Arrow Connector 16">
+              <a:extLst>
+                <a:ext uri="{FF2B5EF4-FFF2-40B4-BE49-F238E27FC236}">
+                  <a16:creationId xmlns:a16="http://schemas.microsoft.com/office/drawing/2014/main" id="{2E352140-6131-482D-2EF0-93FC1ED5C844}"/>
+                </a:ext>
+              </a:extLst>
+            </p:cNvPr>
+            <p:cNvCxnSpPr>
+              <a:cxnSpLocks/>
+              <a:stCxn id="9" idx="6"/>
+            </p:cNvCxnSpPr>
+            <p:nvPr/>
+          </p:nvCxnSpPr>
+          <p:spPr>
+            <a:xfrm flipV="1">
+              <a:off x="5090276" y="2396765"/>
+              <a:ext cx="296949" cy="7463"/>
+            </a:xfrm>
+            <a:prstGeom prst="straightConnector1">
+              <a:avLst/>
+            </a:prstGeom>
+            <a:ln w="28575">
+              <a:solidFill>
+                <a:schemeClr val="tx1"/>
+              </a:solidFill>
+              <a:headEnd w="lg" len="lg"/>
+              <a:tailEnd type="triangle" w="lg" len="lg"/>
+            </a:ln>
+          </p:spPr>
+          <p:style>
+            <a:lnRef idx="1">
+              <a:schemeClr val="accent1"/>
+            </a:lnRef>
+            <a:fillRef idx="0">
+              <a:schemeClr val="accent1"/>
+            </a:fillRef>
+            <a:effectRef idx="0">
+              <a:schemeClr val="accent1"/>
+            </a:effectRef>
+            <a:fontRef idx="minor">
+              <a:schemeClr val="tx1"/>
+            </a:fontRef>
+          </p:style>
+        </p:cxnSp>
+        <p:sp>
+          <p:nvSpPr>
+            <p:cNvPr id="20" name="TextBox 19">
+              <a:extLst>
+                <a:ext uri="{FF2B5EF4-FFF2-40B4-BE49-F238E27FC236}">
+                  <a16:creationId xmlns:a16="http://schemas.microsoft.com/office/drawing/2014/main" id="{1A021F97-5C00-C3D3-D38F-B07A6435D960}"/>
+                </a:ext>
+              </a:extLst>
+            </p:cNvPr>
+            <p:cNvSpPr txBox="1"/>
+            <p:nvPr/>
+          </p:nvSpPr>
+          <p:spPr>
+            <a:xfrm>
+              <a:off x="5387225" y="1544512"/>
+              <a:ext cx="1924050" cy="1235326"/>
+            </a:xfrm>
+            <a:prstGeom prst="roundRect">
+              <a:avLst/>
+            </a:prstGeom>
+            <a:noFill/>
+            <a:ln w="28575">
+              <a:solidFill>
+                <a:schemeClr val="tx1"/>
+              </a:solidFill>
+            </a:ln>
+          </p:spPr>
+          <p:txBody>
+            <a:bodyPr wrap="square" rtlCol="0" anchor="ctr" anchorCtr="1">
+              <a:normAutofit/>
+            </a:bodyPr>
+            <a:lstStyle/>
+            <a:p>
+              <a:pPr algn="ctr"/>
+              <a:r>
+                <a:rPr lang="en-US" altLang="zh-CN" sz="2400" dirty="0">
+                  <a:latin typeface="Arial" panose="020B0604020202020204" pitchFamily="34" charset="0"/>
+                  <a:cs typeface="Arial" panose="020B0604020202020204" pitchFamily="34" charset="0"/>
+                </a:rPr>
+                <a:t>Phase register</a:t>
+              </a:r>
+              <a:endParaRPr lang="en-GB" sz="2400" dirty="0">
+                <a:latin typeface="Arial" panose="020B0604020202020204" pitchFamily="34" charset="0"/>
+                <a:cs typeface="Arial" panose="020B0604020202020204" pitchFamily="34" charset="0"/>
+              </a:endParaRPr>
+            </a:p>
+          </p:txBody>
+        </p:sp>
+        <p:cxnSp>
+          <p:nvCxnSpPr>
+            <p:cNvPr id="23" name="Straight Connector 22">
+              <a:extLst>
+                <a:ext uri="{FF2B5EF4-FFF2-40B4-BE49-F238E27FC236}">
+                  <a16:creationId xmlns:a16="http://schemas.microsoft.com/office/drawing/2014/main" id="{F1587F81-33C6-6236-2BEB-7A733404007D}"/>
+                </a:ext>
+              </a:extLst>
+            </p:cNvPr>
+            <p:cNvCxnSpPr>
+              <a:cxnSpLocks/>
+            </p:cNvCxnSpPr>
+            <p:nvPr/>
+          </p:nvCxnSpPr>
+          <p:spPr>
+            <a:xfrm>
+              <a:off x="7442759" y="2162175"/>
+              <a:ext cx="0" cy="1408239"/>
+            </a:xfrm>
+            <a:prstGeom prst="line">
+              <a:avLst/>
+            </a:prstGeom>
+            <a:ln w="28575">
+              <a:solidFill>
+                <a:schemeClr val="tx1"/>
+              </a:solidFill>
+            </a:ln>
+          </p:spPr>
+          <p:style>
+            <a:lnRef idx="1">
+              <a:schemeClr val="accent1"/>
+            </a:lnRef>
+            <a:fillRef idx="0">
+              <a:schemeClr val="accent1"/>
+            </a:fillRef>
+            <a:effectRef idx="0">
+              <a:schemeClr val="accent1"/>
+            </a:effectRef>
+            <a:fontRef idx="minor">
+              <a:schemeClr val="tx1"/>
+            </a:fontRef>
+          </p:style>
+        </p:cxnSp>
+        <p:cxnSp>
+          <p:nvCxnSpPr>
+            <p:cNvPr id="26" name="Straight Arrow Connector 25">
+              <a:extLst>
+                <a:ext uri="{FF2B5EF4-FFF2-40B4-BE49-F238E27FC236}">
+                  <a16:creationId xmlns:a16="http://schemas.microsoft.com/office/drawing/2014/main" id="{627618DF-BB58-B357-5EF0-1A8442BD483B}"/>
+                </a:ext>
+              </a:extLst>
+            </p:cNvPr>
+            <p:cNvCxnSpPr>
+              <a:cxnSpLocks/>
+              <a:endCxn id="9" idx="4"/>
+            </p:cNvCxnSpPr>
+            <p:nvPr/>
+          </p:nvCxnSpPr>
+          <p:spPr>
+            <a:xfrm flipV="1">
+              <a:off x="4804526" y="2689978"/>
+              <a:ext cx="0" cy="880436"/>
+            </a:xfrm>
+            <a:prstGeom prst="straightConnector1">
+              <a:avLst/>
+            </a:prstGeom>
+            <a:ln w="28575">
+              <a:solidFill>
+                <a:schemeClr val="tx1"/>
+              </a:solidFill>
+              <a:headEnd w="lg" len="lg"/>
+              <a:tailEnd type="triangle" w="lg" len="lg"/>
+            </a:ln>
+          </p:spPr>
+          <p:style>
+            <a:lnRef idx="1">
+              <a:schemeClr val="accent1"/>
+            </a:lnRef>
+            <a:fillRef idx="0">
+              <a:schemeClr val="accent1"/>
+            </a:fillRef>
+            <a:effectRef idx="0">
+              <a:schemeClr val="accent1"/>
+            </a:effectRef>
+            <a:fontRef idx="minor">
+              <a:schemeClr val="tx1"/>
+            </a:fontRef>
+          </p:style>
+        </p:cxnSp>
+        <p:cxnSp>
+          <p:nvCxnSpPr>
+            <p:cNvPr id="30" name="Straight Arrow Connector 29">
+              <a:extLst>
+                <a:ext uri="{FF2B5EF4-FFF2-40B4-BE49-F238E27FC236}">
+                  <a16:creationId xmlns:a16="http://schemas.microsoft.com/office/drawing/2014/main" id="{DAC82090-6D0D-3F2A-1F29-334948922DB9}"/>
+                </a:ext>
+              </a:extLst>
+            </p:cNvPr>
+            <p:cNvCxnSpPr>
+              <a:cxnSpLocks/>
+            </p:cNvCxnSpPr>
+            <p:nvPr/>
+          </p:nvCxnSpPr>
+          <p:spPr>
+            <a:xfrm flipV="1">
+              <a:off x="895347" y="3657039"/>
+              <a:ext cx="1321913" cy="10085"/>
+            </a:xfrm>
+            <a:prstGeom prst="straightConnector1">
+              <a:avLst/>
+            </a:prstGeom>
+            <a:ln w="28575">
+              <a:solidFill>
+                <a:schemeClr val="tx1"/>
+              </a:solidFill>
+              <a:headEnd w="lg" len="lg"/>
+              <a:tailEnd type="triangle" w="lg" len="lg"/>
+            </a:ln>
+          </p:spPr>
+          <p:style>
+            <a:lnRef idx="1">
+              <a:schemeClr val="accent1"/>
+            </a:lnRef>
+            <a:fillRef idx="0">
+              <a:schemeClr val="accent1"/>
+            </a:fillRef>
+            <a:effectRef idx="0">
+              <a:schemeClr val="accent1"/>
+            </a:effectRef>
+            <a:fontRef idx="minor">
+              <a:schemeClr val="tx1"/>
+            </a:fontRef>
+          </p:style>
+        </p:cxnSp>
+        <p:sp>
+          <p:nvSpPr>
+            <p:cNvPr id="31" name="TextBox 30">
+              <a:extLst>
+                <a:ext uri="{FF2B5EF4-FFF2-40B4-BE49-F238E27FC236}">
+                  <a16:creationId xmlns:a16="http://schemas.microsoft.com/office/drawing/2014/main" id="{AB7108D2-6D52-87C1-A6A6-78404B48B974}"/>
+                </a:ext>
+              </a:extLst>
+            </p:cNvPr>
+            <p:cNvSpPr txBox="1"/>
+            <p:nvPr/>
+          </p:nvSpPr>
+          <p:spPr>
+            <a:xfrm>
+              <a:off x="895347" y="3190875"/>
+              <a:ext cx="1036164" cy="476249"/>
+            </a:xfrm>
+            <a:prstGeom prst="roundRect">
+              <a:avLst/>
+            </a:prstGeom>
+            <a:noFill/>
+            <a:ln w="28575">
+              <a:noFill/>
+            </a:ln>
+          </p:spPr>
+          <p:txBody>
+            <a:bodyPr wrap="square" rtlCol="0" anchor="ctr" anchorCtr="1">
+              <a:noAutofit/>
+            </a:bodyPr>
+            <a:lstStyle/>
+            <a:p>
+              <a:r>
+                <a:rPr lang="en-US" altLang="zh-CN" sz="2400" dirty="0">
+                  <a:latin typeface="Arial" panose="020B0604020202020204" pitchFamily="34" charset="0"/>
+                  <a:cs typeface="Arial" panose="020B0604020202020204" pitchFamily="34" charset="0"/>
+                </a:rPr>
+                <a:t>FSW*</a:t>
+              </a:r>
+              <a:endParaRPr lang="en-GB" sz="2400" dirty="0">
+                <a:latin typeface="Arial" panose="020B0604020202020204" pitchFamily="34" charset="0"/>
+                <a:cs typeface="Arial" panose="020B0604020202020204" pitchFamily="34" charset="0"/>
+              </a:endParaRPr>
+            </a:p>
+          </p:txBody>
+        </p:sp>
+        <p:cxnSp>
+          <p:nvCxnSpPr>
+            <p:cNvPr id="33" name="Straight Arrow Connector 32">
+              <a:extLst>
+                <a:ext uri="{FF2B5EF4-FFF2-40B4-BE49-F238E27FC236}">
+                  <a16:creationId xmlns:a16="http://schemas.microsoft.com/office/drawing/2014/main" id="{3AA7E508-4E97-4DA2-7019-5159EE4DA8E7}"/>
+                </a:ext>
+              </a:extLst>
+            </p:cNvPr>
+            <p:cNvCxnSpPr>
+              <a:cxnSpLocks/>
+            </p:cNvCxnSpPr>
+            <p:nvPr/>
+          </p:nvCxnSpPr>
+          <p:spPr>
+            <a:xfrm>
+              <a:off x="7311275" y="2162175"/>
+              <a:ext cx="704850" cy="0"/>
+            </a:xfrm>
+            <a:prstGeom prst="straightConnector1">
+              <a:avLst/>
+            </a:prstGeom>
+            <a:ln w="28575">
+              <a:solidFill>
+                <a:schemeClr val="tx1"/>
+              </a:solidFill>
+              <a:headEnd w="lg" len="lg"/>
+              <a:tailEnd type="triangle" w="lg" len="lg"/>
+            </a:ln>
+          </p:spPr>
+          <p:style>
+            <a:lnRef idx="1">
+              <a:schemeClr val="accent1"/>
+            </a:lnRef>
+            <a:fillRef idx="0">
+              <a:schemeClr val="accent1"/>
+            </a:fillRef>
+            <a:effectRef idx="0">
+              <a:schemeClr val="accent1"/>
+            </a:effectRef>
+            <a:fontRef idx="minor">
+              <a:schemeClr val="tx1"/>
+            </a:fontRef>
+          </p:style>
+        </p:cxnSp>
+        <p:sp>
+          <p:nvSpPr>
+            <p:cNvPr id="35" name="TextBox 34">
+              <a:extLst>
+                <a:ext uri="{FF2B5EF4-FFF2-40B4-BE49-F238E27FC236}">
+                  <a16:creationId xmlns:a16="http://schemas.microsoft.com/office/drawing/2014/main" id="{9924849D-C3F1-8D8A-EDC4-3339259E1543}"/>
+                </a:ext>
+              </a:extLst>
+            </p:cNvPr>
+            <p:cNvSpPr txBox="1"/>
+            <p:nvPr/>
+          </p:nvSpPr>
+          <p:spPr>
+            <a:xfrm>
+              <a:off x="8016125" y="1544512"/>
+              <a:ext cx="1781175" cy="1235326"/>
+            </a:xfrm>
+            <a:prstGeom prst="roundRect">
+              <a:avLst/>
+            </a:prstGeom>
+            <a:noFill/>
+            <a:ln w="28575">
+              <a:solidFill>
+                <a:schemeClr val="tx1"/>
+              </a:solidFill>
+              <a:prstDash val="dash"/>
+            </a:ln>
+          </p:spPr>
+          <p:txBody>
+            <a:bodyPr wrap="square" rtlCol="0" anchor="ctr" anchorCtr="1">
+              <a:normAutofit/>
+            </a:bodyPr>
+            <a:lstStyle/>
+            <a:p>
+              <a:pPr algn="ctr"/>
+              <a:r>
+                <a:rPr lang="en-US" altLang="zh-CN" sz="2400" dirty="0">
+                  <a:latin typeface="Arial" panose="020B0604020202020204" pitchFamily="34" charset="0"/>
+                  <a:cs typeface="Arial" panose="020B0604020202020204" pitchFamily="34" charset="0"/>
+                </a:rPr>
+                <a:t>Look-up table</a:t>
+              </a:r>
+              <a:endParaRPr lang="en-GB" sz="2400" dirty="0">
+                <a:latin typeface="Arial" panose="020B0604020202020204" pitchFamily="34" charset="0"/>
+                <a:cs typeface="Arial" panose="020B0604020202020204" pitchFamily="34" charset="0"/>
+              </a:endParaRPr>
+            </a:p>
+          </p:txBody>
+        </p:sp>
+        <p:cxnSp>
+          <p:nvCxnSpPr>
+            <p:cNvPr id="38" name="Straight Arrow Connector 37">
+              <a:extLst>
+                <a:ext uri="{FF2B5EF4-FFF2-40B4-BE49-F238E27FC236}">
+                  <a16:creationId xmlns:a16="http://schemas.microsoft.com/office/drawing/2014/main" id="{5BE3F574-84A6-C4FC-26E7-4BCAB7409FBB}"/>
+                </a:ext>
+              </a:extLst>
+            </p:cNvPr>
+            <p:cNvCxnSpPr>
+              <a:cxnSpLocks/>
+            </p:cNvCxnSpPr>
+            <p:nvPr/>
+          </p:nvCxnSpPr>
+          <p:spPr>
+            <a:xfrm>
+              <a:off x="9797300" y="2162175"/>
+              <a:ext cx="1685925" cy="0"/>
+            </a:xfrm>
+            <a:prstGeom prst="straightConnector1">
+              <a:avLst/>
+            </a:prstGeom>
+            <a:ln w="28575">
+              <a:solidFill>
+                <a:schemeClr val="tx1"/>
+              </a:solidFill>
+              <a:headEnd w="lg" len="lg"/>
+              <a:tailEnd type="triangle" w="lg" len="lg"/>
+            </a:ln>
+          </p:spPr>
+          <p:style>
+            <a:lnRef idx="1">
+              <a:schemeClr val="accent1"/>
+            </a:lnRef>
+            <a:fillRef idx="0">
+              <a:schemeClr val="accent1"/>
+            </a:fillRef>
+            <a:effectRef idx="0">
+              <a:schemeClr val="accent1"/>
+            </a:effectRef>
+            <a:fontRef idx="minor">
+              <a:schemeClr val="tx1"/>
+            </a:fontRef>
+          </p:style>
+        </p:cxnSp>
+        <p:sp>
+          <p:nvSpPr>
+            <p:cNvPr id="40" name="TextBox 39">
+              <a:extLst>
+                <a:ext uri="{FF2B5EF4-FFF2-40B4-BE49-F238E27FC236}">
+                  <a16:creationId xmlns:a16="http://schemas.microsoft.com/office/drawing/2014/main" id="{C03F29F2-6EA3-6D1F-AB27-CB438E7FEBD9}"/>
+                </a:ext>
+              </a:extLst>
+            </p:cNvPr>
+            <p:cNvSpPr txBox="1"/>
+            <p:nvPr/>
+          </p:nvSpPr>
+          <p:spPr>
+            <a:xfrm>
+              <a:off x="10149725" y="2143125"/>
+              <a:ext cx="1924050" cy="895350"/>
+            </a:xfrm>
+            <a:prstGeom prst="roundRect">
+              <a:avLst/>
+            </a:prstGeom>
+            <a:noFill/>
+            <a:ln w="28575">
+              <a:noFill/>
+            </a:ln>
+          </p:spPr>
+          <p:txBody>
+            <a:bodyPr wrap="square" rtlCol="0" anchor="ctr" anchorCtr="1">
+              <a:noAutofit/>
+            </a:bodyPr>
+            <a:lstStyle/>
+            <a:p>
+              <a:pPr algn="ctr"/>
+              <a:r>
+                <a:rPr lang="en-US" altLang="zh-CN" sz="2400" dirty="0">
+                  <a:latin typeface="Arial" panose="020B0604020202020204" pitchFamily="34" charset="0"/>
+                  <a:cs typeface="Arial" panose="020B0604020202020204" pitchFamily="34" charset="0"/>
+                </a:rPr>
+                <a:t>Output Sine/Cosine</a:t>
+              </a:r>
+              <a:endParaRPr lang="en-GB" sz="2400" dirty="0">
+                <a:latin typeface="Arial" panose="020B0604020202020204" pitchFamily="34" charset="0"/>
+                <a:cs typeface="Arial" panose="020B0604020202020204" pitchFamily="34" charset="0"/>
+              </a:endParaRPr>
+            </a:p>
+          </p:txBody>
+        </p:sp>
+        <p:cxnSp>
+          <p:nvCxnSpPr>
+            <p:cNvPr id="2" name="Straight Arrow Connector 1">
+              <a:extLst>
+                <a:ext uri="{FF2B5EF4-FFF2-40B4-BE49-F238E27FC236}">
+                  <a16:creationId xmlns:a16="http://schemas.microsoft.com/office/drawing/2014/main" id="{23F59241-4C19-C8A8-BC27-775930AF7DA8}"/>
+                </a:ext>
+              </a:extLst>
+            </p:cNvPr>
+            <p:cNvCxnSpPr>
+              <a:cxnSpLocks/>
+            </p:cNvCxnSpPr>
+            <p:nvPr/>
+          </p:nvCxnSpPr>
+          <p:spPr>
+            <a:xfrm>
+              <a:off x="961534" y="1953233"/>
+              <a:ext cx="4425691" cy="80"/>
+            </a:xfrm>
+            <a:prstGeom prst="straightConnector1">
+              <a:avLst/>
+            </a:prstGeom>
+            <a:ln w="28575">
+              <a:solidFill>
+                <a:schemeClr val="tx1"/>
+              </a:solidFill>
+              <a:headEnd w="lg" len="lg"/>
+              <a:tailEnd type="triangle" w="lg" len="lg"/>
+            </a:ln>
+          </p:spPr>
+          <p:style>
+            <a:lnRef idx="1">
+              <a:schemeClr val="accent1"/>
+            </a:lnRef>
+            <a:fillRef idx="0">
+              <a:schemeClr val="accent1"/>
+            </a:fillRef>
+            <a:effectRef idx="0">
+              <a:schemeClr val="accent1"/>
+            </a:effectRef>
+            <a:fontRef idx="minor">
+              <a:schemeClr val="tx1"/>
+            </a:fontRef>
+          </p:style>
+        </p:cxnSp>
+        <p:sp>
+          <p:nvSpPr>
+            <p:cNvPr id="4" name="TextBox 3">
+              <a:extLst>
+                <a:ext uri="{FF2B5EF4-FFF2-40B4-BE49-F238E27FC236}">
+                  <a16:creationId xmlns:a16="http://schemas.microsoft.com/office/drawing/2014/main" id="{DA1A8C21-B571-2E02-C4EA-5725E83CA028}"/>
+                </a:ext>
+              </a:extLst>
+            </p:cNvPr>
+            <p:cNvSpPr txBox="1"/>
+            <p:nvPr/>
+          </p:nvSpPr>
+          <p:spPr>
+            <a:xfrm>
+              <a:off x="895347" y="1541568"/>
+              <a:ext cx="1036164" cy="476249"/>
+            </a:xfrm>
+            <a:prstGeom prst="roundRect">
+              <a:avLst/>
+            </a:prstGeom>
+            <a:noFill/>
+            <a:ln w="28575">
+              <a:noFill/>
+            </a:ln>
+          </p:spPr>
+          <p:txBody>
+            <a:bodyPr wrap="square" rtlCol="0" anchor="ctr" anchorCtr="1">
+              <a:noAutofit/>
+            </a:bodyPr>
+            <a:lstStyle/>
+            <a:p>
+              <a:r>
+                <a:rPr lang="en-US" altLang="zh-CN" sz="2400" dirty="0">
+                  <a:latin typeface="Arial" panose="020B0604020202020204" pitchFamily="34" charset="0"/>
+                  <a:cs typeface="Arial" panose="020B0604020202020204" pitchFamily="34" charset="0"/>
+                </a:rPr>
+                <a:t>Clock</a:t>
+              </a:r>
+              <a:endParaRPr lang="en-GB" sz="2400" dirty="0">
+                <a:latin typeface="Arial" panose="020B0604020202020204" pitchFamily="34" charset="0"/>
+                <a:cs typeface="Arial" panose="020B0604020202020204" pitchFamily="34" charset="0"/>
+              </a:endParaRPr>
+            </a:p>
+          </p:txBody>
+        </p:sp>
+        <p:cxnSp>
+          <p:nvCxnSpPr>
+            <p:cNvPr id="10" name="Straight Connector 9">
+              <a:extLst>
+                <a:ext uri="{FF2B5EF4-FFF2-40B4-BE49-F238E27FC236}">
+                  <a16:creationId xmlns:a16="http://schemas.microsoft.com/office/drawing/2014/main" id="{2D79EC68-4294-481D-C142-D4570656FCBA}"/>
+                </a:ext>
+              </a:extLst>
+            </p:cNvPr>
+            <p:cNvCxnSpPr>
+              <a:cxnSpLocks/>
+            </p:cNvCxnSpPr>
+            <p:nvPr/>
+          </p:nvCxnSpPr>
+          <p:spPr>
+            <a:xfrm>
+              <a:off x="3027672" y="2404228"/>
+              <a:ext cx="0" cy="613729"/>
+            </a:xfrm>
+            <a:prstGeom prst="line">
+              <a:avLst/>
+            </a:prstGeom>
+            <a:ln w="28575">
+              <a:solidFill>
+                <a:schemeClr val="tx1"/>
+              </a:solidFill>
+            </a:ln>
+          </p:spPr>
+          <p:style>
+            <a:lnRef idx="1">
+              <a:schemeClr val="accent1"/>
+            </a:lnRef>
+            <a:fillRef idx="0">
+              <a:schemeClr val="accent1"/>
+            </a:fillRef>
+            <a:effectRef idx="0">
+              <a:schemeClr val="accent1"/>
+            </a:effectRef>
+            <a:fontRef idx="minor">
+              <a:schemeClr val="tx1"/>
+            </a:fontRef>
+          </p:style>
+        </p:cxnSp>
+        <p:cxnSp>
+          <p:nvCxnSpPr>
+            <p:cNvPr id="15" name="Straight Arrow Connector 14">
+              <a:extLst>
+                <a:ext uri="{FF2B5EF4-FFF2-40B4-BE49-F238E27FC236}">
+                  <a16:creationId xmlns:a16="http://schemas.microsoft.com/office/drawing/2014/main" id="{E914D319-2027-3780-B327-ED49DE0C092B}"/>
+                </a:ext>
+              </a:extLst>
+            </p:cNvPr>
+            <p:cNvCxnSpPr>
+              <a:cxnSpLocks/>
+            </p:cNvCxnSpPr>
+            <p:nvPr/>
+          </p:nvCxnSpPr>
+          <p:spPr>
+            <a:xfrm>
+              <a:off x="3027672" y="2396765"/>
+              <a:ext cx="1491104" cy="0"/>
+            </a:xfrm>
+            <a:prstGeom prst="straightConnector1">
+              <a:avLst/>
+            </a:prstGeom>
+            <a:ln w="28575">
+              <a:solidFill>
+                <a:schemeClr val="tx1"/>
+              </a:solidFill>
+              <a:headEnd w="lg" len="lg"/>
+              <a:tailEnd type="triangle" w="lg" len="lg"/>
+            </a:ln>
+          </p:spPr>
+          <p:style>
+            <a:lnRef idx="1">
+              <a:schemeClr val="accent1"/>
+            </a:lnRef>
+            <a:fillRef idx="0">
+              <a:schemeClr val="accent1"/>
+            </a:fillRef>
+            <a:effectRef idx="0">
+              <a:schemeClr val="accent1"/>
+            </a:effectRef>
+            <a:fontRef idx="minor">
+              <a:schemeClr val="tx1"/>
+            </a:fontRef>
+          </p:style>
+        </p:cxnSp>
+        <p:cxnSp>
+          <p:nvCxnSpPr>
+            <p:cNvPr id="34" name="Straight Connector 33">
+              <a:extLst>
+                <a:ext uri="{FF2B5EF4-FFF2-40B4-BE49-F238E27FC236}">
+                  <a16:creationId xmlns:a16="http://schemas.microsoft.com/office/drawing/2014/main" id="{87B71871-D2EC-166D-0680-D56AA49F09E8}"/>
+                </a:ext>
+              </a:extLst>
+            </p:cNvPr>
+            <p:cNvCxnSpPr>
+              <a:cxnSpLocks/>
+            </p:cNvCxnSpPr>
+            <p:nvPr/>
+          </p:nvCxnSpPr>
+          <p:spPr>
+            <a:xfrm>
+              <a:off x="4804526" y="3570414"/>
+              <a:ext cx="2638233" cy="0"/>
+            </a:xfrm>
+            <a:prstGeom prst="line">
+              <a:avLst/>
+            </a:prstGeom>
+            <a:ln w="28575">
+              <a:solidFill>
+                <a:schemeClr val="tx1"/>
+              </a:solidFill>
+            </a:ln>
+          </p:spPr>
+          <p:style>
+            <a:lnRef idx="1">
+              <a:schemeClr val="accent1"/>
+            </a:lnRef>
+            <a:fillRef idx="0">
+              <a:schemeClr val="accent1"/>
+            </a:fillRef>
+            <a:effectRef idx="0">
+              <a:schemeClr val="accent1"/>
+            </a:effectRef>
+            <a:fontRef idx="minor">
+              <a:schemeClr val="tx1"/>
+            </a:fontRef>
+          </p:style>
+        </p:cxnSp>
+        <p:sp>
+          <p:nvSpPr>
+            <p:cNvPr id="43" name="Oval 42">
+              <a:extLst>
+                <a:ext uri="{FF2B5EF4-FFF2-40B4-BE49-F238E27FC236}">
+                  <a16:creationId xmlns:a16="http://schemas.microsoft.com/office/drawing/2014/main" id="{0AD9A67B-E148-D84C-98F1-0E907E1C1C0C}"/>
+                </a:ext>
+              </a:extLst>
+            </p:cNvPr>
+            <p:cNvSpPr/>
+            <p:nvPr/>
+          </p:nvSpPr>
+          <p:spPr>
+            <a:xfrm>
+              <a:off x="7404659" y="2115040"/>
+              <a:ext cx="94268" cy="94268"/>
+            </a:xfrm>
+            <a:prstGeom prst="ellipse">
+              <a:avLst/>
+            </a:prstGeom>
+          </p:spPr>
+          <p:style>
+            <a:lnRef idx="2">
+              <a:schemeClr val="dk1">
+                <a:shade val="15000"/>
+              </a:schemeClr>
+            </a:lnRef>
+            <a:fillRef idx="1">
+              <a:schemeClr val="dk1"/>
+            </a:fillRef>
+            <a:effectRef idx="0">
+              <a:schemeClr val="dk1"/>
+            </a:effectRef>
+            <a:fontRef idx="minor">
+              <a:schemeClr val="lt1"/>
+            </a:fontRef>
+          </p:style>
+          <p:txBody>
+            <a:bodyPr rtlCol="0" anchor="ctr"/>
+            <a:lstStyle/>
+            <a:p>
+              <a:pPr algn="ctr"/>
+              <a:endParaRPr lang="en-GB"/>
+            </a:p>
+          </p:txBody>
+        </p:sp>
+      </p:grpSp>
+    </p:spTree>
+    <p:extLst>
+      <p:ext uri="{BB962C8B-B14F-4D97-AF65-F5344CB8AC3E}">
+        <p14:creationId xmlns:p14="http://schemas.microsoft.com/office/powerpoint/2010/main" val="1618399317"/>
+      </p:ext>
+    </p:extLst>
+  </p:cSld>
+  <p:clrMapOvr>
+    <a:masterClrMapping/>
+  </p:clrMapOvr>
+</p:sld>
+</file>
+
+<file path=ppt/slides/slide4.xml><?xml version="1.0" encoding="utf-8"?>
+<p:sld xmlns:a="http://schemas.openxmlformats.org/drawingml/2006/main" xmlns:r="http://schemas.openxmlformats.org/officeDocument/2006/relationships" xmlns:p="http://schemas.openxmlformats.org/presentationml/2006/main">
+  <p:cSld>
+    <p:spTree>
+      <p:nvGrpSpPr>
+        <p:cNvPr id="1" name=""/>
+        <p:cNvGrpSpPr/>
+        <p:nvPr/>
+      </p:nvGrpSpPr>
+      <p:grpSpPr>
+        <a:xfrm>
+          <a:off x="0" y="0"/>
+          <a:ext cx="0" cy="0"/>
+          <a:chOff x="0" y="0"/>
+          <a:chExt cx="0" cy="0"/>
+        </a:xfrm>
+      </p:grpSpPr>
+      <p:grpSp>
+        <p:nvGrpSpPr>
+          <p:cNvPr id="99" name="Group 98">
+            <a:extLst>
+              <a:ext uri="{FF2B5EF4-FFF2-40B4-BE49-F238E27FC236}">
+                <a16:creationId xmlns:a16="http://schemas.microsoft.com/office/drawing/2014/main" id="{C91C201F-6A74-F585-2725-F493EA207B36}"/>
               </a:ext>
             </a:extLst>
           </p:cNvPr>
@@ -6814,9 +9942,9 @@
         <p:grpSpPr>
           <a:xfrm>
             <a:off x="424133" y="507812"/>
-            <a:ext cx="11258692" cy="5866795"/>
-            <a:chOff x="415255" y="933956"/>
-            <a:chExt cx="11258692" cy="5866795"/>
+            <a:ext cx="11214242" cy="5872431"/>
+            <a:chOff x="424133" y="507812"/>
+            <a:chExt cx="11214242" cy="5872431"/>
           </a:xfrm>
         </p:grpSpPr>
         <p:grpSp>
@@ -6833,7 +9961,7 @@
           </p:nvGrpSpPr>
           <p:grpSpPr>
             <a:xfrm>
-              <a:off x="1225925" y="2574346"/>
+              <a:off x="1234803" y="2148202"/>
               <a:ext cx="691116" cy="637954"/>
               <a:chOff x="1403498" y="1679944"/>
               <a:chExt cx="691116" cy="637954"/>
@@ -6999,7 +10127,7 @@
           </p:nvCxnSpPr>
           <p:spPr>
             <a:xfrm flipV="1">
-              <a:off x="415255" y="2893323"/>
+              <a:off x="424133" y="2467179"/>
               <a:ext cx="810670" cy="1"/>
             </a:xfrm>
             <a:prstGeom prst="straightConnector1">
@@ -7043,7 +10171,7 @@
               </p:nvSpPr>
               <p:spPr>
                 <a:xfrm>
-                  <a:off x="1541413" y="3427083"/>
+                  <a:off x="1550291" y="3000939"/>
                   <a:ext cx="2445733" cy="404983"/>
                 </a:xfrm>
                 <a:prstGeom prst="rect">
@@ -7225,7 +10353,7 @@
               </p:nvSpPr>
               <p:spPr>
                 <a:xfrm>
-                  <a:off x="1541413" y="3427083"/>
+                  <a:off x="1550291" y="3000939"/>
                   <a:ext cx="2445733" cy="404983"/>
                 </a:xfrm>
                 <a:prstGeom prst="rect">
@@ -7234,7 +10362,7 @@
                 <a:blipFill>
                   <a:blip r:embed="rId2"/>
                   <a:stretch>
-                    <a:fillRect r="-5486" b="-2985"/>
+                    <a:fillRect r="-5473" b="-2985"/>
                   </a:stretch>
                 </a:blipFill>
               </p:spPr>
@@ -7269,7 +10397,7 @@
           </p:nvCxnSpPr>
           <p:spPr>
             <a:xfrm flipV="1">
-              <a:off x="1571483" y="3212300"/>
+              <a:off x="1580361" y="2786156"/>
               <a:ext cx="0" cy="429567"/>
             </a:xfrm>
             <a:prstGeom prst="straightConnector1">
@@ -7311,7 +10439,7 @@
           </p:nvGrpSpPr>
           <p:grpSpPr>
             <a:xfrm>
-              <a:off x="1225925" y="4499384"/>
+              <a:off x="1234803" y="4073240"/>
               <a:ext cx="691116" cy="637954"/>
               <a:chOff x="1403498" y="1679944"/>
               <a:chExt cx="691116" cy="637954"/>
@@ -7476,7 +10604,7 @@
           </p:nvCxnSpPr>
           <p:spPr>
             <a:xfrm>
-              <a:off x="851387" y="4818361"/>
+              <a:off x="860265" y="4392217"/>
               <a:ext cx="391430" cy="0"/>
             </a:xfrm>
             <a:prstGeom prst="straightConnector1">
@@ -7520,7 +10648,7 @@
           </p:nvCxnSpPr>
           <p:spPr>
             <a:xfrm flipV="1">
-              <a:off x="851387" y="2893324"/>
+              <a:off x="860265" y="2467180"/>
               <a:ext cx="0" cy="1915794"/>
             </a:xfrm>
             <a:prstGeom prst="line">
@@ -7564,7 +10692,7 @@
           </p:nvCxnSpPr>
           <p:spPr>
             <a:xfrm>
-              <a:off x="1571483" y="4104949"/>
+              <a:off x="1580361" y="3678805"/>
               <a:ext cx="0" cy="394435"/>
             </a:xfrm>
             <a:prstGeom prst="straightConnector1">
@@ -7608,7 +10736,7 @@
               </p:nvSpPr>
               <p:spPr>
                 <a:xfrm>
-                  <a:off x="1391641" y="3758765"/>
+                  <a:off x="1400519" y="3332621"/>
                   <a:ext cx="2595646" cy="404983"/>
                 </a:xfrm>
                 <a:prstGeom prst="rect">
@@ -7797,7 +10925,7 @@
               </p:nvSpPr>
               <p:spPr>
                 <a:xfrm>
-                  <a:off x="1391641" y="3758765"/>
+                  <a:off x="1400519" y="3332621"/>
                   <a:ext cx="2595646" cy="404983"/>
                 </a:xfrm>
                 <a:prstGeom prst="rect">
@@ -7806,7 +10934,7 @@
                 <a:blipFill>
                   <a:blip r:embed="rId3"/>
                   <a:stretch>
-                    <a:fillRect r="-5399" b="-3030"/>
+                    <a:fillRect r="-5164" b="-3030"/>
                   </a:stretch>
                 </a:blipFill>
               </p:spPr>
@@ -7839,7 +10967,7 @@
           </p:nvSpPr>
           <p:spPr>
             <a:xfrm>
-              <a:off x="2804689" y="4329765"/>
+              <a:off x="2813567" y="3903621"/>
               <a:ext cx="1168528" cy="359139"/>
             </a:xfrm>
             <a:custGeom>
@@ -7917,7 +11045,7 @@
           </p:nvGrpSpPr>
           <p:grpSpPr>
             <a:xfrm>
-              <a:off x="4181429" y="2574346"/>
+              <a:off x="4190307" y="2148202"/>
               <a:ext cx="691116" cy="637954"/>
               <a:chOff x="1403498" y="1679944"/>
               <a:chExt cx="691116" cy="637954"/>
@@ -8084,7 +11212,7 @@
           </p:nvCxnSpPr>
           <p:spPr>
             <a:xfrm>
-              <a:off x="1917041" y="2893323"/>
+              <a:off x="1925919" y="2467179"/>
               <a:ext cx="2264388" cy="0"/>
             </a:xfrm>
             <a:prstGeom prst="straightConnector1">
@@ -8130,7 +11258,7 @@
           </p:nvCxnSpPr>
           <p:spPr>
             <a:xfrm flipH="1" flipV="1">
-              <a:off x="4526987" y="3212300"/>
+              <a:off x="4535865" y="2786156"/>
               <a:ext cx="16143" cy="477747"/>
             </a:xfrm>
             <a:prstGeom prst="straightConnector1">
@@ -8172,7 +11300,7 @@
           </p:nvGrpSpPr>
           <p:grpSpPr>
             <a:xfrm>
-              <a:off x="4197572" y="4506334"/>
+              <a:off x="4206450" y="4080190"/>
               <a:ext cx="691116" cy="637954"/>
               <a:chOff x="1403498" y="1679944"/>
               <a:chExt cx="691116" cy="637954"/>
@@ -8339,7 +11467,7 @@
           </p:nvCxnSpPr>
           <p:spPr>
             <a:xfrm>
-              <a:off x="1917041" y="4818361"/>
+              <a:off x="1925919" y="4392217"/>
               <a:ext cx="2280531" cy="6950"/>
             </a:xfrm>
             <a:prstGeom prst="straightConnector1">
@@ -8384,7 +11512,7 @@
           </p:nvCxnSpPr>
           <p:spPr>
             <a:xfrm>
-              <a:off x="4543130" y="4104949"/>
+              <a:off x="4552008" y="3678805"/>
               <a:ext cx="0" cy="401385"/>
             </a:xfrm>
             <a:prstGeom prst="straightConnector1">
@@ -8423,13 +11551,12 @@
             </p:cNvPr>
             <p:cNvCxnSpPr>
               <a:stCxn id="22" idx="6"/>
-              <a:endCxn id="37" idx="1"/>
             </p:cNvCxnSpPr>
             <p:nvPr/>
           </p:nvCxnSpPr>
           <p:spPr>
             <a:xfrm flipV="1">
-              <a:off x="4872545" y="2877131"/>
+              <a:off x="4881423" y="2450987"/>
               <a:ext cx="3767642" cy="16192"/>
             </a:xfrm>
             <a:prstGeom prst="straightConnector1">
@@ -8473,7 +11600,7 @@
               </p:nvSpPr>
               <p:spPr>
                 <a:xfrm>
-                  <a:off x="4018274" y="3690047"/>
+                  <a:off x="4027152" y="3263903"/>
                   <a:ext cx="1049711" cy="369332"/>
                 </a:xfrm>
                 <a:prstGeom prst="rect">
@@ -8566,7 +11693,7 @@
               </p:nvSpPr>
               <p:spPr>
                 <a:xfrm>
-                  <a:off x="4018274" y="3690047"/>
+                  <a:off x="4027152" y="3263903"/>
                   <a:ext cx="1049711" cy="369332"/>
                 </a:xfrm>
                 <a:prstGeom prst="rect">
@@ -8575,7 +11702,7 @@
                 <a:blipFill>
                   <a:blip r:embed="rId4"/>
                   <a:stretch>
-                    <a:fillRect t="-6557" r="-12209"/>
+                    <a:fillRect t="-6557" r="-11628"/>
                   </a:stretch>
                 </a:blipFill>
               </p:spPr>
@@ -8608,7 +11735,7 @@
           </p:nvGrpSpPr>
           <p:grpSpPr>
             <a:xfrm>
-              <a:off x="8640187" y="2527880"/>
+              <a:off x="8649065" y="2101736"/>
               <a:ext cx="1271655" cy="698501"/>
               <a:chOff x="4190143" y="2236033"/>
               <a:chExt cx="2205776" cy="1275906"/>
@@ -8769,7 +11896,7 @@
           </mc:AlternateContent>
           <p:sp>
             <p:nvSpPr>
-              <p:cNvPr id="37" name="Rectangle 36">
+              <p:cNvPr id="37" name="Rectangle: Rounded Corners 36">
                 <a:extLst>
                   <a:ext uri="{FF2B5EF4-FFF2-40B4-BE49-F238E27FC236}">
                     <a16:creationId xmlns:a16="http://schemas.microsoft.com/office/drawing/2014/main" id="{3FFDF269-83C8-BDAF-0292-4C9417658D84}"/>
@@ -8784,7 +11911,7 @@
                 <a:off x="4190143" y="2236033"/>
                 <a:ext cx="2205776" cy="1275906"/>
               </a:xfrm>
-              <a:prstGeom prst="rect">
+              <a:prstGeom prst="roundRect">
                 <a:avLst/>
               </a:prstGeom>
               <a:noFill/>
@@ -8838,7 +11965,7 @@
           </p:nvCxnSpPr>
           <p:spPr>
             <a:xfrm>
-              <a:off x="9928839" y="2901260"/>
+              <a:off x="9937717" y="2475116"/>
               <a:ext cx="782962" cy="0"/>
             </a:xfrm>
             <a:prstGeom prst="straightConnector1">
@@ -8880,7 +12007,7 @@
           </p:nvGrpSpPr>
           <p:grpSpPr>
             <a:xfrm>
-              <a:off x="5438869" y="1769227"/>
+              <a:off x="5447747" y="1343083"/>
               <a:ext cx="691116" cy="637954"/>
               <a:chOff x="1403498" y="1679944"/>
               <a:chExt cx="691116" cy="637954"/>
@@ -9040,13 +12167,12 @@
             </p:cNvPr>
             <p:cNvCxnSpPr>
               <a:stCxn id="40" idx="6"/>
-              <a:endCxn id="46" idx="1"/>
             </p:cNvCxnSpPr>
             <p:nvPr/>
           </p:nvCxnSpPr>
           <p:spPr>
             <a:xfrm flipV="1">
-              <a:off x="6129985" y="2079059"/>
+              <a:off x="6138863" y="1652915"/>
               <a:ext cx="2510202" cy="9145"/>
             </a:xfrm>
             <a:prstGeom prst="straightConnector1">
@@ -9088,7 +12214,7 @@
           </p:nvGrpSpPr>
           <p:grpSpPr>
             <a:xfrm>
-              <a:off x="8640187" y="1729808"/>
+              <a:off x="8649065" y="1303664"/>
               <a:ext cx="1271655" cy="698501"/>
               <a:chOff x="4190143" y="2236033"/>
               <a:chExt cx="2205776" cy="1275906"/>
@@ -9249,7 +12375,7 @@
           </mc:AlternateContent>
           <p:sp>
             <p:nvSpPr>
-              <p:cNvPr id="46" name="Rectangle 45">
+              <p:cNvPr id="46" name="Rectangle: Rounded Corners 45">
                 <a:extLst>
                   <a:ext uri="{FF2B5EF4-FFF2-40B4-BE49-F238E27FC236}">
                     <a16:creationId xmlns:a16="http://schemas.microsoft.com/office/drawing/2014/main" id="{05541802-DAFE-74BF-C160-FF1AAC3B92F0}"/>
@@ -9264,7 +12390,7 @@
                 <a:off x="4190143" y="2236033"/>
                 <a:ext cx="2205776" cy="1275906"/>
               </a:xfrm>
-              <a:prstGeom prst="rect">
+              <a:prstGeom prst="roundRect">
                 <a:avLst/>
               </a:prstGeom>
               <a:noFill/>
@@ -9318,7 +12444,7 @@
           </p:nvCxnSpPr>
           <p:spPr>
             <a:xfrm>
-              <a:off x="9928839" y="2079059"/>
+              <a:off x="9937717" y="1652915"/>
               <a:ext cx="782962" cy="0"/>
             </a:xfrm>
             <a:prstGeom prst="straightConnector1">
@@ -9360,7 +12486,7 @@
           </p:nvGrpSpPr>
           <p:grpSpPr>
             <a:xfrm>
-              <a:off x="6908220" y="943456"/>
+              <a:off x="6917098" y="517312"/>
               <a:ext cx="691116" cy="637954"/>
               <a:chOff x="1403498" y="1679944"/>
               <a:chExt cx="691116" cy="637954"/>
@@ -9520,13 +12646,12 @@
             </p:cNvPr>
             <p:cNvCxnSpPr>
               <a:stCxn id="49" idx="6"/>
-              <a:endCxn id="55" idx="1"/>
             </p:cNvCxnSpPr>
             <p:nvPr/>
           </p:nvCxnSpPr>
           <p:spPr>
             <a:xfrm>
-              <a:off x="7599336" y="1262433"/>
+              <a:off x="7608214" y="836289"/>
               <a:ext cx="1040850" cy="20774"/>
             </a:xfrm>
             <a:prstGeom prst="straightConnector1">
@@ -9568,7 +12693,7 @@
           </p:nvGrpSpPr>
           <p:grpSpPr>
             <a:xfrm>
-              <a:off x="8640186" y="933956"/>
+              <a:off x="8649064" y="507812"/>
               <a:ext cx="1271655" cy="698501"/>
               <a:chOff x="4190143" y="2236033"/>
               <a:chExt cx="2205776" cy="1275906"/>
@@ -9729,7 +12854,7 @@
           </mc:AlternateContent>
           <p:sp>
             <p:nvSpPr>
-              <p:cNvPr id="55" name="Rectangle 54">
+              <p:cNvPr id="55" name="Rectangle: Rounded Corners 54">
                 <a:extLst>
                   <a:ext uri="{FF2B5EF4-FFF2-40B4-BE49-F238E27FC236}">
                     <a16:creationId xmlns:a16="http://schemas.microsoft.com/office/drawing/2014/main" id="{635C61B7-4A32-2BF1-AE67-4AC98572DC31}"/>
@@ -9744,7 +12869,7 @@
                 <a:off x="4190143" y="2236033"/>
                 <a:ext cx="2205776" cy="1275906"/>
               </a:xfrm>
-              <a:prstGeom prst="rect">
+              <a:prstGeom prst="roundRect">
                 <a:avLst/>
               </a:prstGeom>
               <a:noFill/>
@@ -9798,7 +12923,7 @@
           </p:nvCxnSpPr>
           <p:spPr>
             <a:xfrm>
-              <a:off x="9928839" y="1260148"/>
+              <a:off x="9937717" y="834004"/>
               <a:ext cx="782962" cy="0"/>
             </a:xfrm>
             <a:prstGeom prst="straightConnector1">
@@ -9842,7 +12967,7 @@
               </p:nvSpPr>
               <p:spPr>
                 <a:xfrm>
-                  <a:off x="4835481" y="3493683"/>
+                  <a:off x="4844359" y="3067539"/>
                   <a:ext cx="1897892" cy="714683"/>
                 </a:xfrm>
                 <a:prstGeom prst="rect">
@@ -9970,7 +13095,7 @@
               </p:nvSpPr>
               <p:spPr>
                 <a:xfrm>
-                  <a:off x="4835481" y="3493683"/>
+                  <a:off x="4844359" y="3067539"/>
                   <a:ext cx="1897892" cy="714683"/>
                 </a:xfrm>
                 <a:prstGeom prst="rect">
@@ -10014,7 +13139,7 @@
               </p:nvSpPr>
               <p:spPr>
                 <a:xfrm>
-                  <a:off x="6304832" y="3474724"/>
+                  <a:off x="6313710" y="3048580"/>
                   <a:ext cx="1897892" cy="714683"/>
                 </a:xfrm>
                 <a:prstGeom prst="rect">
@@ -10142,7 +13267,7 @@
               </p:nvSpPr>
               <p:spPr>
                 <a:xfrm>
-                  <a:off x="6304832" y="3474724"/>
+                  <a:off x="6313710" y="3048580"/>
                   <a:ext cx="1897892" cy="714683"/>
                 </a:xfrm>
                 <a:prstGeom prst="rect">
@@ -10188,7 +13313,7 @@
           </p:nvCxnSpPr>
           <p:spPr>
             <a:xfrm flipV="1">
-              <a:off x="5784427" y="2407181"/>
+              <a:off x="5793305" y="1981037"/>
               <a:ext cx="0" cy="1086502"/>
             </a:xfrm>
             <a:prstGeom prst="straightConnector1">
@@ -10234,7 +13359,7 @@
           </p:nvCxnSpPr>
           <p:spPr>
             <a:xfrm flipV="1">
-              <a:off x="7253778" y="1581410"/>
+              <a:off x="7262656" y="1155266"/>
               <a:ext cx="0" cy="1893314"/>
             </a:xfrm>
             <a:prstGeom prst="straightConnector1">
@@ -10278,7 +13403,7 @@
           </p:nvCxnSpPr>
           <p:spPr>
             <a:xfrm flipV="1">
-              <a:off x="3543860" y="1235468"/>
+              <a:off x="3552738" y="809324"/>
               <a:ext cx="0" cy="1657856"/>
             </a:xfrm>
             <a:prstGeom prst="line">
@@ -10323,7 +13448,7 @@
           </p:nvCxnSpPr>
           <p:spPr>
             <a:xfrm>
-              <a:off x="3543860" y="2079058"/>
+              <a:off x="3552738" y="1652914"/>
               <a:ext cx="1895009" cy="9146"/>
             </a:xfrm>
             <a:prstGeom prst="straightConnector1">
@@ -10368,7 +13493,7 @@
           </p:nvCxnSpPr>
           <p:spPr>
             <a:xfrm>
-              <a:off x="3526862" y="1235468"/>
+              <a:off x="3535740" y="809324"/>
               <a:ext cx="3381358" cy="26965"/>
             </a:xfrm>
             <a:prstGeom prst="straightConnector1">
@@ -10410,7 +13535,7 @@
           </p:nvGrpSpPr>
           <p:grpSpPr>
             <a:xfrm>
-              <a:off x="6908220" y="6131730"/>
+              <a:off x="6917098" y="5705586"/>
               <a:ext cx="691116" cy="637954"/>
               <a:chOff x="1403498" y="1679944"/>
               <a:chExt cx="691116" cy="637954"/>
@@ -10569,6 +13694,7 @@
               </a:extLst>
             </p:cNvPr>
             <p:cNvCxnSpPr>
+              <a:cxnSpLocks/>
               <a:stCxn id="65" idx="6"/>
               <a:endCxn id="71" idx="1"/>
             </p:cNvCxnSpPr>
@@ -10576,8 +13702,8 @@
           </p:nvCxnSpPr>
           <p:spPr>
             <a:xfrm>
-              <a:off x="7599336" y="6450707"/>
-              <a:ext cx="1142063" cy="794"/>
+              <a:off x="7608214" y="6024563"/>
+              <a:ext cx="1062159" cy="6430"/>
             </a:xfrm>
             <a:prstGeom prst="straightConnector1">
               <a:avLst/>
@@ -10618,7 +13744,7 @@
           </p:nvGrpSpPr>
           <p:grpSpPr>
             <a:xfrm>
-              <a:off x="8741399" y="6102250"/>
+              <a:off x="8670373" y="5681742"/>
               <a:ext cx="1271655" cy="698501"/>
               <a:chOff x="4190143" y="2236033"/>
               <a:chExt cx="2205776" cy="1275906"/>
@@ -10779,7 +13905,7 @@
           </mc:AlternateContent>
           <p:sp>
             <p:nvSpPr>
-              <p:cNvPr id="71" name="Rectangle 70">
+              <p:cNvPr id="71" name="Rectangle: Rounded Corners 70">
                 <a:extLst>
                   <a:ext uri="{FF2B5EF4-FFF2-40B4-BE49-F238E27FC236}">
                     <a16:creationId xmlns:a16="http://schemas.microsoft.com/office/drawing/2014/main" id="{FF5BE1A8-A4F0-368D-F7F4-46E66BD6C95B}"/>
@@ -10794,7 +13920,7 @@
                 <a:off x="4190143" y="2236033"/>
                 <a:ext cx="2205776" cy="1275906"/>
               </a:xfrm>
-              <a:prstGeom prst="rect">
+              <a:prstGeom prst="roundRect">
                 <a:avLst/>
               </a:prstGeom>
               <a:noFill/>
@@ -10848,7 +13974,7 @@
           </p:nvCxnSpPr>
           <p:spPr>
             <a:xfrm>
-              <a:off x="10030051" y="6475630"/>
+              <a:off x="9940161" y="6049486"/>
               <a:ext cx="782962" cy="0"/>
             </a:xfrm>
             <a:prstGeom prst="straightConnector1">
@@ -10890,7 +14016,7 @@
           </p:nvGrpSpPr>
           <p:grpSpPr>
             <a:xfrm>
-              <a:off x="5451513" y="5343597"/>
+              <a:off x="5460391" y="4917453"/>
               <a:ext cx="691116" cy="637954"/>
               <a:chOff x="1403498" y="1679944"/>
               <a:chExt cx="691116" cy="637954"/>
@@ -11049,15 +14175,16 @@
               </a:extLst>
             </p:cNvPr>
             <p:cNvCxnSpPr>
+              <a:cxnSpLocks/>
               <a:stCxn id="74" idx="6"/>
               <a:endCxn id="80" idx="1"/>
             </p:cNvCxnSpPr>
             <p:nvPr/>
           </p:nvCxnSpPr>
           <p:spPr>
-            <a:xfrm flipV="1">
-              <a:off x="6142629" y="5653429"/>
-              <a:ext cx="2598770" cy="9145"/>
+            <a:xfrm>
+              <a:off x="6151507" y="5236430"/>
+              <a:ext cx="2518866" cy="0"/>
             </a:xfrm>
             <a:prstGeom prst="straightConnector1">
               <a:avLst/>
@@ -11098,7 +14225,7 @@
           </p:nvGrpSpPr>
           <p:grpSpPr>
             <a:xfrm>
-              <a:off x="8741399" y="5304178"/>
+              <a:off x="8670373" y="4887179"/>
               <a:ext cx="1271655" cy="698501"/>
               <a:chOff x="4190143" y="2236033"/>
               <a:chExt cx="2205776" cy="1275906"/>
@@ -11259,7 +14386,7 @@
           </mc:AlternateContent>
           <p:sp>
             <p:nvSpPr>
-              <p:cNvPr id="80" name="Rectangle 79">
+              <p:cNvPr id="80" name="Rectangle: Rounded Corners 79">
                 <a:extLst>
                   <a:ext uri="{FF2B5EF4-FFF2-40B4-BE49-F238E27FC236}">
                     <a16:creationId xmlns:a16="http://schemas.microsoft.com/office/drawing/2014/main" id="{F7F15DCE-F73D-DDE0-0336-FABA16B2CB50}"/>
@@ -11274,7 +14401,7 @@
                 <a:off x="4190143" y="2236033"/>
                 <a:ext cx="2205776" cy="1275906"/>
               </a:xfrm>
-              <a:prstGeom prst="rect">
+              <a:prstGeom prst="roundRect">
                 <a:avLst/>
               </a:prstGeom>
               <a:noFill/>
@@ -11328,7 +14455,7 @@
           </p:nvCxnSpPr>
           <p:spPr>
             <a:xfrm>
-              <a:off x="10030051" y="5653429"/>
+              <a:off x="9940161" y="5227285"/>
               <a:ext cx="782962" cy="0"/>
             </a:xfrm>
             <a:prstGeom prst="straightConnector1">
@@ -11370,7 +14497,7 @@
           </p:nvGrpSpPr>
           <p:grpSpPr>
             <a:xfrm>
-              <a:off x="8741398" y="4508326"/>
+              <a:off x="8649064" y="4079962"/>
               <a:ext cx="1271655" cy="698501"/>
               <a:chOff x="4190143" y="2236033"/>
               <a:chExt cx="2205776" cy="1275906"/>
@@ -11531,7 +14658,7 @@
           </mc:AlternateContent>
           <p:sp>
             <p:nvSpPr>
-              <p:cNvPr id="84" name="Rectangle 83">
+              <p:cNvPr id="84" name="Rectangle: Rounded Corners 83">
                 <a:extLst>
                   <a:ext uri="{FF2B5EF4-FFF2-40B4-BE49-F238E27FC236}">
                     <a16:creationId xmlns:a16="http://schemas.microsoft.com/office/drawing/2014/main" id="{335075A2-B3D2-A089-4043-AECCC8523538}"/>
@@ -11546,7 +14673,7 @@
                 <a:off x="4190143" y="2236033"/>
                 <a:ext cx="2205776" cy="1275906"/>
               </a:xfrm>
-              <a:prstGeom prst="rect">
+              <a:prstGeom prst="roundRect">
                 <a:avLst/>
               </a:prstGeom>
               <a:noFill/>
@@ -11600,7 +14727,7 @@
           </p:nvCxnSpPr>
           <p:spPr>
             <a:xfrm>
-              <a:off x="10030051" y="4834518"/>
+              <a:off x="9940161" y="4408374"/>
               <a:ext cx="782962" cy="0"/>
             </a:xfrm>
             <a:prstGeom prst="straightConnector1">
@@ -11644,7 +14771,7 @@
           </p:nvCxnSpPr>
           <p:spPr>
             <a:xfrm flipV="1">
-              <a:off x="3543860" y="4809118"/>
+              <a:off x="3552738" y="4382974"/>
               <a:ext cx="0" cy="1615123"/>
             </a:xfrm>
             <a:prstGeom prst="line">
@@ -11689,7 +14816,7 @@
           </p:nvCxnSpPr>
           <p:spPr>
             <a:xfrm>
-              <a:off x="3543860" y="5662574"/>
+              <a:off x="3552738" y="5236430"/>
               <a:ext cx="1907653" cy="0"/>
             </a:xfrm>
             <a:prstGeom prst="straightConnector1">
@@ -11735,8 +14862,8 @@
           </p:nvCxnSpPr>
           <p:spPr>
             <a:xfrm>
-              <a:off x="4888688" y="4825311"/>
-              <a:ext cx="3852710" cy="32266"/>
+              <a:off x="4897566" y="4399167"/>
+              <a:ext cx="3751498" cy="30046"/>
             </a:xfrm>
             <a:prstGeom prst="straightConnector1">
               <a:avLst/>
@@ -11780,7 +14907,7 @@
           </p:nvCxnSpPr>
           <p:spPr>
             <a:xfrm>
-              <a:off x="3543860" y="6424241"/>
+              <a:off x="3552738" y="5998097"/>
               <a:ext cx="3364360" cy="26466"/>
             </a:xfrm>
             <a:prstGeom prst="straightConnector1">
@@ -11824,7 +14951,7 @@
               </p:nvSpPr>
               <p:spPr>
                 <a:xfrm>
-                  <a:off x="10711801" y="2603128"/>
+                  <a:off x="10720679" y="2176984"/>
                   <a:ext cx="889003" cy="461665"/>
                 </a:xfrm>
                 <a:prstGeom prst="rect">
@@ -11897,7 +15024,7 @@
               </p:nvSpPr>
               <p:spPr>
                 <a:xfrm>
-                  <a:off x="10711801" y="2603128"/>
+                  <a:off x="10720679" y="2176984"/>
                   <a:ext cx="889003" cy="461665"/>
                 </a:xfrm>
                 <a:prstGeom prst="rect">
@@ -11941,7 +15068,7 @@
               </p:nvSpPr>
               <p:spPr>
                 <a:xfrm>
-                  <a:off x="10711800" y="1832849"/>
+                  <a:off x="10720678" y="1406705"/>
                   <a:ext cx="889003" cy="461665"/>
                 </a:xfrm>
                 <a:prstGeom prst="rect">
@@ -12014,7 +15141,7 @@
               </p:nvSpPr>
               <p:spPr>
                 <a:xfrm>
-                  <a:off x="10711800" y="1832849"/>
+                  <a:off x="10720678" y="1406705"/>
                   <a:ext cx="889003" cy="461665"/>
                 </a:xfrm>
                 <a:prstGeom prst="rect">
@@ -12058,7 +15185,7 @@
               </p:nvSpPr>
               <p:spPr>
                 <a:xfrm>
-                  <a:off x="10711801" y="957537"/>
+                  <a:off x="10720679" y="531393"/>
                   <a:ext cx="889003" cy="461665"/>
                 </a:xfrm>
                 <a:prstGeom prst="rect">
@@ -12131,7 +15258,7 @@
               </p:nvSpPr>
               <p:spPr>
                 <a:xfrm>
-                  <a:off x="10711801" y="957537"/>
+                  <a:off x="10720679" y="531393"/>
                   <a:ext cx="889003" cy="461665"/>
                 </a:xfrm>
                 <a:prstGeom prst="rect">
@@ -12175,7 +15302,7 @@
               </p:nvSpPr>
               <p:spPr>
                 <a:xfrm>
-                  <a:off x="10784944" y="6242999"/>
+                  <a:off x="10749372" y="5804155"/>
                   <a:ext cx="889003" cy="461665"/>
                 </a:xfrm>
                 <a:prstGeom prst="rect">
@@ -12248,7 +15375,7 @@
               </p:nvSpPr>
               <p:spPr>
                 <a:xfrm>
-                  <a:off x="10784944" y="6242999"/>
+                  <a:off x="10749372" y="5804155"/>
                   <a:ext cx="889003" cy="461665"/>
                 </a:xfrm>
                 <a:prstGeom prst="rect">
@@ -12292,7 +15419,7 @@
               </p:nvSpPr>
               <p:spPr>
                 <a:xfrm>
-                  <a:off x="10784943" y="5472720"/>
+                  <a:off x="10749371" y="4976726"/>
                   <a:ext cx="889003" cy="487762"/>
                 </a:xfrm>
                 <a:prstGeom prst="rect">
@@ -12365,7 +15492,7 @@
               </p:nvSpPr>
               <p:spPr>
                 <a:xfrm>
-                  <a:off x="10784943" y="5472720"/>
+                  <a:off x="10749371" y="4976726"/>
                   <a:ext cx="889003" cy="487762"/>
                 </a:xfrm>
                 <a:prstGeom prst="rect">
@@ -12409,7 +15536,7 @@
               </p:nvSpPr>
               <p:spPr>
                 <a:xfrm>
-                  <a:off x="10784944" y="4597408"/>
+                  <a:off x="10749372" y="4158564"/>
                   <a:ext cx="889003" cy="487762"/>
                 </a:xfrm>
                 <a:prstGeom prst="rect">
@@ -12482,7 +15609,7 @@
               </p:nvSpPr>
               <p:spPr>
                 <a:xfrm>
-                  <a:off x="10784944" y="4597408"/>
+                  <a:off x="10749372" y="4158564"/>
                   <a:ext cx="889003" cy="487762"/>
                 </a:xfrm>
                 <a:prstGeom prst="rect">
@@ -12528,7 +15655,7 @@
           </p:nvCxnSpPr>
           <p:spPr>
             <a:xfrm>
-              <a:off x="5784427" y="4208366"/>
+              <a:off x="5793305" y="3782222"/>
               <a:ext cx="12644" cy="1135231"/>
             </a:xfrm>
             <a:prstGeom prst="straightConnector1">
@@ -12574,7 +15701,7 @@
           </p:nvCxnSpPr>
           <p:spPr>
             <a:xfrm>
-              <a:off x="7253778" y="4189407"/>
+              <a:off x="7262656" y="3763263"/>
               <a:ext cx="0" cy="1942323"/>
             </a:xfrm>
             <a:prstGeom prst="straightConnector1">
@@ -12901,7 +16028,29 @@
       </a:bgFillStyleLst>
     </a:fmtScheme>
   </a:themeElements>
-  <a:objectDefaults/>
+  <a:objectDefaults>
+    <a:txDef>
+      <a:spPr>
+        <a:noFill/>
+        <a:ln w="28575">
+          <a:solidFill>
+            <a:schemeClr val="tx1"/>
+          </a:solidFill>
+        </a:ln>
+      </a:spPr>
+      <a:bodyPr wrap="square" rtlCol="0" anchor="ctr" anchorCtr="1">
+        <a:normAutofit/>
+      </a:bodyPr>
+      <a:lstStyle>
+        <a:defPPr algn="ctr">
+          <a:defRPr sz="2400" dirty="0" smtClean="0">
+            <a:latin typeface="Arial" panose="020B0604020202020204" pitchFamily="34" charset="0"/>
+            <a:cs typeface="Arial" panose="020B0604020202020204" pitchFamily="34" charset="0"/>
+          </a:defRPr>
+        </a:defPPr>
+      </a:lstStyle>
+    </a:txDef>
+  </a:objectDefaults>
   <a:extraClrSchemeLst/>
   <a:extLst>
     <a:ext uri="{05A4C25C-085E-4340-85A3-A5531E510DB2}">

--- a/Final dissertation/_IMAGES/PPT2SVG/PPT2SVG.pptx
+++ b/Final dissertation/_IMAGES/PPT2SVG/PPT2SVG.pptx
@@ -161,6 +161,110 @@
 <file path=ppt/changesInfos/changesInfo1.xml><?xml version="1.0" encoding="utf-8"?>
 <pc:chgInfo xmlns:a="http://schemas.openxmlformats.org/drawingml/2006/main" xmlns:r="http://schemas.openxmlformats.org/officeDocument/2006/relationships" xmlns:ac="http://schemas.microsoft.com/office/drawing/2013/main/command" xmlns:pc="http://schemas.microsoft.com/office/powerpoint/2013/main/command">
   <pc:docChgLst>
+    <pc:chgData name="Yaowen Hu" userId="81e4f212d1a9d49e" providerId="LiveId" clId="{45E86E5A-B785-4BDA-8702-CE7BE49DD7E1}"/>
+    <pc:docChg chg="undo custSel modSld">
+      <pc:chgData name="Yaowen Hu" userId="81e4f212d1a9d49e" providerId="LiveId" clId="{45E86E5A-B785-4BDA-8702-CE7BE49DD7E1}" dt="2023-08-15T13:15:18.041" v="27" actId="255"/>
+      <pc:docMkLst>
+        <pc:docMk/>
+      </pc:docMkLst>
+      <pc:sldChg chg="modSp mod">
+        <pc:chgData name="Yaowen Hu" userId="81e4f212d1a9d49e" providerId="LiveId" clId="{45E86E5A-B785-4BDA-8702-CE7BE49DD7E1}" dt="2023-08-15T13:15:18.041" v="27" actId="255"/>
+        <pc:sldMkLst>
+          <pc:docMk/>
+          <pc:sldMk cId="1618399317" sldId="258"/>
+        </pc:sldMkLst>
+        <pc:spChg chg="mod">
+          <ac:chgData name="Yaowen Hu" userId="81e4f212d1a9d49e" providerId="LiveId" clId="{45E86E5A-B785-4BDA-8702-CE7BE49DD7E1}" dt="2023-08-15T13:15:18.041" v="27" actId="255"/>
+          <ac:spMkLst>
+            <pc:docMk/>
+            <pc:sldMk cId="1618399317" sldId="258"/>
+            <ac:spMk id="4" creationId="{DA1A8C21-B571-2E02-C4EA-5725E83CA028}"/>
+          </ac:spMkLst>
+        </pc:spChg>
+        <pc:spChg chg="mod">
+          <ac:chgData name="Yaowen Hu" userId="81e4f212d1a9d49e" providerId="LiveId" clId="{45E86E5A-B785-4BDA-8702-CE7BE49DD7E1}" dt="2023-08-15T13:15:18.041" v="27" actId="255"/>
+          <ac:spMkLst>
+            <pc:docMk/>
+            <pc:sldMk cId="1618399317" sldId="258"/>
+            <ac:spMk id="7" creationId="{E76C0540-6453-BBC3-90EC-56C8587AAC54}"/>
+          </ac:spMkLst>
+        </pc:spChg>
+        <pc:spChg chg="mod">
+          <ac:chgData name="Yaowen Hu" userId="81e4f212d1a9d49e" providerId="LiveId" clId="{45E86E5A-B785-4BDA-8702-CE7BE49DD7E1}" dt="2023-08-15T13:15:18.041" v="27" actId="255"/>
+          <ac:spMkLst>
+            <pc:docMk/>
+            <pc:sldMk cId="1618399317" sldId="258"/>
+            <ac:spMk id="9" creationId="{BFAFA907-8895-7D6D-CD07-0B43C86B4C2F}"/>
+          </ac:spMkLst>
+        </pc:spChg>
+        <pc:spChg chg="mod">
+          <ac:chgData name="Yaowen Hu" userId="81e4f212d1a9d49e" providerId="LiveId" clId="{45E86E5A-B785-4BDA-8702-CE7BE49DD7E1}" dt="2023-08-15T13:15:18.041" v="27" actId="255"/>
+          <ac:spMkLst>
+            <pc:docMk/>
+            <pc:sldMk cId="1618399317" sldId="258"/>
+            <ac:spMk id="20" creationId="{1A021F97-5C00-C3D3-D38F-B07A6435D960}"/>
+          </ac:spMkLst>
+        </pc:spChg>
+        <pc:spChg chg="mod">
+          <ac:chgData name="Yaowen Hu" userId="81e4f212d1a9d49e" providerId="LiveId" clId="{45E86E5A-B785-4BDA-8702-CE7BE49DD7E1}" dt="2023-08-15T13:15:18.041" v="27" actId="255"/>
+          <ac:spMkLst>
+            <pc:docMk/>
+            <pc:sldMk cId="1618399317" sldId="258"/>
+            <ac:spMk id="31" creationId="{AB7108D2-6D52-87C1-A6A6-78404B48B974}"/>
+          </ac:spMkLst>
+        </pc:spChg>
+        <pc:spChg chg="mod">
+          <ac:chgData name="Yaowen Hu" userId="81e4f212d1a9d49e" providerId="LiveId" clId="{45E86E5A-B785-4BDA-8702-CE7BE49DD7E1}" dt="2023-08-15T13:15:18.041" v="27" actId="255"/>
+          <ac:spMkLst>
+            <pc:docMk/>
+            <pc:sldMk cId="1618399317" sldId="258"/>
+            <ac:spMk id="32" creationId="{8B95B1EC-340F-AEF1-BE4F-470A9CAE71BB}"/>
+          </ac:spMkLst>
+        </pc:spChg>
+        <pc:spChg chg="mod">
+          <ac:chgData name="Yaowen Hu" userId="81e4f212d1a9d49e" providerId="LiveId" clId="{45E86E5A-B785-4BDA-8702-CE7BE49DD7E1}" dt="2023-08-15T13:15:18.041" v="27" actId="255"/>
+          <ac:spMkLst>
+            <pc:docMk/>
+            <pc:sldMk cId="1618399317" sldId="258"/>
+            <ac:spMk id="35" creationId="{9924849D-C3F1-8D8A-EDC4-3339259E1543}"/>
+          </ac:spMkLst>
+        </pc:spChg>
+        <pc:spChg chg="mod">
+          <ac:chgData name="Yaowen Hu" userId="81e4f212d1a9d49e" providerId="LiveId" clId="{45E86E5A-B785-4BDA-8702-CE7BE49DD7E1}" dt="2023-08-15T13:15:18.041" v="27" actId="255"/>
+          <ac:spMkLst>
+            <pc:docMk/>
+            <pc:sldMk cId="1618399317" sldId="258"/>
+            <ac:spMk id="36" creationId="{DE9B4D1D-36E9-C97A-24BA-EF102030B951}"/>
+          </ac:spMkLst>
+        </pc:spChg>
+        <pc:spChg chg="mod">
+          <ac:chgData name="Yaowen Hu" userId="81e4f212d1a9d49e" providerId="LiveId" clId="{45E86E5A-B785-4BDA-8702-CE7BE49DD7E1}" dt="2023-08-15T13:15:18.041" v="27" actId="255"/>
+          <ac:spMkLst>
+            <pc:docMk/>
+            <pc:sldMk cId="1618399317" sldId="258"/>
+            <ac:spMk id="40" creationId="{C03F29F2-6EA3-6D1F-AB27-CB438E7FEBD9}"/>
+          </ac:spMkLst>
+        </pc:spChg>
+        <pc:spChg chg="mod">
+          <ac:chgData name="Yaowen Hu" userId="81e4f212d1a9d49e" providerId="LiveId" clId="{45E86E5A-B785-4BDA-8702-CE7BE49DD7E1}" dt="2023-08-15T13:15:18.041" v="27" actId="255"/>
+          <ac:spMkLst>
+            <pc:docMk/>
+            <pc:sldMk cId="1618399317" sldId="258"/>
+            <ac:spMk id="43" creationId="{0AD9A67B-E148-D84C-98F1-0E907E1C1C0C}"/>
+          </ac:spMkLst>
+        </pc:spChg>
+        <pc:cxnChg chg="mod">
+          <ac:chgData name="Yaowen Hu" userId="81e4f212d1a9d49e" providerId="LiveId" clId="{45E86E5A-B785-4BDA-8702-CE7BE49DD7E1}" dt="2023-08-15T13:13:57.716" v="22" actId="14100"/>
+          <ac:cxnSpMkLst>
+            <pc:docMk/>
+            <pc:sldMk cId="1618399317" sldId="258"/>
+            <ac:cxnSpMk id="38" creationId="{5BE3F574-84A6-C4FC-26E7-4BCAB7409FBB}"/>
+          </ac:cxnSpMkLst>
+        </pc:cxnChg>
+      </pc:sldChg>
+    </pc:docChg>
+  </pc:docChgLst>
+  <pc:docChgLst>
     <pc:chgData name="Yaowen Hu" userId="81e4f212d1a9d49e" providerId="LiveId" clId="{1A970390-34B1-4875-A282-541D41E777C2}"/>
     <pc:docChg chg="modSld sldOrd addSection modSection">
       <pc:chgData name="Yaowen Hu" userId="81e4f212d1a9d49e" providerId="LiveId" clId="{1A970390-34B1-4875-A282-541D41E777C2}" dt="2023-08-09T15:49:23.607" v="21" actId="17846"/>
@@ -3811,7 +3915,7 @@
           <a:p>
             <a:fld id="{A4A74AF1-5DB1-4F99-A03B-731742987867}" type="datetimeFigureOut">
               <a:rPr lang="en-GB" smtClean="0"/>
-              <a:t>14/08/2023</a:t>
+              <a:t>15/08/2023</a:t>
             </a:fld>
             <a:endParaRPr lang="en-GB"/>
           </a:p>
@@ -4011,7 +4115,7 @@
           <a:p>
             <a:fld id="{A4A74AF1-5DB1-4F99-A03B-731742987867}" type="datetimeFigureOut">
               <a:rPr lang="en-GB" smtClean="0"/>
-              <a:t>14/08/2023</a:t>
+              <a:t>15/08/2023</a:t>
             </a:fld>
             <a:endParaRPr lang="en-GB"/>
           </a:p>
@@ -4221,7 +4325,7 @@
           <a:p>
             <a:fld id="{A4A74AF1-5DB1-4F99-A03B-731742987867}" type="datetimeFigureOut">
               <a:rPr lang="en-GB" smtClean="0"/>
-              <a:t>14/08/2023</a:t>
+              <a:t>15/08/2023</a:t>
             </a:fld>
             <a:endParaRPr lang="en-GB"/>
           </a:p>
@@ -4421,7 +4525,7 @@
           <a:p>
             <a:fld id="{A4A74AF1-5DB1-4F99-A03B-731742987867}" type="datetimeFigureOut">
               <a:rPr lang="en-GB" smtClean="0"/>
-              <a:t>14/08/2023</a:t>
+              <a:t>15/08/2023</a:t>
             </a:fld>
             <a:endParaRPr lang="en-GB"/>
           </a:p>
@@ -4697,7 +4801,7 @@
           <a:p>
             <a:fld id="{A4A74AF1-5DB1-4F99-A03B-731742987867}" type="datetimeFigureOut">
               <a:rPr lang="en-GB" smtClean="0"/>
-              <a:t>14/08/2023</a:t>
+              <a:t>15/08/2023</a:t>
             </a:fld>
             <a:endParaRPr lang="en-GB"/>
           </a:p>
@@ -4965,7 +5069,7 @@
           <a:p>
             <a:fld id="{A4A74AF1-5DB1-4F99-A03B-731742987867}" type="datetimeFigureOut">
               <a:rPr lang="en-GB" smtClean="0"/>
-              <a:t>14/08/2023</a:t>
+              <a:t>15/08/2023</a:t>
             </a:fld>
             <a:endParaRPr lang="en-GB"/>
           </a:p>
@@ -5380,7 +5484,7 @@
           <a:p>
             <a:fld id="{A4A74AF1-5DB1-4F99-A03B-731742987867}" type="datetimeFigureOut">
               <a:rPr lang="en-GB" smtClean="0"/>
-              <a:t>14/08/2023</a:t>
+              <a:t>15/08/2023</a:t>
             </a:fld>
             <a:endParaRPr lang="en-GB"/>
           </a:p>
@@ -5522,7 +5626,7 @@
           <a:p>
             <a:fld id="{A4A74AF1-5DB1-4F99-A03B-731742987867}" type="datetimeFigureOut">
               <a:rPr lang="en-GB" smtClean="0"/>
-              <a:t>14/08/2023</a:t>
+              <a:t>15/08/2023</a:t>
             </a:fld>
             <a:endParaRPr lang="en-GB"/>
           </a:p>
@@ -5635,7 +5739,7 @@
           <a:p>
             <a:fld id="{A4A74AF1-5DB1-4F99-A03B-731742987867}" type="datetimeFigureOut">
               <a:rPr lang="en-GB" smtClean="0"/>
-              <a:t>14/08/2023</a:t>
+              <a:t>15/08/2023</a:t>
             </a:fld>
             <a:endParaRPr lang="en-GB"/>
           </a:p>
@@ -5948,7 +6052,7 @@
           <a:p>
             <a:fld id="{A4A74AF1-5DB1-4F99-A03B-731742987867}" type="datetimeFigureOut">
               <a:rPr lang="en-GB" smtClean="0"/>
-              <a:t>14/08/2023</a:t>
+              <a:t>15/08/2023</a:t>
             </a:fld>
             <a:endParaRPr lang="en-GB"/>
           </a:p>
@@ -6237,7 +6341,7 @@
           <a:p>
             <a:fld id="{A4A74AF1-5DB1-4F99-A03B-731742987867}" type="datetimeFigureOut">
               <a:rPr lang="en-GB" smtClean="0"/>
-              <a:t>14/08/2023</a:t>
+              <a:t>15/08/2023</a:t>
             </a:fld>
             <a:endParaRPr lang="en-GB"/>
           </a:p>
@@ -6480,7 +6584,7 @@
           <a:p>
             <a:fld id="{A4A74AF1-5DB1-4F99-A03B-731742987867}" type="datetimeFigureOut">
               <a:rPr lang="en-GB" smtClean="0"/>
-              <a:t>14/08/2023</a:t>
+              <a:t>15/08/2023</a:t>
             </a:fld>
             <a:endParaRPr lang="en-GB"/>
           </a:p>
@@ -8859,9 +8963,9 @@
         <p:grpSpPr>
           <a:xfrm>
             <a:off x="895347" y="1381126"/>
-            <a:ext cx="11178428" cy="3087178"/>
+            <a:ext cx="10914268" cy="3087178"/>
             <a:chOff x="895347" y="1381126"/>
-            <a:chExt cx="11178428" cy="3087178"/>
+            <a:chExt cx="10914268" cy="3087178"/>
           </a:xfrm>
         </p:grpSpPr>
         <p:sp>
@@ -8879,7 +8983,7 @@
           <p:spPr>
             <a:xfrm>
               <a:off x="7792287" y="1381126"/>
-              <a:ext cx="2281237" cy="3087178"/>
+              <a:ext cx="2182453" cy="3087178"/>
             </a:xfrm>
             <a:prstGeom prst="roundRect">
               <a:avLst>
@@ -9514,7 +9618,7 @@
               <a:solidFill>
                 <a:schemeClr val="tx1"/>
               </a:solidFill>
-              <a:prstDash val="dash"/>
+              <a:prstDash val="sysDot"/>
             </a:ln>
           </p:spPr>
           <p:txBody>
@@ -9555,7 +9659,7 @@
           <p:spPr>
             <a:xfrm>
               <a:off x="9797300" y="2162175"/>
-              <a:ext cx="1685925" cy="0"/>
+              <a:ext cx="2012315" cy="0"/>
             </a:xfrm>
             <a:prstGeom prst="straightConnector1">
               <a:avLst/>
@@ -9597,8 +9701,8 @@
           </p:nvSpPr>
           <p:spPr>
             <a:xfrm>
-              <a:off x="10149725" y="2143125"/>
-              <a:ext cx="1924050" cy="895350"/>
+              <a:off x="9885565" y="2209307"/>
+              <a:ext cx="1924050" cy="829167"/>
             </a:xfrm>
             <a:prstGeom prst="roundRect">
               <a:avLst/>
@@ -9892,7 +9996,7 @@
             <a:lstStyle/>
             <a:p>
               <a:pPr algn="ctr"/>
-              <a:endParaRPr lang="en-GB"/>
+              <a:endParaRPr lang="en-GB" sz="2400"/>
             </a:p>
           </p:txBody>
         </p:sp>
